--- a/classes/stats2015/Lecture21.pptx
+++ b/classes/stats2015/Lecture21.pptx
@@ -16,23 +16,24 @@
     <p:sldId id="264" r:id="rId10"/>
     <p:sldId id="265" r:id="rId11"/>
     <p:sldId id="266" r:id="rId12"/>
-    <p:sldId id="267" r:id="rId13"/>
-    <p:sldId id="268" r:id="rId14"/>
-    <p:sldId id="270" r:id="rId15"/>
-    <p:sldId id="269" r:id="rId16"/>
-    <p:sldId id="271" r:id="rId17"/>
-    <p:sldId id="272" r:id="rId18"/>
-    <p:sldId id="273" r:id="rId19"/>
-    <p:sldId id="274" r:id="rId20"/>
-    <p:sldId id="275" r:id="rId21"/>
-    <p:sldId id="276" r:id="rId22"/>
-    <p:sldId id="277" r:id="rId23"/>
-    <p:sldId id="278" r:id="rId24"/>
-    <p:sldId id="279" r:id="rId25"/>
-    <p:sldId id="280" r:id="rId26"/>
-    <p:sldId id="281" r:id="rId27"/>
-    <p:sldId id="282" r:id="rId28"/>
-    <p:sldId id="283" r:id="rId29"/>
+    <p:sldId id="284" r:id="rId13"/>
+    <p:sldId id="267" r:id="rId14"/>
+    <p:sldId id="268" r:id="rId15"/>
+    <p:sldId id="270" r:id="rId16"/>
+    <p:sldId id="269" r:id="rId17"/>
+    <p:sldId id="271" r:id="rId18"/>
+    <p:sldId id="272" r:id="rId19"/>
+    <p:sldId id="273" r:id="rId20"/>
+    <p:sldId id="274" r:id="rId21"/>
+    <p:sldId id="275" r:id="rId22"/>
+    <p:sldId id="276" r:id="rId23"/>
+    <p:sldId id="277" r:id="rId24"/>
+    <p:sldId id="278" r:id="rId25"/>
+    <p:sldId id="279" r:id="rId26"/>
+    <p:sldId id="280" r:id="rId27"/>
+    <p:sldId id="281" r:id="rId28"/>
+    <p:sldId id="282" r:id="rId29"/>
+    <p:sldId id="283" r:id="rId30"/>
   </p:sldIdLst>
   <p:sldSz cx="9144000" cy="6858000" type="screen4x3"/>
   <p:notesSz cx="6858000" cy="9144000"/>
@@ -4014,16 +4015,48 @@
           <a:chExt cx="0" cy="0"/>
         </a:xfrm>
       </p:grpSpPr>
-      <p:sp>
-        <p:nvSpPr>
-          <p:cNvPr id="4" name="TextBox 3"/>
+      <p:pic>
+        <p:nvPicPr>
+          <p:cNvPr id="1027" name="Picture 3"/>
+          <p:cNvPicPr>
+            <a:picLocks noChangeAspect="1" noChangeArrowheads="1"/>
+          </p:cNvPicPr>
+          <p:nvPr/>
+        </p:nvPicPr>
+        <p:blipFill>
+          <a:blip r:embed="rId2" cstate="print"/>
+          <a:srcRect/>
+          <a:stretch>
+            <a:fillRect/>
+          </a:stretch>
+        </p:blipFill>
+        <p:spPr bwMode="auto">
+          <a:xfrm>
+            <a:off x="228600" y="1295400"/>
+            <a:ext cx="8767763" cy="2891223"/>
+          </a:xfrm>
+          <a:prstGeom prst="rect">
+            <a:avLst/>
+          </a:prstGeom>
+          <a:noFill/>
+          <a:ln w="9525">
+            <a:noFill/>
+            <a:miter lim="800000"/>
+            <a:headEnd/>
+            <a:tailEnd/>
+          </a:ln>
+        </p:spPr>
+      </p:pic>
+      <p:sp>
+        <p:nvSpPr>
+          <p:cNvPr id="6" name="TextBox 5"/>
           <p:cNvSpPr txBox="1"/>
           <p:nvPr/>
         </p:nvSpPr>
         <p:spPr>
           <a:xfrm>
-            <a:off x="533400" y="304800"/>
-            <a:ext cx="6674969" cy="1200329"/>
+            <a:off x="457200" y="533400"/>
+            <a:ext cx="8533875" cy="646331"/>
           </a:xfrm>
           <a:prstGeom prst="rect">
             <a:avLst/>
@@ -4038,59 +4071,23 @@
           <a:p>
             <a:r>
               <a:rPr lang="en-US" dirty="0" smtClean="0"/>
-              <a:t>Generalized linear models – Poisson distribution</a:t>
-            </a:r>
+              <a:t>We can use “predict” to get the line for our model, but it is good to know that we can do </a:t>
+            </a:r>
+            <a:endParaRPr lang="en-US" dirty="0" smtClean="0"/>
           </a:p>
           <a:p>
             <a:r>
               <a:rPr lang="en-US" dirty="0" smtClean="0"/>
-              <a:t>Generalized linear models – Negative binomial distribution</a:t>
-            </a:r>
-          </a:p>
-          <a:p>
+              <a:t>i</a:t>
+            </a:r>
             <a:r>
               <a:rPr lang="en-US" dirty="0" smtClean="0"/>
-              <a:t>Generalized linear models – logistic regression (binomial distribution)</a:t>
-            </a:r>
-          </a:p>
-          <a:p>
+              <a:t>t ourselves…</a:t>
+            </a:r>
             <a:endParaRPr lang="en-US" dirty="0"/>
           </a:p>
         </p:txBody>
       </p:sp>
-      <p:cxnSp>
-        <p:nvCxnSpPr>
-          <p:cNvPr id="5" name="Straight Arrow Connector 4"/>
-          <p:cNvCxnSpPr/>
-          <p:nvPr/>
-        </p:nvCxnSpPr>
-        <p:spPr>
-          <a:xfrm flipH="1">
-            <a:off x="6172200" y="762000"/>
-            <a:ext cx="609600" cy="0"/>
-          </a:xfrm>
-          <a:prstGeom prst="straightConnector1">
-            <a:avLst/>
-          </a:prstGeom>
-          <a:ln>
-            <a:tailEnd type="arrow"/>
-          </a:ln>
-        </p:spPr>
-        <p:style>
-          <a:lnRef idx="1">
-            <a:schemeClr val="accent1"/>
-          </a:lnRef>
-          <a:fillRef idx="0">
-            <a:schemeClr val="accent1"/>
-          </a:fillRef>
-          <a:effectRef idx="0">
-            <a:schemeClr val="accent1"/>
-          </a:effectRef>
-          <a:fontRef idx="minor">
-            <a:schemeClr val="tx1"/>
-          </a:fontRef>
-        </p:style>
-      </p:cxnSp>
     </p:spTree>
   </p:cSld>
   <p:clrMapOvr>
@@ -4124,8 +4121,8 @@
         </p:nvSpPr>
         <p:spPr>
           <a:xfrm>
-            <a:off x="381000" y="11668"/>
-            <a:ext cx="8490466" cy="646331"/>
+            <a:off x="533400" y="304800"/>
+            <a:ext cx="6674969" cy="1200329"/>
           </a:xfrm>
           <a:prstGeom prst="rect">
             <a:avLst/>
@@ -4139,70 +4136,37 @@
           <a:lstStyle/>
           <a:p>
             <a:r>
-              <a:rPr lang="en-US" dirty="0" smtClean="0">
-                <a:latin typeface="Arial" pitchFamily="34" charset="0"/>
-                <a:cs typeface="Arial" pitchFamily="34" charset="0"/>
-              </a:rPr>
-              <a:t>We can relax the assumption that the variance equals the mean with the negative</a:t>
-            </a:r>
-          </a:p>
-          <a:p>
-            <a:r>
-              <a:rPr lang="en-US" dirty="0" smtClean="0">
-                <a:latin typeface="Arial" pitchFamily="34" charset="0"/>
-                <a:cs typeface="Arial" pitchFamily="34" charset="0"/>
-              </a:rPr>
-              <a:t>binomial distribution..</a:t>
-            </a:r>
-            <a:endParaRPr lang="en-US" dirty="0">
-              <a:latin typeface="Arial" pitchFamily="34" charset="0"/>
-              <a:cs typeface="Arial" pitchFamily="34" charset="0"/>
-            </a:endParaRPr>
-          </a:p>
-        </p:txBody>
-      </p:sp>
-      <p:pic>
-        <p:nvPicPr>
-          <p:cNvPr id="5122" name="Picture 2"/>
-          <p:cNvPicPr>
-            <a:picLocks noChangeAspect="1" noChangeArrowheads="1"/>
-          </p:cNvPicPr>
-          <p:nvPr/>
-        </p:nvPicPr>
-        <p:blipFill>
-          <a:blip r:embed="rId2" cstate="print"/>
-          <a:srcRect/>
-          <a:stretch>
-            <a:fillRect/>
-          </a:stretch>
-        </p:blipFill>
-        <p:spPr bwMode="auto">
-          <a:xfrm>
-            <a:off x="990600" y="1219200"/>
-            <a:ext cx="4886325" cy="1247775"/>
-          </a:xfrm>
-          <a:prstGeom prst="rect">
-            <a:avLst/>
-          </a:prstGeom>
-          <a:noFill/>
-          <a:ln w="9525">
-            <a:noFill/>
-            <a:miter lim="800000"/>
-            <a:headEnd/>
-            <a:tailEnd/>
-          </a:ln>
-        </p:spPr>
-      </p:pic>
+              <a:rPr lang="en-US" dirty="0" smtClean="0"/>
+              <a:t>Generalized linear models – Poisson distribution</a:t>
+            </a:r>
+          </a:p>
+          <a:p>
+            <a:r>
+              <a:rPr lang="en-US" dirty="0" smtClean="0"/>
+              <a:t>Generalized linear models – Negative binomial distribution</a:t>
+            </a:r>
+          </a:p>
+          <a:p>
+            <a:r>
+              <a:rPr lang="en-US" dirty="0" smtClean="0"/>
+              <a:t>Generalized linear models – logistic regression (binomial distribution)</a:t>
+            </a:r>
+          </a:p>
+          <a:p>
+            <a:endParaRPr lang="en-US" dirty="0"/>
+          </a:p>
+        </p:txBody>
+      </p:sp>
       <p:cxnSp>
         <p:nvCxnSpPr>
-          <p:cNvPr id="7" name="Straight Arrow Connector 6"/>
+          <p:cNvPr id="5" name="Straight Arrow Connector 4"/>
           <p:cNvCxnSpPr/>
           <p:nvPr/>
         </p:nvCxnSpPr>
         <p:spPr>
           <a:xfrm flipH="1">
-            <a:off x="2971800" y="838200"/>
-            <a:ext cx="457200" cy="533400"/>
+            <a:off x="6172200" y="762000"/>
+            <a:ext cx="609600" cy="0"/>
           </a:xfrm>
           <a:prstGeom prst="straightConnector1">
             <a:avLst/>
@@ -4226,162 +4190,6 @@
           </a:fontRef>
         </p:style>
       </p:cxnSp>
-      <p:sp>
-        <p:nvSpPr>
-          <p:cNvPr id="8" name="TextBox 7"/>
-          <p:cNvSpPr txBox="1"/>
-          <p:nvPr/>
-        </p:nvSpPr>
-        <p:spPr>
-          <a:xfrm>
-            <a:off x="3434801" y="609600"/>
-            <a:ext cx="4718599" cy="369332"/>
-          </a:xfrm>
-          <a:prstGeom prst="rect">
-            <a:avLst/>
-          </a:prstGeom>
-          <a:noFill/>
-        </p:spPr>
-        <p:txBody>
-          <a:bodyPr wrap="none" rtlCol="0">
-            <a:spAutoFit/>
-          </a:bodyPr>
-          <a:lstStyle/>
-          <a:p>
-            <a:r>
-              <a:rPr lang="en-US" dirty="0" smtClean="0"/>
-              <a:t>We add one parameter that adjusts the variance</a:t>
-            </a:r>
-            <a:endParaRPr lang="en-US" dirty="0"/>
-          </a:p>
-        </p:txBody>
-      </p:sp>
-      <p:cxnSp>
-        <p:nvCxnSpPr>
-          <p:cNvPr id="10" name="Straight Arrow Connector 9"/>
-          <p:cNvCxnSpPr/>
-          <p:nvPr/>
-        </p:nvCxnSpPr>
-        <p:spPr>
-          <a:xfrm flipH="1">
-            <a:off x="4648200" y="1600200"/>
-            <a:ext cx="457200" cy="228600"/>
-          </a:xfrm>
-          <a:prstGeom prst="straightConnector1">
-            <a:avLst/>
-          </a:prstGeom>
-          <a:ln>
-            <a:tailEnd type="arrow"/>
-          </a:ln>
-        </p:spPr>
-        <p:style>
-          <a:lnRef idx="1">
-            <a:schemeClr val="accent1"/>
-          </a:lnRef>
-          <a:fillRef idx="0">
-            <a:schemeClr val="accent1"/>
-          </a:fillRef>
-          <a:effectRef idx="0">
-            <a:schemeClr val="accent1"/>
-          </a:effectRef>
-          <a:fontRef idx="minor">
-            <a:schemeClr val="tx1"/>
-          </a:fontRef>
-        </p:style>
-      </p:cxnSp>
-      <p:cxnSp>
-        <p:nvCxnSpPr>
-          <p:cNvPr id="15" name="Straight Arrow Connector 14"/>
-          <p:cNvCxnSpPr/>
-          <p:nvPr/>
-        </p:nvCxnSpPr>
-        <p:spPr>
-          <a:xfrm flipV="1">
-            <a:off x="2438400" y="2438400"/>
-            <a:ext cx="304800" cy="381000"/>
-          </a:xfrm>
-          <a:prstGeom prst="straightConnector1">
-            <a:avLst/>
-          </a:prstGeom>
-          <a:ln>
-            <a:tailEnd type="arrow"/>
-          </a:ln>
-        </p:spPr>
-        <p:style>
-          <a:lnRef idx="1">
-            <a:schemeClr val="accent1"/>
-          </a:lnRef>
-          <a:fillRef idx="0">
-            <a:schemeClr val="accent1"/>
-          </a:fillRef>
-          <a:effectRef idx="0">
-            <a:schemeClr val="accent1"/>
-          </a:effectRef>
-          <a:fontRef idx="minor">
-            <a:schemeClr val="tx1"/>
-          </a:fontRef>
-        </p:style>
-      </p:cxnSp>
-      <p:sp>
-        <p:nvSpPr>
-          <p:cNvPr id="16" name="TextBox 15"/>
-          <p:cNvSpPr txBox="1"/>
-          <p:nvPr/>
-        </p:nvSpPr>
-        <p:spPr>
-          <a:xfrm>
-            <a:off x="2673993" y="2502932"/>
-            <a:ext cx="4641207" cy="369332"/>
-          </a:xfrm>
-          <a:prstGeom prst="rect">
-            <a:avLst/>
-          </a:prstGeom>
-          <a:noFill/>
-        </p:spPr>
-        <p:txBody>
-          <a:bodyPr wrap="none" rtlCol="0">
-            <a:spAutoFit/>
-          </a:bodyPr>
-          <a:lstStyle/>
-          <a:p>
-            <a:r>
-              <a:rPr lang="en-US" dirty="0" smtClean="0"/>
-              <a:t>The “linkage” equation is the same as Poisson…</a:t>
-            </a:r>
-            <a:endParaRPr lang="en-US" dirty="0"/>
-          </a:p>
-        </p:txBody>
-      </p:sp>
-      <p:sp>
-        <p:nvSpPr>
-          <p:cNvPr id="17" name="TextBox 16"/>
-          <p:cNvSpPr txBox="1"/>
-          <p:nvPr/>
-        </p:nvSpPr>
-        <p:spPr>
-          <a:xfrm>
-            <a:off x="5029200" y="1371600"/>
-            <a:ext cx="3526735" cy="369332"/>
-          </a:xfrm>
-          <a:prstGeom prst="rect">
-            <a:avLst/>
-          </a:prstGeom>
-          <a:noFill/>
-        </p:spPr>
-        <p:txBody>
-          <a:bodyPr wrap="none" rtlCol="0">
-            <a:spAutoFit/>
-          </a:bodyPr>
-          <a:lstStyle/>
-          <a:p>
-            <a:r>
-              <a:rPr lang="en-US" dirty="0" smtClean="0"/>
-              <a:t>Shotgun noise + additional variance</a:t>
-            </a:r>
-            <a:endParaRPr lang="en-US" dirty="0"/>
-          </a:p>
-        </p:txBody>
-      </p:sp>
     </p:spTree>
   </p:cSld>
   <p:clrMapOvr>
@@ -4415,8 +4223,8 @@
         </p:nvSpPr>
         <p:spPr>
           <a:xfrm>
-            <a:off x="685800" y="304800"/>
-            <a:ext cx="7468968" cy="369332"/>
+            <a:off x="381000" y="11668"/>
+            <a:ext cx="8490466" cy="646331"/>
           </a:xfrm>
           <a:prstGeom prst="rect">
             <a:avLst/>
@@ -4430,24 +4238,31 @@
           <a:lstStyle/>
           <a:p>
             <a:r>
-              <a:rPr lang="en-US" dirty="0" smtClean="0"/>
-              <a:t>We put this all together (</a:t>
-            </a:r>
-            <a:r>
-              <a:rPr lang="en-US" dirty="0" err="1" smtClean="0"/>
-              <a:t>Zuur</a:t>
-            </a:r>
-            <a:r>
-              <a:rPr lang="en-US" dirty="0" smtClean="0"/>
-              <a:t> book Chapter 9) to get our likelihood function….</a:t>
-            </a:r>
-            <a:endParaRPr lang="en-US" dirty="0"/>
+              <a:rPr lang="en-US" dirty="0" smtClean="0">
+                <a:latin typeface="Arial" pitchFamily="34" charset="0"/>
+                <a:cs typeface="Arial" pitchFamily="34" charset="0"/>
+              </a:rPr>
+              <a:t>We can relax the assumption that the variance equals the mean with the negative</a:t>
+            </a:r>
+          </a:p>
+          <a:p>
+            <a:r>
+              <a:rPr lang="en-US" dirty="0" smtClean="0">
+                <a:latin typeface="Arial" pitchFamily="34" charset="0"/>
+                <a:cs typeface="Arial" pitchFamily="34" charset="0"/>
+              </a:rPr>
+              <a:t>binomial distribution..</a:t>
+            </a:r>
+            <a:endParaRPr lang="en-US" dirty="0">
+              <a:latin typeface="Arial" pitchFamily="34" charset="0"/>
+              <a:cs typeface="Arial" pitchFamily="34" charset="0"/>
+            </a:endParaRPr>
           </a:p>
         </p:txBody>
       </p:sp>
       <p:pic>
         <p:nvPicPr>
-          <p:cNvPr id="5" name="Picture 3"/>
+          <p:cNvPr id="5122" name="Picture 2"/>
           <p:cNvPicPr>
             <a:picLocks noChangeAspect="1" noChangeArrowheads="1"/>
           </p:cNvPicPr>
@@ -4462,8 +4277,8 @@
         </p:blipFill>
         <p:spPr bwMode="auto">
           <a:xfrm>
-            <a:off x="533400" y="685800"/>
-            <a:ext cx="6153150" cy="1295400"/>
+            <a:off x="990600" y="1219200"/>
+            <a:ext cx="4886325" cy="1247775"/>
           </a:xfrm>
           <a:prstGeom prst="rect">
             <a:avLst/>
@@ -4477,48 +4292,16 @@
           </a:ln>
         </p:spPr>
       </p:pic>
-      <p:pic>
-        <p:nvPicPr>
-          <p:cNvPr id="6" name="Picture 4"/>
-          <p:cNvPicPr>
-            <a:picLocks noChangeAspect="1" noChangeArrowheads="1"/>
-          </p:cNvPicPr>
-          <p:nvPr/>
-        </p:nvPicPr>
-        <p:blipFill>
-          <a:blip r:embed="rId3" cstate="print"/>
-          <a:srcRect/>
-          <a:stretch>
-            <a:fillRect/>
-          </a:stretch>
-        </p:blipFill>
-        <p:spPr bwMode="auto">
-          <a:xfrm>
-            <a:off x="990600" y="2133600"/>
-            <a:ext cx="6572250" cy="2276475"/>
-          </a:xfrm>
-          <a:prstGeom prst="rect">
-            <a:avLst/>
-          </a:prstGeom>
-          <a:noFill/>
-          <a:ln w="9525">
-            <a:noFill/>
-            <a:miter lim="800000"/>
-            <a:headEnd/>
-            <a:tailEnd/>
-          </a:ln>
-        </p:spPr>
-      </p:pic>
       <p:cxnSp>
         <p:nvCxnSpPr>
-          <p:cNvPr id="8" name="Straight Arrow Connector 7"/>
+          <p:cNvPr id="7" name="Straight Arrow Connector 6"/>
           <p:cNvCxnSpPr/>
           <p:nvPr/>
         </p:nvCxnSpPr>
         <p:spPr>
           <a:xfrm flipH="1">
-            <a:off x="7086600" y="2667000"/>
-            <a:ext cx="457200" cy="0"/>
+            <a:off x="2971800" y="838200"/>
+            <a:ext cx="457200" cy="533400"/>
           </a:xfrm>
           <a:prstGeom prst="straightConnector1">
             <a:avLst/>
@@ -4544,14 +4327,14 @@
       </p:cxnSp>
       <p:sp>
         <p:nvSpPr>
-          <p:cNvPr id="9" name="TextBox 8"/>
+          <p:cNvPr id="8" name="TextBox 7"/>
           <p:cNvSpPr txBox="1"/>
           <p:nvPr/>
         </p:nvSpPr>
         <p:spPr>
           <a:xfrm>
-            <a:off x="7543800" y="2514600"/>
-            <a:ext cx="260008" cy="369332"/>
+            <a:off x="3434801" y="609600"/>
+            <a:ext cx="4718599" cy="369332"/>
           </a:xfrm>
           <a:prstGeom prst="rect">
             <a:avLst/>
@@ -4565,23 +4348,89 @@
           <a:lstStyle/>
           <a:p>
             <a:r>
-              <a:rPr lang="en-US" smtClean="0"/>
-              <a:t>!</a:t>
-            </a:r>
-            <a:endParaRPr lang="en-US"/>
-          </a:p>
-        </p:txBody>
-      </p:sp>
-      <p:sp>
-        <p:nvSpPr>
-          <p:cNvPr id="10" name="TextBox 9"/>
+              <a:rPr lang="en-US" dirty="0" smtClean="0"/>
+              <a:t>We add one parameter that adjusts the variance</a:t>
+            </a:r>
+            <a:endParaRPr lang="en-US" dirty="0"/>
+          </a:p>
+        </p:txBody>
+      </p:sp>
+      <p:cxnSp>
+        <p:nvCxnSpPr>
+          <p:cNvPr id="10" name="Straight Arrow Connector 9"/>
+          <p:cNvCxnSpPr/>
+          <p:nvPr/>
+        </p:nvCxnSpPr>
+        <p:spPr>
+          <a:xfrm flipH="1">
+            <a:off x="4648200" y="1600200"/>
+            <a:ext cx="457200" cy="228600"/>
+          </a:xfrm>
+          <a:prstGeom prst="straightConnector1">
+            <a:avLst/>
+          </a:prstGeom>
+          <a:ln>
+            <a:tailEnd type="arrow"/>
+          </a:ln>
+        </p:spPr>
+        <p:style>
+          <a:lnRef idx="1">
+            <a:schemeClr val="accent1"/>
+          </a:lnRef>
+          <a:fillRef idx="0">
+            <a:schemeClr val="accent1"/>
+          </a:fillRef>
+          <a:effectRef idx="0">
+            <a:schemeClr val="accent1"/>
+          </a:effectRef>
+          <a:fontRef idx="minor">
+            <a:schemeClr val="tx1"/>
+          </a:fontRef>
+        </p:style>
+      </p:cxnSp>
+      <p:cxnSp>
+        <p:nvCxnSpPr>
+          <p:cNvPr id="15" name="Straight Arrow Connector 14"/>
+          <p:cNvCxnSpPr/>
+          <p:nvPr/>
+        </p:nvCxnSpPr>
+        <p:spPr>
+          <a:xfrm flipV="1">
+            <a:off x="2438400" y="2438400"/>
+            <a:ext cx="304800" cy="381000"/>
+          </a:xfrm>
+          <a:prstGeom prst="straightConnector1">
+            <a:avLst/>
+          </a:prstGeom>
+          <a:ln>
+            <a:tailEnd type="arrow"/>
+          </a:ln>
+        </p:spPr>
+        <p:style>
+          <a:lnRef idx="1">
+            <a:schemeClr val="accent1"/>
+          </a:lnRef>
+          <a:fillRef idx="0">
+            <a:schemeClr val="accent1"/>
+          </a:fillRef>
+          <a:effectRef idx="0">
+            <a:schemeClr val="accent1"/>
+          </a:effectRef>
+          <a:fontRef idx="minor">
+            <a:schemeClr val="tx1"/>
+          </a:fontRef>
+        </p:style>
+      </p:cxnSp>
+      <p:sp>
+        <p:nvSpPr>
+          <p:cNvPr id="16" name="TextBox 15"/>
           <p:cNvSpPr txBox="1"/>
           <p:nvPr/>
         </p:nvSpPr>
         <p:spPr>
           <a:xfrm>
-            <a:off x="1371600" y="4648200"/>
-            <a:ext cx="4436343" cy="646331"/>
+            <a:off x="2673993" y="2502932"/>
+            <a:ext cx="4641207" cy="369332"/>
           </a:xfrm>
           <a:prstGeom prst="rect">
             <a:avLst/>
@@ -4596,59 +4445,22 @@
           <a:p>
             <a:r>
               <a:rPr lang="en-US" dirty="0" smtClean="0"/>
-              <a:t>We have our likelihood function to maximize!</a:t>
-            </a:r>
-          </a:p>
-          <a:p>
-            <a:r>
-              <a:rPr lang="en-US" dirty="0" smtClean="0"/>
-              <a:t>(Once we plug in that </a:t>
-            </a:r>
-          </a:p>
-        </p:txBody>
-      </p:sp>
-      <p:pic>
-        <p:nvPicPr>
-          <p:cNvPr id="1027" name="Picture 3"/>
-          <p:cNvPicPr>
-            <a:picLocks noChangeAspect="1" noChangeArrowheads="1"/>
-          </p:cNvPicPr>
-          <p:nvPr/>
-        </p:nvPicPr>
-        <p:blipFill>
-          <a:blip r:embed="rId4" cstate="print"/>
-          <a:srcRect/>
-          <a:stretch>
-            <a:fillRect/>
-          </a:stretch>
-        </p:blipFill>
-        <p:spPr bwMode="auto">
-          <a:xfrm>
-            <a:off x="3505200" y="4953000"/>
-            <a:ext cx="1590675" cy="333375"/>
-          </a:xfrm>
-          <a:prstGeom prst="rect">
-            <a:avLst/>
-          </a:prstGeom>
-          <a:noFill/>
-          <a:ln w="9525">
-            <a:noFill/>
-            <a:miter lim="800000"/>
-            <a:headEnd/>
-            <a:tailEnd/>
-          </a:ln>
-        </p:spPr>
-      </p:pic>
-      <p:sp>
-        <p:nvSpPr>
-          <p:cNvPr id="11" name="TextBox 10"/>
+              <a:t>The “linkage” equation is the same as Poisson…</a:t>
+            </a:r>
+            <a:endParaRPr lang="en-US" dirty="0"/>
+          </a:p>
+        </p:txBody>
+      </p:sp>
+      <p:sp>
+        <p:nvSpPr>
+          <p:cNvPr id="17" name="TextBox 16"/>
           <p:cNvSpPr txBox="1"/>
           <p:nvPr/>
         </p:nvSpPr>
         <p:spPr>
           <a:xfrm>
-            <a:off x="4800600" y="4888468"/>
-            <a:ext cx="255198" cy="369332"/>
+            <a:off x="5029200" y="1371600"/>
+            <a:ext cx="3526735" cy="369332"/>
           </a:xfrm>
           <a:prstGeom prst="rect">
             <a:avLst/>
@@ -4663,7 +4475,7 @@
           <a:p>
             <a:r>
               <a:rPr lang="en-US" dirty="0" smtClean="0"/>
-              <a:t>)</a:t>
+              <a:t>Shotgun noise + additional variance</a:t>
             </a:r>
             <a:endParaRPr lang="en-US" dirty="0"/>
           </a:p>
@@ -4694,9 +4506,47 @@
           <a:chExt cx="0" cy="0"/>
         </a:xfrm>
       </p:grpSpPr>
+      <p:sp>
+        <p:nvSpPr>
+          <p:cNvPr id="4" name="TextBox 3"/>
+          <p:cNvSpPr txBox="1"/>
+          <p:nvPr/>
+        </p:nvSpPr>
+        <p:spPr>
+          <a:xfrm>
+            <a:off x="685800" y="304800"/>
+            <a:ext cx="7468968" cy="369332"/>
+          </a:xfrm>
+          <a:prstGeom prst="rect">
+            <a:avLst/>
+          </a:prstGeom>
+          <a:noFill/>
+        </p:spPr>
+        <p:txBody>
+          <a:bodyPr wrap="none" rtlCol="0">
+            <a:spAutoFit/>
+          </a:bodyPr>
+          <a:lstStyle/>
+          <a:p>
+            <a:r>
+              <a:rPr lang="en-US" dirty="0" smtClean="0"/>
+              <a:t>We put this all together (</a:t>
+            </a:r>
+            <a:r>
+              <a:rPr lang="en-US" dirty="0" err="1" smtClean="0"/>
+              <a:t>Zuur</a:t>
+            </a:r>
+            <a:r>
+              <a:rPr lang="en-US" dirty="0" smtClean="0"/>
+              <a:t> book Chapter 9) to get our likelihood function….</a:t>
+            </a:r>
+            <a:endParaRPr lang="en-US" dirty="0"/>
+          </a:p>
+        </p:txBody>
+      </p:sp>
       <p:pic>
         <p:nvPicPr>
-          <p:cNvPr id="6148" name="Picture 4"/>
+          <p:cNvPr id="5" name="Picture 3"/>
           <p:cNvPicPr>
             <a:picLocks noChangeAspect="1" noChangeArrowheads="1"/>
           </p:cNvPicPr>
@@ -4711,8 +4561,8 @@
         </p:blipFill>
         <p:spPr bwMode="auto">
           <a:xfrm>
-            <a:off x="76200" y="2057400"/>
-            <a:ext cx="5414010" cy="3733800"/>
+            <a:off x="533400" y="685800"/>
+            <a:ext cx="6153150" cy="1295400"/>
           </a:xfrm>
           <a:prstGeom prst="rect">
             <a:avLst/>
@@ -4726,196 +4576,9 @@
           </a:ln>
         </p:spPr>
       </p:pic>
-      <p:sp>
-        <p:nvSpPr>
-          <p:cNvPr id="4" name="Rectangle 3"/>
-          <p:cNvSpPr/>
-          <p:nvPr/>
-        </p:nvSpPr>
-        <p:spPr>
-          <a:xfrm>
-            <a:off x="152400" y="-152400"/>
-            <a:ext cx="8686800" cy="2031325"/>
-          </a:xfrm>
-          <a:prstGeom prst="rect">
-            <a:avLst/>
-          </a:prstGeom>
-        </p:spPr>
-        <p:txBody>
-          <a:bodyPr wrap="square">
-            <a:spAutoFit/>
-          </a:bodyPr>
-          <a:lstStyle/>
-          <a:p>
-            <a:endParaRPr lang="en-US" sz="1400" dirty="0" smtClean="0"/>
-          </a:p>
-          <a:p>
-            <a:r>
-              <a:rPr lang="en-US" sz="1400" dirty="0" smtClean="0"/>
-              <a:t>library("MASS")</a:t>
-            </a:r>
-          </a:p>
-          <a:p>
-            <a:r>
-              <a:rPr lang="en-US" sz="1400" dirty="0" smtClean="0"/>
-              <a:t>M2 &lt;- </a:t>
-            </a:r>
-            <a:r>
-              <a:rPr lang="en-US" sz="1400" dirty="0" err="1" smtClean="0"/>
-              <a:t>glm.nb</a:t>
-            </a:r>
-            <a:r>
-              <a:rPr lang="en-US" sz="1400" dirty="0" smtClean="0"/>
-              <a:t>(TOT.N ~ D.PARK, data = RK)</a:t>
-            </a:r>
-          </a:p>
-          <a:p>
-            <a:r>
-              <a:rPr lang="en-US" sz="1400" dirty="0" smtClean="0"/>
-              <a:t>model2Means &lt;- exp( </a:t>
-            </a:r>
-            <a:r>
-              <a:rPr lang="en-US" sz="1400" dirty="0" err="1" smtClean="0"/>
-              <a:t>coef</a:t>
-            </a:r>
-            <a:r>
-              <a:rPr lang="en-US" sz="1400" dirty="0" smtClean="0"/>
-              <a:t>(M2)[1] + </a:t>
-            </a:r>
-            <a:r>
-              <a:rPr lang="en-US" sz="1400" dirty="0" err="1" smtClean="0"/>
-              <a:t>coef</a:t>
-            </a:r>
-            <a:r>
-              <a:rPr lang="en-US" sz="1400" dirty="0" smtClean="0"/>
-              <a:t>(M2)[2]* </a:t>
-            </a:r>
-            <a:r>
-              <a:rPr lang="en-US" sz="1400" dirty="0" err="1" smtClean="0"/>
-              <a:t>xRange</a:t>
-            </a:r>
-            <a:r>
-              <a:rPr lang="en-US" sz="1400" dirty="0" smtClean="0"/>
-              <a:t>)</a:t>
-            </a:r>
-          </a:p>
-          <a:p>
-            <a:r>
-              <a:rPr lang="en-US" sz="1400" dirty="0" smtClean="0"/>
-              <a:t>plot(RK$D.PARK, RK$TOT.N, </a:t>
-            </a:r>
-            <a:r>
-              <a:rPr lang="en-US" sz="1400" dirty="0" err="1" smtClean="0"/>
-              <a:t>xlab</a:t>
-            </a:r>
-            <a:r>
-              <a:rPr lang="en-US" sz="1400" dirty="0" smtClean="0"/>
-              <a:t> = "Distance to </a:t>
-            </a:r>
-            <a:r>
-              <a:rPr lang="en-US" sz="1400" dirty="0" err="1" smtClean="0"/>
-              <a:t>park",ylab</a:t>
-            </a:r>
-            <a:r>
-              <a:rPr lang="en-US" sz="1400" dirty="0" smtClean="0"/>
-              <a:t> = "Road </a:t>
-            </a:r>
-            <a:r>
-              <a:rPr lang="en-US" sz="1400" dirty="0" err="1" smtClean="0"/>
-              <a:t>kills",main</a:t>
-            </a:r>
-            <a:r>
-              <a:rPr lang="en-US" sz="1400" dirty="0" smtClean="0"/>
-              <a:t>=paste( "Neg. binomial AIC =", format(AIC(M2),digits=5)),</a:t>
-            </a:r>
-            <a:r>
-              <a:rPr lang="en-US" sz="1400" dirty="0" err="1" smtClean="0"/>
-              <a:t>ylim</a:t>
-            </a:r>
-            <a:r>
-              <a:rPr lang="en-US" sz="1400" dirty="0" smtClean="0"/>
-              <a:t>=c(-30,130))</a:t>
-            </a:r>
-          </a:p>
-          <a:p>
-            <a:r>
-              <a:rPr lang="en-US" sz="1400" dirty="0" smtClean="0"/>
-              <a:t>lines(</a:t>
-            </a:r>
-            <a:r>
-              <a:rPr lang="en-US" sz="1400" dirty="0" err="1" smtClean="0"/>
-              <a:t>xRange</a:t>
-            </a:r>
-            <a:r>
-              <a:rPr lang="en-US" sz="1400" dirty="0" smtClean="0"/>
-              <a:t>, model2Means)</a:t>
-            </a:r>
-          </a:p>
-          <a:p>
-            <a:r>
-              <a:rPr lang="en-US" sz="1400" dirty="0" err="1" smtClean="0"/>
-              <a:t>vars</a:t>
-            </a:r>
-            <a:r>
-              <a:rPr lang="en-US" sz="1400" dirty="0" smtClean="0"/>
-              <a:t> = model2Means  + model2Means^2 /  M2$theta</a:t>
-            </a:r>
-          </a:p>
-          <a:p>
-            <a:r>
-              <a:rPr lang="en-US" sz="1400" dirty="0" err="1" smtClean="0"/>
-              <a:t>errbar</a:t>
-            </a:r>
-            <a:r>
-              <a:rPr lang="en-US" sz="1400" dirty="0" smtClean="0"/>
-              <a:t>(</a:t>
-            </a:r>
-            <a:r>
-              <a:rPr lang="en-US" sz="1400" dirty="0" err="1" smtClean="0"/>
-              <a:t>xRange</a:t>
-            </a:r>
-            <a:r>
-              <a:rPr lang="en-US" sz="1400" dirty="0" smtClean="0"/>
-              <a:t>, model2Means, model2Means + </a:t>
-            </a:r>
-            <a:r>
-              <a:rPr lang="en-US" sz="1400" dirty="0" err="1" smtClean="0"/>
-              <a:t>sqrt</a:t>
-            </a:r>
-            <a:r>
-              <a:rPr lang="en-US" sz="1400" dirty="0" smtClean="0"/>
-              <a:t>(</a:t>
-            </a:r>
-            <a:r>
-              <a:rPr lang="en-US" sz="1400" dirty="0" err="1" smtClean="0"/>
-              <a:t>vars</a:t>
-            </a:r>
-            <a:r>
-              <a:rPr lang="en-US" sz="1400" dirty="0" smtClean="0"/>
-              <a:t>), model2Means - </a:t>
-            </a:r>
-            <a:r>
-              <a:rPr lang="en-US" sz="1400" dirty="0" err="1" smtClean="0"/>
-              <a:t>sqrt</a:t>
-            </a:r>
-            <a:r>
-              <a:rPr lang="en-US" sz="1400" dirty="0" smtClean="0"/>
-              <a:t>(</a:t>
-            </a:r>
-            <a:r>
-              <a:rPr lang="en-US" sz="1400" dirty="0" err="1" smtClean="0"/>
-              <a:t>vars</a:t>
-            </a:r>
-            <a:r>
-              <a:rPr lang="en-US" sz="1400" dirty="0" smtClean="0"/>
-              <a:t>),add=TRUE, errbar.col="RED")</a:t>
-            </a:r>
-          </a:p>
-        </p:txBody>
-      </p:sp>
       <p:pic>
         <p:nvPicPr>
-          <p:cNvPr id="5" name="Picture 5"/>
+          <p:cNvPr id="6" name="Picture 4"/>
           <p:cNvPicPr>
             <a:picLocks noChangeAspect="1" noChangeArrowheads="1"/>
           </p:cNvPicPr>
@@ -4930,8 +4593,8 @@
         </p:blipFill>
         <p:spPr bwMode="auto">
           <a:xfrm>
-            <a:off x="4638675" y="228600"/>
-            <a:ext cx="1838325" cy="485775"/>
+            <a:off x="990600" y="2133600"/>
+            <a:ext cx="6572250" cy="2276475"/>
           </a:xfrm>
           <a:prstGeom prst="rect">
             <a:avLst/>
@@ -4947,14 +4610,14 @@
       </p:pic>
       <p:cxnSp>
         <p:nvCxnSpPr>
-          <p:cNvPr id="7" name="Straight Arrow Connector 6"/>
+          <p:cNvPr id="8" name="Straight Arrow Connector 7"/>
           <p:cNvCxnSpPr/>
           <p:nvPr/>
         </p:nvCxnSpPr>
         <p:spPr>
-          <a:xfrm flipV="1">
-            <a:off x="4495800" y="533400"/>
-            <a:ext cx="228600" cy="76200"/>
+          <a:xfrm flipH="1">
+            <a:off x="7086600" y="2667000"/>
+            <a:ext cx="457200" cy="0"/>
           </a:xfrm>
           <a:prstGeom prst="straightConnector1">
             <a:avLst/>
@@ -4978,9 +4641,74 @@
           </a:fontRef>
         </p:style>
       </p:cxnSp>
+      <p:sp>
+        <p:nvSpPr>
+          <p:cNvPr id="9" name="TextBox 8"/>
+          <p:cNvSpPr txBox="1"/>
+          <p:nvPr/>
+        </p:nvSpPr>
+        <p:spPr>
+          <a:xfrm>
+            <a:off x="7543800" y="2514600"/>
+            <a:ext cx="260008" cy="369332"/>
+          </a:xfrm>
+          <a:prstGeom prst="rect">
+            <a:avLst/>
+          </a:prstGeom>
+          <a:noFill/>
+        </p:spPr>
+        <p:txBody>
+          <a:bodyPr wrap="none" rtlCol="0">
+            <a:spAutoFit/>
+          </a:bodyPr>
+          <a:lstStyle/>
+          <a:p>
+            <a:r>
+              <a:rPr lang="en-US" smtClean="0"/>
+              <a:t>!</a:t>
+            </a:r>
+            <a:endParaRPr lang="en-US"/>
+          </a:p>
+        </p:txBody>
+      </p:sp>
+      <p:sp>
+        <p:nvSpPr>
+          <p:cNvPr id="10" name="TextBox 9"/>
+          <p:cNvSpPr txBox="1"/>
+          <p:nvPr/>
+        </p:nvSpPr>
+        <p:spPr>
+          <a:xfrm>
+            <a:off x="1371600" y="4648200"/>
+            <a:ext cx="4436343" cy="646331"/>
+          </a:xfrm>
+          <a:prstGeom prst="rect">
+            <a:avLst/>
+          </a:prstGeom>
+          <a:noFill/>
+        </p:spPr>
+        <p:txBody>
+          <a:bodyPr wrap="none" rtlCol="0">
+            <a:spAutoFit/>
+          </a:bodyPr>
+          <a:lstStyle/>
+          <a:p>
+            <a:r>
+              <a:rPr lang="en-US" dirty="0" smtClean="0"/>
+              <a:t>We have our likelihood function to maximize!</a:t>
+            </a:r>
+          </a:p>
+          <a:p>
+            <a:r>
+              <a:rPr lang="en-US" dirty="0" smtClean="0"/>
+              <a:t>(Once we plug in that </a:t>
+            </a:r>
+          </a:p>
+        </p:txBody>
+      </p:sp>
       <p:pic>
         <p:nvPicPr>
-          <p:cNvPr id="6146" name="Picture 2"/>
+          <p:cNvPr id="1027" name="Picture 3"/>
           <p:cNvPicPr>
             <a:picLocks noChangeAspect="1" noChangeArrowheads="1"/>
           </p:cNvPicPr>
@@ -4995,8 +4723,8 @@
         </p:blipFill>
         <p:spPr bwMode="auto">
           <a:xfrm>
-            <a:off x="4562475" y="990600"/>
-            <a:ext cx="1457325" cy="590550"/>
+            <a:off x="3505200" y="4953000"/>
+            <a:ext cx="1590675" cy="333375"/>
           </a:xfrm>
           <a:prstGeom prst="rect">
             <a:avLst/>
@@ -5010,73 +4738,36 @@
           </a:ln>
         </p:spPr>
       </p:pic>
-      <p:cxnSp>
-        <p:nvCxnSpPr>
-          <p:cNvPr id="12" name="Straight Arrow Connector 11"/>
-          <p:cNvCxnSpPr>
-            <a:endCxn id="6146" idx="1"/>
-          </p:cNvCxnSpPr>
-          <p:nvPr/>
-        </p:nvCxnSpPr>
-        <p:spPr>
-          <a:xfrm flipV="1">
-            <a:off x="4038600" y="1285875"/>
-            <a:ext cx="523875" cy="238125"/>
-          </a:xfrm>
-          <a:prstGeom prst="straightConnector1">
-            <a:avLst/>
-          </a:prstGeom>
-          <a:ln>
-            <a:tailEnd type="arrow"/>
-          </a:ln>
-        </p:spPr>
-        <p:style>
-          <a:lnRef idx="1">
-            <a:schemeClr val="accent1"/>
-          </a:lnRef>
-          <a:fillRef idx="0">
-            <a:schemeClr val="accent1"/>
-          </a:fillRef>
-          <a:effectRef idx="0">
-            <a:schemeClr val="accent1"/>
-          </a:effectRef>
-          <a:fontRef idx="minor">
-            <a:schemeClr val="tx1"/>
-          </a:fontRef>
-        </p:style>
-      </p:cxnSp>
-      <p:pic>
-        <p:nvPicPr>
-          <p:cNvPr id="6147" name="Picture 3"/>
-          <p:cNvPicPr>
-            <a:picLocks noChangeAspect="1" noChangeArrowheads="1"/>
-          </p:cNvPicPr>
-          <p:nvPr/>
-        </p:nvPicPr>
-        <p:blipFill>
-          <a:blip r:embed="rId5" cstate="print"/>
-          <a:srcRect/>
-          <a:stretch>
-            <a:fillRect/>
-          </a:stretch>
-        </p:blipFill>
-        <p:spPr bwMode="auto">
-          <a:xfrm>
-            <a:off x="4572000" y="1912484"/>
-            <a:ext cx="4418691" cy="4412116"/>
+      <p:sp>
+        <p:nvSpPr>
+          <p:cNvPr id="11" name="TextBox 10"/>
+          <p:cNvSpPr txBox="1"/>
+          <p:nvPr/>
+        </p:nvSpPr>
+        <p:spPr>
+          <a:xfrm>
+            <a:off x="4800600" y="4888468"/>
+            <a:ext cx="255198" cy="369332"/>
           </a:xfrm>
           <a:prstGeom prst="rect">
             <a:avLst/>
           </a:prstGeom>
           <a:noFill/>
-          <a:ln w="9525">
-            <a:noFill/>
-            <a:miter lim="800000"/>
-            <a:headEnd/>
-            <a:tailEnd/>
-          </a:ln>
-        </p:spPr>
-      </p:pic>
+        </p:spPr>
+        <p:txBody>
+          <a:bodyPr wrap="none" rtlCol="0">
+            <a:spAutoFit/>
+          </a:bodyPr>
+          <a:lstStyle/>
+          <a:p>
+            <a:r>
+              <a:rPr lang="en-US" dirty="0" smtClean="0"/>
+              <a:t>)</a:t>
+            </a:r>
+            <a:endParaRPr lang="en-US" dirty="0"/>
+          </a:p>
+        </p:txBody>
+      </p:sp>
     </p:spTree>
   </p:cSld>
   <p:clrMapOvr>
@@ -5104,7 +4795,7 @@
       </p:grpSpPr>
       <p:pic>
         <p:nvPicPr>
-          <p:cNvPr id="4" name="Picture 3"/>
+          <p:cNvPr id="6148" name="Picture 4"/>
           <p:cNvPicPr>
             <a:picLocks noChangeAspect="1" noChangeArrowheads="1"/>
           </p:cNvPicPr>
@@ -5119,8 +4810,8 @@
         </p:blipFill>
         <p:spPr bwMode="auto">
           <a:xfrm>
-            <a:off x="1828800" y="685799"/>
-            <a:ext cx="5105400" cy="5097803"/>
+            <a:off x="76200" y="2057400"/>
+            <a:ext cx="5414010" cy="3733800"/>
           </a:xfrm>
           <a:prstGeom prst="rect">
             <a:avLst/>
@@ -5134,16 +4825,235 @@
           </a:ln>
         </p:spPr>
       </p:pic>
+      <p:sp>
+        <p:nvSpPr>
+          <p:cNvPr id="4" name="Rectangle 3"/>
+          <p:cNvSpPr/>
+          <p:nvPr/>
+        </p:nvSpPr>
+        <p:spPr>
+          <a:xfrm>
+            <a:off x="152400" y="-152400"/>
+            <a:ext cx="8686800" cy="2031325"/>
+          </a:xfrm>
+          <a:prstGeom prst="rect">
+            <a:avLst/>
+          </a:prstGeom>
+        </p:spPr>
+        <p:txBody>
+          <a:bodyPr wrap="square">
+            <a:spAutoFit/>
+          </a:bodyPr>
+          <a:lstStyle/>
+          <a:p>
+            <a:endParaRPr lang="en-US" sz="1400" dirty="0" smtClean="0"/>
+          </a:p>
+          <a:p>
+            <a:r>
+              <a:rPr lang="en-US" sz="1400" dirty="0" smtClean="0"/>
+              <a:t>library("MASS")</a:t>
+            </a:r>
+          </a:p>
+          <a:p>
+            <a:r>
+              <a:rPr lang="en-US" sz="1400" dirty="0" smtClean="0"/>
+              <a:t>M2 &lt;- </a:t>
+            </a:r>
+            <a:r>
+              <a:rPr lang="en-US" sz="1400" dirty="0" err="1" smtClean="0"/>
+              <a:t>glm.nb</a:t>
+            </a:r>
+            <a:r>
+              <a:rPr lang="en-US" sz="1400" dirty="0" smtClean="0"/>
+              <a:t>(TOT.N ~ D.PARK, data = RK)</a:t>
+            </a:r>
+          </a:p>
+          <a:p>
+            <a:r>
+              <a:rPr lang="en-US" sz="1400" dirty="0" smtClean="0"/>
+              <a:t>model2Means &lt;- exp( </a:t>
+            </a:r>
+            <a:r>
+              <a:rPr lang="en-US" sz="1400" dirty="0" err="1" smtClean="0"/>
+              <a:t>coef</a:t>
+            </a:r>
+            <a:r>
+              <a:rPr lang="en-US" sz="1400" dirty="0" smtClean="0"/>
+              <a:t>(M2)[1] + </a:t>
+            </a:r>
+            <a:r>
+              <a:rPr lang="en-US" sz="1400" dirty="0" err="1" smtClean="0"/>
+              <a:t>coef</a:t>
+            </a:r>
+            <a:r>
+              <a:rPr lang="en-US" sz="1400" dirty="0" smtClean="0"/>
+              <a:t>(M2)[2]* </a:t>
+            </a:r>
+            <a:r>
+              <a:rPr lang="en-US" sz="1400" dirty="0" err="1" smtClean="0"/>
+              <a:t>xRange</a:t>
+            </a:r>
+            <a:r>
+              <a:rPr lang="en-US" sz="1400" dirty="0" smtClean="0"/>
+              <a:t>)</a:t>
+            </a:r>
+          </a:p>
+          <a:p>
+            <a:r>
+              <a:rPr lang="en-US" sz="1400" dirty="0" smtClean="0"/>
+              <a:t>plot(RK$D.PARK, RK$TOT.N, </a:t>
+            </a:r>
+            <a:r>
+              <a:rPr lang="en-US" sz="1400" dirty="0" err="1" smtClean="0"/>
+              <a:t>xlab</a:t>
+            </a:r>
+            <a:r>
+              <a:rPr lang="en-US" sz="1400" dirty="0" smtClean="0"/>
+              <a:t> = "Distance to </a:t>
+            </a:r>
+            <a:r>
+              <a:rPr lang="en-US" sz="1400" dirty="0" err="1" smtClean="0"/>
+              <a:t>park",ylab</a:t>
+            </a:r>
+            <a:r>
+              <a:rPr lang="en-US" sz="1400" dirty="0" smtClean="0"/>
+              <a:t> = "Road </a:t>
+            </a:r>
+            <a:r>
+              <a:rPr lang="en-US" sz="1400" dirty="0" err="1" smtClean="0"/>
+              <a:t>kills",main</a:t>
+            </a:r>
+            <a:r>
+              <a:rPr lang="en-US" sz="1400" dirty="0" smtClean="0"/>
+              <a:t>=paste( "Neg. binomial AIC =", format(AIC(M2),digits=5)),</a:t>
+            </a:r>
+            <a:r>
+              <a:rPr lang="en-US" sz="1400" dirty="0" err="1" smtClean="0"/>
+              <a:t>ylim</a:t>
+            </a:r>
+            <a:r>
+              <a:rPr lang="en-US" sz="1400" dirty="0" smtClean="0"/>
+              <a:t>=c(-30,130))</a:t>
+            </a:r>
+          </a:p>
+          <a:p>
+            <a:r>
+              <a:rPr lang="en-US" sz="1400" dirty="0" smtClean="0"/>
+              <a:t>lines(</a:t>
+            </a:r>
+            <a:r>
+              <a:rPr lang="en-US" sz="1400" dirty="0" err="1" smtClean="0"/>
+              <a:t>xRange</a:t>
+            </a:r>
+            <a:r>
+              <a:rPr lang="en-US" sz="1400" dirty="0" smtClean="0"/>
+              <a:t>, model2Means)</a:t>
+            </a:r>
+          </a:p>
+          <a:p>
+            <a:r>
+              <a:rPr lang="en-US" sz="1400" dirty="0" err="1" smtClean="0"/>
+              <a:t>vars</a:t>
+            </a:r>
+            <a:r>
+              <a:rPr lang="en-US" sz="1400" dirty="0" smtClean="0"/>
+              <a:t> = model2Means  + model2Means^2 /  M2$theta</a:t>
+            </a:r>
+          </a:p>
+          <a:p>
+            <a:r>
+              <a:rPr lang="en-US" sz="1400" dirty="0" err="1" smtClean="0"/>
+              <a:t>errbar</a:t>
+            </a:r>
+            <a:r>
+              <a:rPr lang="en-US" sz="1400" dirty="0" smtClean="0"/>
+              <a:t>(</a:t>
+            </a:r>
+            <a:r>
+              <a:rPr lang="en-US" sz="1400" dirty="0" err="1" smtClean="0"/>
+              <a:t>xRange</a:t>
+            </a:r>
+            <a:r>
+              <a:rPr lang="en-US" sz="1400" dirty="0" smtClean="0"/>
+              <a:t>, model2Means, model2Means + </a:t>
+            </a:r>
+            <a:r>
+              <a:rPr lang="en-US" sz="1400" dirty="0" err="1" smtClean="0"/>
+              <a:t>sqrt</a:t>
+            </a:r>
+            <a:r>
+              <a:rPr lang="en-US" sz="1400" dirty="0" smtClean="0"/>
+              <a:t>(</a:t>
+            </a:r>
+            <a:r>
+              <a:rPr lang="en-US" sz="1400" dirty="0" err="1" smtClean="0"/>
+              <a:t>vars</a:t>
+            </a:r>
+            <a:r>
+              <a:rPr lang="en-US" sz="1400" dirty="0" smtClean="0"/>
+              <a:t>), model2Means - </a:t>
+            </a:r>
+            <a:r>
+              <a:rPr lang="en-US" sz="1400" dirty="0" err="1" smtClean="0"/>
+              <a:t>sqrt</a:t>
+            </a:r>
+            <a:r>
+              <a:rPr lang="en-US" sz="1400" dirty="0" smtClean="0"/>
+              <a:t>(</a:t>
+            </a:r>
+            <a:r>
+              <a:rPr lang="en-US" sz="1400" dirty="0" err="1" smtClean="0"/>
+              <a:t>vars</a:t>
+            </a:r>
+            <a:r>
+              <a:rPr lang="en-US" sz="1400" dirty="0" smtClean="0"/>
+              <a:t>),add=TRUE, errbar.col="RED")</a:t>
+            </a:r>
+          </a:p>
+        </p:txBody>
+      </p:sp>
+      <p:pic>
+        <p:nvPicPr>
+          <p:cNvPr id="5" name="Picture 5"/>
+          <p:cNvPicPr>
+            <a:picLocks noChangeAspect="1" noChangeArrowheads="1"/>
+          </p:cNvPicPr>
+          <p:nvPr/>
+        </p:nvPicPr>
+        <p:blipFill>
+          <a:blip r:embed="rId3" cstate="print"/>
+          <a:srcRect/>
+          <a:stretch>
+            <a:fillRect/>
+          </a:stretch>
+        </p:blipFill>
+        <p:spPr bwMode="auto">
+          <a:xfrm>
+            <a:off x="4638675" y="228600"/>
+            <a:ext cx="1838325" cy="485775"/>
+          </a:xfrm>
+          <a:prstGeom prst="rect">
+            <a:avLst/>
+          </a:prstGeom>
+          <a:noFill/>
+          <a:ln w="9525">
+            <a:noFill/>
+            <a:miter lim="800000"/>
+            <a:headEnd/>
+            <a:tailEnd/>
+          </a:ln>
+        </p:spPr>
+      </p:pic>
       <p:cxnSp>
         <p:nvCxnSpPr>
-          <p:cNvPr id="6" name="Straight Arrow Connector 5"/>
+          <p:cNvPr id="7" name="Straight Arrow Connector 6"/>
           <p:cNvCxnSpPr/>
           <p:nvPr/>
         </p:nvCxnSpPr>
         <p:spPr>
           <a:xfrm flipV="1">
-            <a:off x="1219200" y="3200400"/>
-            <a:ext cx="1295400" cy="457200"/>
+            <a:off x="4495800" y="533400"/>
+            <a:ext cx="228600" cy="76200"/>
           </a:xfrm>
           <a:prstGeom prst="straightConnector1">
             <a:avLst/>
@@ -5167,62 +5077,50 @@
           </a:fontRef>
         </p:style>
       </p:cxnSp>
-      <p:sp>
-        <p:nvSpPr>
-          <p:cNvPr id="7" name="TextBox 6"/>
-          <p:cNvSpPr txBox="1"/>
-          <p:nvPr/>
-        </p:nvSpPr>
-        <p:spPr>
-          <a:xfrm>
-            <a:off x="228600" y="3657600"/>
-            <a:ext cx="1837106" cy="923330"/>
+      <p:pic>
+        <p:nvPicPr>
+          <p:cNvPr id="6146" name="Picture 2"/>
+          <p:cNvPicPr>
+            <a:picLocks noChangeAspect="1" noChangeArrowheads="1"/>
+          </p:cNvPicPr>
+          <p:nvPr/>
+        </p:nvPicPr>
+        <p:blipFill>
+          <a:blip r:embed="rId4" cstate="print"/>
+          <a:srcRect/>
+          <a:stretch>
+            <a:fillRect/>
+          </a:stretch>
+        </p:blipFill>
+        <p:spPr bwMode="auto">
+          <a:xfrm>
+            <a:off x="4562475" y="990600"/>
+            <a:ext cx="1457325" cy="590550"/>
           </a:xfrm>
           <a:prstGeom prst="rect">
             <a:avLst/>
           </a:prstGeom>
           <a:noFill/>
-        </p:spPr>
-        <p:txBody>
-          <a:bodyPr wrap="none" rtlCol="0">
-            <a:spAutoFit/>
-          </a:bodyPr>
-          <a:lstStyle/>
-          <a:p>
-            <a:r>
-              <a:rPr lang="en-US" dirty="0" smtClean="0"/>
-              <a:t>We capture large </a:t>
-            </a:r>
-          </a:p>
-          <a:p>
-            <a:r>
-              <a:rPr lang="en-US" dirty="0" smtClean="0"/>
-              <a:t>variance </a:t>
-            </a:r>
-            <a:r>
-              <a:rPr lang="en-US" dirty="0" smtClean="0"/>
-              <a:t>at high</a:t>
-            </a:r>
-          </a:p>
-          <a:p>
-            <a:r>
-              <a:rPr lang="en-US" dirty="0" smtClean="0"/>
-              <a:t>road kills</a:t>
-            </a:r>
-            <a:endParaRPr lang="en-US" dirty="0"/>
-          </a:p>
-        </p:txBody>
-      </p:sp>
+          <a:ln w="9525">
+            <a:noFill/>
+            <a:miter lim="800000"/>
+            <a:headEnd/>
+            <a:tailEnd/>
+          </a:ln>
+        </p:spPr>
+      </p:pic>
       <p:cxnSp>
         <p:nvCxnSpPr>
-          <p:cNvPr id="9" name="Straight Arrow Connector 8"/>
-          <p:cNvCxnSpPr/>
+          <p:cNvPr id="12" name="Straight Arrow Connector 11"/>
+          <p:cNvCxnSpPr>
+            <a:endCxn id="6146" idx="1"/>
+          </p:cNvCxnSpPr>
           <p:nvPr/>
         </p:nvCxnSpPr>
         <p:spPr>
-          <a:xfrm flipH="1" flipV="1">
-            <a:off x="6629400" y="4267200"/>
-            <a:ext cx="914400" cy="304800"/>
+          <a:xfrm flipV="1">
+            <a:off x="4038600" y="1285875"/>
+            <a:ext cx="523875" cy="238125"/>
           </a:xfrm>
           <a:prstGeom prst="straightConnector1">
             <a:avLst/>
@@ -5246,36 +5144,38 @@
           </a:fontRef>
         </p:style>
       </p:cxnSp>
-      <p:sp>
-        <p:nvSpPr>
-          <p:cNvPr id="10" name="TextBox 9"/>
-          <p:cNvSpPr txBox="1"/>
-          <p:nvPr/>
-        </p:nvSpPr>
-        <p:spPr>
-          <a:xfrm flipH="1">
-            <a:off x="7010400" y="4495800"/>
-            <a:ext cx="1752600" cy="923330"/>
+      <p:pic>
+        <p:nvPicPr>
+          <p:cNvPr id="6147" name="Picture 3"/>
+          <p:cNvPicPr>
+            <a:picLocks noChangeAspect="1" noChangeArrowheads="1"/>
+          </p:cNvPicPr>
+          <p:nvPr/>
+        </p:nvPicPr>
+        <p:blipFill>
+          <a:blip r:embed="rId5" cstate="print"/>
+          <a:srcRect/>
+          <a:stretch>
+            <a:fillRect/>
+          </a:stretch>
+        </p:blipFill>
+        <p:spPr bwMode="auto">
+          <a:xfrm>
+            <a:off x="4572000" y="1912484"/>
+            <a:ext cx="4418691" cy="4412116"/>
           </a:xfrm>
           <a:prstGeom prst="rect">
             <a:avLst/>
           </a:prstGeom>
           <a:noFill/>
-        </p:spPr>
-        <p:txBody>
-          <a:bodyPr wrap="square" rtlCol="0">
-            <a:spAutoFit/>
-          </a:bodyPr>
-          <a:lstStyle/>
-          <a:p>
-            <a:r>
-              <a:rPr lang="en-US" dirty="0" smtClean="0"/>
-              <a:t>Our model doesn’t go below zero</a:t>
-            </a:r>
-            <a:endParaRPr lang="en-US" dirty="0"/>
-          </a:p>
-        </p:txBody>
-      </p:sp>
+          <a:ln w="9525">
+            <a:noFill/>
+            <a:miter lim="800000"/>
+            <a:headEnd/>
+            <a:tailEnd/>
+          </a:ln>
+        </p:spPr>
+      </p:pic>
     </p:spTree>
   </p:cSld>
   <p:clrMapOvr>
@@ -5303,7 +5203,7 @@
       </p:grpSpPr>
       <p:pic>
         <p:nvPicPr>
-          <p:cNvPr id="7170" name="Picture 2"/>
+          <p:cNvPr id="4" name="Picture 3"/>
           <p:cNvPicPr>
             <a:picLocks noChangeAspect="1" noChangeArrowheads="1"/>
           </p:cNvPicPr>
@@ -5318,8 +5218,8 @@
         </p:blipFill>
         <p:spPr bwMode="auto">
           <a:xfrm>
-            <a:off x="1447800" y="542812"/>
-            <a:ext cx="6324600" cy="6315188"/>
+            <a:off x="1828800" y="685799"/>
+            <a:ext cx="5105400" cy="5097803"/>
           </a:xfrm>
           <a:prstGeom prst="rect">
             <a:avLst/>
@@ -5331,19 +5231,126 @@
             <a:headEnd/>
             <a:tailEnd/>
           </a:ln>
-          <a:effectLst/>
         </p:spPr>
       </p:pic>
-      <p:sp>
-        <p:nvSpPr>
-          <p:cNvPr id="5" name="TextBox 4"/>
+      <p:cxnSp>
+        <p:nvCxnSpPr>
+          <p:cNvPr id="6" name="Straight Arrow Connector 5"/>
+          <p:cNvCxnSpPr/>
+          <p:nvPr/>
+        </p:nvCxnSpPr>
+        <p:spPr>
+          <a:xfrm flipV="1">
+            <a:off x="1219200" y="3200400"/>
+            <a:ext cx="1295400" cy="457200"/>
+          </a:xfrm>
+          <a:prstGeom prst="straightConnector1">
+            <a:avLst/>
+          </a:prstGeom>
+          <a:ln>
+            <a:tailEnd type="arrow"/>
+          </a:ln>
+        </p:spPr>
+        <p:style>
+          <a:lnRef idx="1">
+            <a:schemeClr val="accent1"/>
+          </a:lnRef>
+          <a:fillRef idx="0">
+            <a:schemeClr val="accent1"/>
+          </a:fillRef>
+          <a:effectRef idx="0">
+            <a:schemeClr val="accent1"/>
+          </a:effectRef>
+          <a:fontRef idx="minor">
+            <a:schemeClr val="tx1"/>
+          </a:fontRef>
+        </p:style>
+      </p:cxnSp>
+      <p:sp>
+        <p:nvSpPr>
+          <p:cNvPr id="7" name="TextBox 6"/>
           <p:cNvSpPr txBox="1"/>
           <p:nvPr/>
         </p:nvSpPr>
         <p:spPr>
           <a:xfrm>
-            <a:off x="304800" y="0"/>
-            <a:ext cx="7696200" cy="923330"/>
+            <a:off x="228600" y="3657600"/>
+            <a:ext cx="1837106" cy="923330"/>
+          </a:xfrm>
+          <a:prstGeom prst="rect">
+            <a:avLst/>
+          </a:prstGeom>
+          <a:noFill/>
+        </p:spPr>
+        <p:txBody>
+          <a:bodyPr wrap="none" rtlCol="0">
+            <a:spAutoFit/>
+          </a:bodyPr>
+          <a:lstStyle/>
+          <a:p>
+            <a:r>
+              <a:rPr lang="en-US" dirty="0" smtClean="0"/>
+              <a:t>We capture large </a:t>
+            </a:r>
+          </a:p>
+          <a:p>
+            <a:r>
+              <a:rPr lang="en-US" dirty="0" smtClean="0"/>
+              <a:t>variance at high</a:t>
+            </a:r>
+          </a:p>
+          <a:p>
+            <a:r>
+              <a:rPr lang="en-US" dirty="0" smtClean="0"/>
+              <a:t>road kills</a:t>
+            </a:r>
+            <a:endParaRPr lang="en-US" dirty="0"/>
+          </a:p>
+        </p:txBody>
+      </p:sp>
+      <p:cxnSp>
+        <p:nvCxnSpPr>
+          <p:cNvPr id="9" name="Straight Arrow Connector 8"/>
+          <p:cNvCxnSpPr/>
+          <p:nvPr/>
+        </p:nvCxnSpPr>
+        <p:spPr>
+          <a:xfrm flipH="1" flipV="1">
+            <a:off x="6629400" y="4267200"/>
+            <a:ext cx="914400" cy="304800"/>
+          </a:xfrm>
+          <a:prstGeom prst="straightConnector1">
+            <a:avLst/>
+          </a:prstGeom>
+          <a:ln>
+            <a:tailEnd type="arrow"/>
+          </a:ln>
+        </p:spPr>
+        <p:style>
+          <a:lnRef idx="1">
+            <a:schemeClr val="accent1"/>
+          </a:lnRef>
+          <a:fillRef idx="0">
+            <a:schemeClr val="accent1"/>
+          </a:fillRef>
+          <a:effectRef idx="0">
+            <a:schemeClr val="accent1"/>
+          </a:effectRef>
+          <a:fontRef idx="minor">
+            <a:schemeClr val="tx1"/>
+          </a:fontRef>
+        </p:style>
+      </p:cxnSp>
+      <p:sp>
+        <p:nvSpPr>
+          <p:cNvPr id="10" name="TextBox 9"/>
+          <p:cNvSpPr txBox="1"/>
+          <p:nvPr/>
+        </p:nvSpPr>
+        <p:spPr>
+          <a:xfrm flipH="1">
+            <a:off x="7010400" y="4495800"/>
+            <a:ext cx="1752600" cy="923330"/>
           </a:xfrm>
           <a:prstGeom prst="rect">
             <a:avLst/>
@@ -5358,35 +5365,7 @@
           <a:p>
             <a:r>
               <a:rPr lang="en-US" dirty="0" smtClean="0"/>
-              <a:t>Negative binomial seems like the best fit…</a:t>
-            </a:r>
-          </a:p>
-          <a:p>
-            <a:r>
-              <a:rPr lang="en-US" dirty="0" smtClean="0"/>
-              <a:t>But the differences between the models are </a:t>
-            </a:r>
-            <a:r>
-              <a:rPr lang="en-US" dirty="0" smtClean="0"/>
-              <a:t>in </a:t>
-            </a:r>
-            <a:r>
-              <a:rPr lang="en-US" dirty="0" smtClean="0"/>
-              <a:t>some ways </a:t>
-            </a:r>
-            <a:r>
-              <a:rPr lang="en-US" dirty="0" smtClean="0"/>
-              <a:t>subtle..</a:t>
-            </a:r>
-          </a:p>
-          <a:p>
-            <a:r>
-              <a:rPr lang="en-US" dirty="0" smtClean="0"/>
-              <a:t>They all capture the basic shape of the relationship..</a:t>
-            </a:r>
-            <a:r>
-              <a:rPr lang="en-US" dirty="0" smtClean="0"/>
-              <a:t> </a:t>
+              <a:t>Our model doesn’t go below zero</a:t>
             </a:r>
             <a:endParaRPr lang="en-US" dirty="0"/>
           </a:p>
@@ -5417,16 +5396,49 @@
           <a:chExt cx="0" cy="0"/>
         </a:xfrm>
       </p:grpSpPr>
-      <p:sp>
-        <p:nvSpPr>
-          <p:cNvPr id="4" name="TextBox 3"/>
+      <p:pic>
+        <p:nvPicPr>
+          <p:cNvPr id="7170" name="Picture 2"/>
+          <p:cNvPicPr>
+            <a:picLocks noChangeAspect="1" noChangeArrowheads="1"/>
+          </p:cNvPicPr>
+          <p:nvPr/>
+        </p:nvPicPr>
+        <p:blipFill>
+          <a:blip r:embed="rId2" cstate="print"/>
+          <a:srcRect/>
+          <a:stretch>
+            <a:fillRect/>
+          </a:stretch>
+        </p:blipFill>
+        <p:spPr bwMode="auto">
+          <a:xfrm>
+            <a:off x="1447800" y="542812"/>
+            <a:ext cx="6324600" cy="6315188"/>
+          </a:xfrm>
+          <a:prstGeom prst="rect">
+            <a:avLst/>
+          </a:prstGeom>
+          <a:noFill/>
+          <a:ln w="9525">
+            <a:noFill/>
+            <a:miter lim="800000"/>
+            <a:headEnd/>
+            <a:tailEnd/>
+          </a:ln>
+          <a:effectLst/>
+        </p:spPr>
+      </p:pic>
+      <p:sp>
+        <p:nvSpPr>
+          <p:cNvPr id="5" name="TextBox 4"/>
           <p:cNvSpPr txBox="1"/>
           <p:nvPr/>
         </p:nvSpPr>
         <p:spPr>
           <a:xfrm>
-            <a:off x="533400" y="304800"/>
-            <a:ext cx="6674969" cy="1200329"/>
+            <a:off x="304800" y="0"/>
+            <a:ext cx="7696200" cy="923330"/>
           </a:xfrm>
           <a:prstGeom prst="rect">
             <a:avLst/>
@@ -5434,66 +5446,31 @@
           <a:noFill/>
         </p:spPr>
         <p:txBody>
-          <a:bodyPr wrap="none" rtlCol="0">
+          <a:bodyPr wrap="square" rtlCol="0">
             <a:spAutoFit/>
           </a:bodyPr>
           <a:lstStyle/>
           <a:p>
             <a:r>
               <a:rPr lang="en-US" dirty="0" smtClean="0"/>
-              <a:t>Generalized linear models – Poisson distribution</a:t>
+              <a:t>Negative binomial seems like the best fit…</a:t>
             </a:r>
           </a:p>
           <a:p>
             <a:r>
               <a:rPr lang="en-US" dirty="0" smtClean="0"/>
-              <a:t>Generalized linear models – Negative binomial distribution</a:t>
+              <a:t>But the differences between the models are in some ways subtle..</a:t>
             </a:r>
           </a:p>
           <a:p>
             <a:r>
               <a:rPr lang="en-US" dirty="0" smtClean="0"/>
-              <a:t>Generalized linear models – logistic regression (binomial distribution)</a:t>
-            </a:r>
-          </a:p>
-          <a:p>
+              <a:t>They all capture the basic shape of the relationship.. </a:t>
+            </a:r>
             <a:endParaRPr lang="en-US" dirty="0"/>
           </a:p>
         </p:txBody>
       </p:sp>
-      <p:cxnSp>
-        <p:nvCxnSpPr>
-          <p:cNvPr id="5" name="Straight Arrow Connector 4"/>
-          <p:cNvCxnSpPr/>
-          <p:nvPr/>
-        </p:nvCxnSpPr>
-        <p:spPr>
-          <a:xfrm flipH="1">
-            <a:off x="7086600" y="1066800"/>
-            <a:ext cx="609600" cy="0"/>
-          </a:xfrm>
-          <a:prstGeom prst="straightConnector1">
-            <a:avLst/>
-          </a:prstGeom>
-          <a:ln>
-            <a:tailEnd type="arrow"/>
-          </a:ln>
-        </p:spPr>
-        <p:style>
-          <a:lnRef idx="1">
-            <a:schemeClr val="accent1"/>
-          </a:lnRef>
-          <a:fillRef idx="0">
-            <a:schemeClr val="accent1"/>
-          </a:fillRef>
-          <a:effectRef idx="0">
-            <a:schemeClr val="accent1"/>
-          </a:effectRef>
-          <a:fontRef idx="minor">
-            <a:schemeClr val="tx1"/>
-          </a:fontRef>
-        </p:style>
-      </p:cxnSp>
     </p:spTree>
   </p:cSld>
   <p:clrMapOvr>
@@ -5527,8 +5504,8 @@
         </p:nvSpPr>
         <p:spPr>
           <a:xfrm>
-            <a:off x="685800" y="381000"/>
-            <a:ext cx="4877938" cy="1200329"/>
+            <a:off x="533400" y="304800"/>
+            <a:ext cx="6674969" cy="1200329"/>
           </a:xfrm>
           <a:prstGeom prst="rect">
             <a:avLst/>
@@ -5543,27 +5520,59 @@
           <a:p>
             <a:r>
               <a:rPr lang="en-US" dirty="0" smtClean="0"/>
-              <a:t>What about binary variables.</a:t>
-            </a:r>
-          </a:p>
-          <a:p>
-            <a:endParaRPr lang="en-US" dirty="0" smtClean="0"/>
+              <a:t>Generalized linear models – Poisson distribution</a:t>
+            </a:r>
           </a:p>
           <a:p>
             <a:r>
               <a:rPr lang="en-US" dirty="0" smtClean="0"/>
-              <a:t>	voting democratic or republican</a:t>
+              <a:t>Generalized linear models – Negative binomial distribution</a:t>
             </a:r>
           </a:p>
           <a:p>
             <a:r>
               <a:rPr lang="en-US" dirty="0" smtClean="0"/>
-              <a:t>	             has cancer/does not have cancer</a:t>
-            </a:r>
+              <a:t>Generalized linear models – logistic regression (binomial distribution)</a:t>
+            </a:r>
+          </a:p>
+          <a:p>
             <a:endParaRPr lang="en-US" dirty="0"/>
           </a:p>
         </p:txBody>
       </p:sp>
+      <p:cxnSp>
+        <p:nvCxnSpPr>
+          <p:cNvPr id="5" name="Straight Arrow Connector 4"/>
+          <p:cNvCxnSpPr/>
+          <p:nvPr/>
+        </p:nvCxnSpPr>
+        <p:spPr>
+          <a:xfrm flipH="1">
+            <a:off x="7086600" y="1066800"/>
+            <a:ext cx="609600" cy="0"/>
+          </a:xfrm>
+          <a:prstGeom prst="straightConnector1">
+            <a:avLst/>
+          </a:prstGeom>
+          <a:ln>
+            <a:tailEnd type="arrow"/>
+          </a:ln>
+        </p:spPr>
+        <p:style>
+          <a:lnRef idx="1">
+            <a:schemeClr val="accent1"/>
+          </a:lnRef>
+          <a:fillRef idx="0">
+            <a:schemeClr val="accent1"/>
+          </a:fillRef>
+          <a:effectRef idx="0">
+            <a:schemeClr val="accent1"/>
+          </a:effectRef>
+          <a:fontRef idx="minor">
+            <a:schemeClr val="tx1"/>
+          </a:fontRef>
+        </p:style>
+      </p:cxnSp>
     </p:spTree>
   </p:cSld>
   <p:clrMapOvr>
@@ -5844,8 +5853,8 @@
         </p:nvSpPr>
         <p:spPr>
           <a:xfrm>
-            <a:off x="152400" y="0"/>
-            <a:ext cx="5900718" cy="369332"/>
+            <a:off x="685800" y="381000"/>
+            <a:ext cx="4877938" cy="1200329"/>
           </a:xfrm>
           <a:prstGeom prst="rect">
             <a:avLst/>
@@ -5860,520 +5869,24 @@
           <a:p>
             <a:r>
               <a:rPr lang="en-US" dirty="0" smtClean="0"/>
-              <a:t>We return to our machine learning classification simulation….</a:t>
+              <a:t>What about binary variables.</a:t>
+            </a:r>
+          </a:p>
+          <a:p>
+            <a:endParaRPr lang="en-US" dirty="0" smtClean="0"/>
+          </a:p>
+          <a:p>
+            <a:r>
+              <a:rPr lang="en-US" dirty="0" smtClean="0"/>
+              <a:t>	voting democratic or republican</a:t>
+            </a:r>
+          </a:p>
+          <a:p>
+            <a:r>
+              <a:rPr lang="en-US" dirty="0" smtClean="0"/>
+              <a:t>	             has cancer/does not have cancer</a:t>
             </a:r>
             <a:endParaRPr lang="en-US" dirty="0"/>
-          </a:p>
-        </p:txBody>
-      </p:sp>
-      <p:sp>
-        <p:nvSpPr>
-          <p:cNvPr id="5" name="Rectangle 4"/>
-          <p:cNvSpPr/>
-          <p:nvPr/>
-        </p:nvSpPr>
-        <p:spPr>
-          <a:xfrm>
-            <a:off x="152400" y="6474023"/>
-            <a:ext cx="11887200" cy="307777"/>
-          </a:xfrm>
-          <a:prstGeom prst="rect">
-            <a:avLst/>
-          </a:prstGeom>
-        </p:spPr>
-        <p:txBody>
-          <a:bodyPr wrap="square">
-            <a:spAutoFit/>
-          </a:bodyPr>
-          <a:lstStyle/>
-          <a:p>
-            <a:r>
-              <a:rPr lang="en-US" sz="1400" dirty="0" smtClean="0"/>
-              <a:t>https://github.com/afodor/metagenomicsTools/blob/master/src/machineLearningExamples/logisticRegressionSims.txt</a:t>
-            </a:r>
-            <a:endParaRPr lang="en-US" sz="1400" dirty="0"/>
-          </a:p>
-        </p:txBody>
-      </p:sp>
-      <p:sp>
-        <p:nvSpPr>
-          <p:cNvPr id="6" name="Rectangle 5"/>
-          <p:cNvSpPr/>
-          <p:nvPr/>
-        </p:nvSpPr>
-        <p:spPr>
-          <a:xfrm>
-            <a:off x="152400" y="591264"/>
-            <a:ext cx="8001000" cy="4462760"/>
-          </a:xfrm>
-          <a:prstGeom prst="rect">
-            <a:avLst/>
-          </a:prstGeom>
-        </p:spPr>
-        <p:txBody>
-          <a:bodyPr wrap="square">
-            <a:spAutoFit/>
-          </a:bodyPr>
-          <a:lstStyle/>
-          <a:p>
-            <a:r>
-              <a:rPr lang="en-US" sz="1400" dirty="0" err="1" smtClean="0">
-                <a:latin typeface="Courier New" pitchFamily="49" charset="0"/>
-                <a:cs typeface="Courier New" pitchFamily="49" charset="0"/>
-              </a:rPr>
-              <a:t>rm</a:t>
-            </a:r>
-            <a:r>
-              <a:rPr lang="en-US" sz="1400" dirty="0" smtClean="0">
-                <a:latin typeface="Courier New" pitchFamily="49" charset="0"/>
-                <a:cs typeface="Courier New" pitchFamily="49" charset="0"/>
-              </a:rPr>
-              <a:t>(list=</a:t>
-            </a:r>
-            <a:r>
-              <a:rPr lang="en-US" sz="1400" dirty="0" err="1" smtClean="0">
-                <a:latin typeface="Courier New" pitchFamily="49" charset="0"/>
-                <a:cs typeface="Courier New" pitchFamily="49" charset="0"/>
-              </a:rPr>
-              <a:t>ls</a:t>
-            </a:r>
-            <a:r>
-              <a:rPr lang="en-US" sz="1400" dirty="0" smtClean="0">
-                <a:latin typeface="Courier New" pitchFamily="49" charset="0"/>
-                <a:cs typeface="Courier New" pitchFamily="49" charset="0"/>
-              </a:rPr>
-              <a:t>())</a:t>
-            </a:r>
-          </a:p>
-          <a:p>
-            <a:r>
-              <a:rPr lang="en-US" sz="1400" dirty="0" err="1" smtClean="0">
-                <a:latin typeface="Courier New" pitchFamily="49" charset="0"/>
-                <a:cs typeface="Courier New" pitchFamily="49" charset="0"/>
-              </a:rPr>
-              <a:t>numDataPoints</a:t>
-            </a:r>
-            <a:r>
-              <a:rPr lang="en-US" sz="1400" dirty="0" smtClean="0">
-                <a:latin typeface="Courier New" pitchFamily="49" charset="0"/>
-                <a:cs typeface="Courier New" pitchFamily="49" charset="0"/>
-              </a:rPr>
-              <a:t> </a:t>
-            </a:r>
-            <a:r>
-              <a:rPr lang="en-US" sz="1400" dirty="0" smtClean="0">
-                <a:latin typeface="Courier New" pitchFamily="49" charset="0"/>
-                <a:cs typeface="Courier New" pitchFamily="49" charset="0"/>
-              </a:rPr>
-              <a:t>&lt;- 100</a:t>
-            </a:r>
-          </a:p>
-          <a:p>
-            <a:endParaRPr lang="en-US" sz="1400" dirty="0" smtClean="0">
-              <a:latin typeface="Courier New" pitchFamily="49" charset="0"/>
-              <a:cs typeface="Courier New" pitchFamily="49" charset="0"/>
-            </a:endParaRPr>
-          </a:p>
-          <a:p>
-            <a:r>
-              <a:rPr lang="en-US" sz="1400" dirty="0" err="1" smtClean="0">
-                <a:latin typeface="Courier New" pitchFamily="49" charset="0"/>
-                <a:cs typeface="Courier New" pitchFamily="49" charset="0"/>
-              </a:rPr>
-              <a:t>classBlue</a:t>
-            </a:r>
-            <a:r>
-              <a:rPr lang="en-US" sz="1400" dirty="0" smtClean="0">
-                <a:latin typeface="Courier New" pitchFamily="49" charset="0"/>
-                <a:cs typeface="Courier New" pitchFamily="49" charset="0"/>
-              </a:rPr>
-              <a:t> &lt;- </a:t>
-            </a:r>
-            <a:r>
-              <a:rPr lang="en-US" sz="1400" dirty="0" err="1" smtClean="0">
-                <a:latin typeface="Courier New" pitchFamily="49" charset="0"/>
-                <a:cs typeface="Courier New" pitchFamily="49" charset="0"/>
-              </a:rPr>
-              <a:t>rnorm</a:t>
-            </a:r>
-            <a:r>
-              <a:rPr lang="en-US" sz="1400" dirty="0" smtClean="0">
-                <a:latin typeface="Courier New" pitchFamily="49" charset="0"/>
-                <a:cs typeface="Courier New" pitchFamily="49" charset="0"/>
-              </a:rPr>
-              <a:t>(10,mean=1);</a:t>
-            </a:r>
-          </a:p>
-          <a:p>
-            <a:r>
-              <a:rPr lang="en-US" sz="1400" dirty="0" err="1" smtClean="0">
-                <a:latin typeface="Courier New" pitchFamily="49" charset="0"/>
-                <a:cs typeface="Courier New" pitchFamily="49" charset="0"/>
-              </a:rPr>
-              <a:t>classOrange</a:t>
-            </a:r>
-            <a:r>
-              <a:rPr lang="en-US" sz="1400" dirty="0" smtClean="0">
-                <a:latin typeface="Courier New" pitchFamily="49" charset="0"/>
-                <a:cs typeface="Courier New" pitchFamily="49" charset="0"/>
-              </a:rPr>
-              <a:t> &lt;- </a:t>
-            </a:r>
-            <a:r>
-              <a:rPr lang="en-US" sz="1400" dirty="0" err="1" smtClean="0">
-                <a:latin typeface="Courier New" pitchFamily="49" charset="0"/>
-                <a:cs typeface="Courier New" pitchFamily="49" charset="0"/>
-              </a:rPr>
-              <a:t>rnorm</a:t>
-            </a:r>
-            <a:r>
-              <a:rPr lang="en-US" sz="1400" dirty="0" smtClean="0">
-                <a:latin typeface="Courier New" pitchFamily="49" charset="0"/>
-                <a:cs typeface="Courier New" pitchFamily="49" charset="0"/>
-              </a:rPr>
-              <a:t>(10, mean=0);</a:t>
-            </a:r>
-          </a:p>
-          <a:p>
-            <a:r>
-              <a:rPr lang="en-US" sz="1400" dirty="0" smtClean="0">
-                <a:latin typeface="Courier New" pitchFamily="49" charset="0"/>
-                <a:cs typeface="Courier New" pitchFamily="49" charset="0"/>
-              </a:rPr>
-              <a:t>blueDataX1 </a:t>
-            </a:r>
-            <a:r>
-              <a:rPr lang="en-US" sz="1400" dirty="0" smtClean="0">
-                <a:latin typeface="Courier New" pitchFamily="49" charset="0"/>
-                <a:cs typeface="Courier New" pitchFamily="49" charset="0"/>
-              </a:rPr>
-              <a:t>&lt;- vector</a:t>
-            </a:r>
-            <a:r>
-              <a:rPr lang="en-US" sz="1400" dirty="0" smtClean="0">
-                <a:latin typeface="Courier New" pitchFamily="49" charset="0"/>
-                <a:cs typeface="Courier New" pitchFamily="49" charset="0"/>
-              </a:rPr>
-              <a:t>();</a:t>
-            </a:r>
-          </a:p>
-          <a:p>
-            <a:r>
-              <a:rPr lang="en-US" sz="1400" dirty="0" smtClean="0">
-                <a:latin typeface="Courier New" pitchFamily="49" charset="0"/>
-                <a:cs typeface="Courier New" pitchFamily="49" charset="0"/>
-              </a:rPr>
-              <a:t>orangeDataX1 &lt;- vector();</a:t>
-            </a:r>
-          </a:p>
-          <a:p>
-            <a:endParaRPr lang="en-US" sz="1400" dirty="0" smtClean="0">
-              <a:latin typeface="Courier New" pitchFamily="49" charset="0"/>
-              <a:cs typeface="Courier New" pitchFamily="49" charset="0"/>
-            </a:endParaRPr>
-          </a:p>
-          <a:p>
-            <a:r>
-              <a:rPr lang="en-US" sz="1400" dirty="0" smtClean="0">
-                <a:latin typeface="Courier New" pitchFamily="49" charset="0"/>
-                <a:cs typeface="Courier New" pitchFamily="49" charset="0"/>
-              </a:rPr>
-              <a:t>for( </a:t>
-            </a:r>
-            <a:r>
-              <a:rPr lang="en-US" sz="1400" dirty="0" err="1" smtClean="0">
-                <a:latin typeface="Courier New" pitchFamily="49" charset="0"/>
-                <a:cs typeface="Courier New" pitchFamily="49" charset="0"/>
-              </a:rPr>
-              <a:t>i</a:t>
-            </a:r>
-            <a:r>
-              <a:rPr lang="en-US" sz="1400" dirty="0" smtClean="0">
-                <a:latin typeface="Courier New" pitchFamily="49" charset="0"/>
-                <a:cs typeface="Courier New" pitchFamily="49" charset="0"/>
-              </a:rPr>
-              <a:t> in 1:numDataPoints)</a:t>
-            </a:r>
-          </a:p>
-          <a:p>
-            <a:r>
-              <a:rPr lang="en-US" sz="1400" dirty="0" smtClean="0">
-                <a:latin typeface="Courier New" pitchFamily="49" charset="0"/>
-                <a:cs typeface="Courier New" pitchFamily="49" charset="0"/>
-              </a:rPr>
-              <a:t>{</a:t>
-            </a:r>
-          </a:p>
-          <a:p>
-            <a:r>
-              <a:rPr lang="en-US" sz="1400" dirty="0" smtClean="0">
-                <a:latin typeface="Courier New" pitchFamily="49" charset="0"/>
-                <a:cs typeface="Courier New" pitchFamily="49" charset="0"/>
-              </a:rPr>
-              <a:t>blueDataX1[</a:t>
-            </a:r>
-            <a:r>
-              <a:rPr lang="en-US" sz="1400" dirty="0" err="1" smtClean="0">
-                <a:latin typeface="Courier New" pitchFamily="49" charset="0"/>
-                <a:cs typeface="Courier New" pitchFamily="49" charset="0"/>
-              </a:rPr>
-              <a:t>i</a:t>
-            </a:r>
-            <a:r>
-              <a:rPr lang="en-US" sz="1400" dirty="0" smtClean="0">
-                <a:latin typeface="Courier New" pitchFamily="49" charset="0"/>
-                <a:cs typeface="Courier New" pitchFamily="49" charset="0"/>
-              </a:rPr>
-              <a:t>] &lt;- </a:t>
-            </a:r>
-            <a:r>
-              <a:rPr lang="en-US" sz="1400" dirty="0" err="1" smtClean="0">
-                <a:latin typeface="Courier New" pitchFamily="49" charset="0"/>
-                <a:cs typeface="Courier New" pitchFamily="49" charset="0"/>
-              </a:rPr>
-              <a:t>rnorm</a:t>
-            </a:r>
-            <a:r>
-              <a:rPr lang="en-US" sz="1400" dirty="0" smtClean="0">
-                <a:latin typeface="Courier New" pitchFamily="49" charset="0"/>
-                <a:cs typeface="Courier New" pitchFamily="49" charset="0"/>
-              </a:rPr>
-              <a:t>(1, mean=</a:t>
-            </a:r>
-            <a:r>
-              <a:rPr lang="en-US" sz="1400" dirty="0" err="1" smtClean="0">
-                <a:latin typeface="Courier New" pitchFamily="49" charset="0"/>
-                <a:cs typeface="Courier New" pitchFamily="49" charset="0"/>
-              </a:rPr>
-              <a:t>classBlue</a:t>
-            </a:r>
-            <a:r>
-              <a:rPr lang="en-US" sz="1400" dirty="0" smtClean="0">
-                <a:latin typeface="Courier New" pitchFamily="49" charset="0"/>
-                <a:cs typeface="Courier New" pitchFamily="49" charset="0"/>
-              </a:rPr>
-              <a:t>[ sample(1:10,1) ], </a:t>
-            </a:r>
-            <a:r>
-              <a:rPr lang="en-US" sz="1400" dirty="0" err="1" smtClean="0">
-                <a:latin typeface="Courier New" pitchFamily="49" charset="0"/>
-                <a:cs typeface="Courier New" pitchFamily="49" charset="0"/>
-              </a:rPr>
-              <a:t>sd</a:t>
-            </a:r>
-            <a:r>
-              <a:rPr lang="en-US" sz="1400" dirty="0" smtClean="0">
-                <a:latin typeface="Courier New" pitchFamily="49" charset="0"/>
-                <a:cs typeface="Courier New" pitchFamily="49" charset="0"/>
-              </a:rPr>
-              <a:t> = 1/5)</a:t>
-            </a:r>
-          </a:p>
-          <a:p>
-            <a:r>
-              <a:rPr lang="en-US" sz="1400" dirty="0" smtClean="0">
-                <a:latin typeface="Courier New" pitchFamily="49" charset="0"/>
-                <a:cs typeface="Courier New" pitchFamily="49" charset="0"/>
-              </a:rPr>
-              <a:t>orangeDataX1[</a:t>
-            </a:r>
-            <a:r>
-              <a:rPr lang="en-US" sz="1400" dirty="0" err="1" smtClean="0">
-                <a:latin typeface="Courier New" pitchFamily="49" charset="0"/>
-                <a:cs typeface="Courier New" pitchFamily="49" charset="0"/>
-              </a:rPr>
-              <a:t>i</a:t>
-            </a:r>
-            <a:r>
-              <a:rPr lang="en-US" sz="1400" dirty="0" smtClean="0">
-                <a:latin typeface="Courier New" pitchFamily="49" charset="0"/>
-                <a:cs typeface="Courier New" pitchFamily="49" charset="0"/>
-              </a:rPr>
-              <a:t>] &lt;- </a:t>
-            </a:r>
-            <a:r>
-              <a:rPr lang="en-US" sz="1400" dirty="0" err="1" smtClean="0">
-                <a:latin typeface="Courier New" pitchFamily="49" charset="0"/>
-                <a:cs typeface="Courier New" pitchFamily="49" charset="0"/>
-              </a:rPr>
-              <a:t>rnorm</a:t>
-            </a:r>
-            <a:r>
-              <a:rPr lang="en-US" sz="1400" dirty="0" smtClean="0">
-                <a:latin typeface="Courier New" pitchFamily="49" charset="0"/>
-                <a:cs typeface="Courier New" pitchFamily="49" charset="0"/>
-              </a:rPr>
-              <a:t>(1, mean=</a:t>
-            </a:r>
-            <a:r>
-              <a:rPr lang="en-US" sz="1400" dirty="0" err="1" smtClean="0">
-                <a:latin typeface="Courier New" pitchFamily="49" charset="0"/>
-                <a:cs typeface="Courier New" pitchFamily="49" charset="0"/>
-              </a:rPr>
-              <a:t>classOrange</a:t>
-            </a:r>
-            <a:r>
-              <a:rPr lang="en-US" sz="1400" dirty="0" smtClean="0">
-                <a:latin typeface="Courier New" pitchFamily="49" charset="0"/>
-                <a:cs typeface="Courier New" pitchFamily="49" charset="0"/>
-              </a:rPr>
-              <a:t>[sample(1:10,1)],</a:t>
-            </a:r>
-            <a:r>
-              <a:rPr lang="en-US" sz="1400" dirty="0" err="1" smtClean="0">
-                <a:latin typeface="Courier New" pitchFamily="49" charset="0"/>
-                <a:cs typeface="Courier New" pitchFamily="49" charset="0"/>
-              </a:rPr>
-              <a:t>sd</a:t>
-            </a:r>
-            <a:r>
-              <a:rPr lang="en-US" sz="1400" dirty="0" smtClean="0">
-                <a:latin typeface="Courier New" pitchFamily="49" charset="0"/>
-                <a:cs typeface="Courier New" pitchFamily="49" charset="0"/>
-              </a:rPr>
-              <a:t> = 1/5)</a:t>
-            </a:r>
-          </a:p>
-          <a:p>
-            <a:r>
-              <a:rPr lang="en-US" sz="1400" dirty="0" smtClean="0">
-                <a:latin typeface="Courier New" pitchFamily="49" charset="0"/>
-                <a:cs typeface="Courier New" pitchFamily="49" charset="0"/>
-              </a:rPr>
-              <a:t>}</a:t>
-            </a:r>
-            <a:endParaRPr lang="en-US" sz="1400" dirty="0" smtClean="0">
-              <a:latin typeface="Courier New" pitchFamily="49" charset="0"/>
-              <a:cs typeface="Courier New" pitchFamily="49" charset="0"/>
-            </a:endParaRPr>
-          </a:p>
-          <a:p>
-            <a:endParaRPr lang="en-US" sz="1400" dirty="0" smtClean="0">
-              <a:latin typeface="Courier New" pitchFamily="49" charset="0"/>
-              <a:cs typeface="Courier New" pitchFamily="49" charset="0"/>
-            </a:endParaRPr>
-          </a:p>
-          <a:p>
-            <a:r>
-              <a:rPr lang="en-US" sz="1400" dirty="0" smtClean="0">
-                <a:latin typeface="Courier New" pitchFamily="49" charset="0"/>
-                <a:cs typeface="Courier New" pitchFamily="49" charset="0"/>
-              </a:rPr>
-              <a:t>colors &lt;- c( rep("BLUE", </a:t>
-            </a:r>
-            <a:r>
-              <a:rPr lang="en-US" sz="1400" dirty="0" err="1" smtClean="0">
-                <a:latin typeface="Courier New" pitchFamily="49" charset="0"/>
-                <a:cs typeface="Courier New" pitchFamily="49" charset="0"/>
-              </a:rPr>
-              <a:t>numDataPoints</a:t>
-            </a:r>
-            <a:r>
-              <a:rPr lang="en-US" sz="1400" dirty="0" smtClean="0">
-                <a:latin typeface="Courier New" pitchFamily="49" charset="0"/>
-                <a:cs typeface="Courier New" pitchFamily="49" charset="0"/>
-              </a:rPr>
-              <a:t>), rep ("ORANGE", </a:t>
-            </a:r>
-            <a:r>
-              <a:rPr lang="en-US" sz="1400" dirty="0" err="1" smtClean="0">
-                <a:latin typeface="Courier New" pitchFamily="49" charset="0"/>
-                <a:cs typeface="Courier New" pitchFamily="49" charset="0"/>
-              </a:rPr>
-              <a:t>numDataPoints</a:t>
-            </a:r>
-            <a:r>
-              <a:rPr lang="en-US" sz="1400" dirty="0" smtClean="0">
-                <a:latin typeface="Courier New" pitchFamily="49" charset="0"/>
-                <a:cs typeface="Courier New" pitchFamily="49" charset="0"/>
-              </a:rPr>
-              <a:t>))</a:t>
-            </a:r>
-          </a:p>
-          <a:p>
-            <a:r>
-              <a:rPr lang="en-US" sz="1400" dirty="0" smtClean="0">
-                <a:latin typeface="Courier New" pitchFamily="49" charset="0"/>
-                <a:cs typeface="Courier New" pitchFamily="49" charset="0"/>
-              </a:rPr>
-              <a:t>values &lt;- c( rep(0, </a:t>
-            </a:r>
-            <a:r>
-              <a:rPr lang="en-US" sz="1400" dirty="0" err="1" smtClean="0">
-                <a:latin typeface="Courier New" pitchFamily="49" charset="0"/>
-                <a:cs typeface="Courier New" pitchFamily="49" charset="0"/>
-              </a:rPr>
-              <a:t>numDataPoints</a:t>
-            </a:r>
-            <a:r>
-              <a:rPr lang="en-US" sz="1400" dirty="0" smtClean="0">
-                <a:latin typeface="Courier New" pitchFamily="49" charset="0"/>
-                <a:cs typeface="Courier New" pitchFamily="49" charset="0"/>
-              </a:rPr>
-              <a:t>), rep (1, </a:t>
-            </a:r>
-            <a:r>
-              <a:rPr lang="en-US" sz="1400" dirty="0" err="1" smtClean="0">
-                <a:latin typeface="Courier New" pitchFamily="49" charset="0"/>
-                <a:cs typeface="Courier New" pitchFamily="49" charset="0"/>
-              </a:rPr>
-              <a:t>numDataPoints</a:t>
-            </a:r>
-            <a:r>
-              <a:rPr lang="en-US" sz="1400" dirty="0" smtClean="0">
-                <a:latin typeface="Courier New" pitchFamily="49" charset="0"/>
-                <a:cs typeface="Courier New" pitchFamily="49" charset="0"/>
-              </a:rPr>
-              <a:t>))</a:t>
-            </a:r>
-          </a:p>
-          <a:p>
-            <a:endParaRPr lang="en-US" sz="1400" dirty="0" smtClean="0">
-              <a:latin typeface="Courier New" pitchFamily="49" charset="0"/>
-              <a:cs typeface="Courier New" pitchFamily="49" charset="0"/>
-            </a:endParaRPr>
-          </a:p>
-          <a:p>
-            <a:r>
-              <a:rPr lang="en-US" sz="1400" dirty="0" smtClean="0">
-                <a:latin typeface="Courier New" pitchFamily="49" charset="0"/>
-                <a:cs typeface="Courier New" pitchFamily="49" charset="0"/>
-              </a:rPr>
-              <a:t>mergedDataX1 &lt;- c(  blueDataX1, orangeDataX1 </a:t>
-            </a:r>
-            <a:r>
-              <a:rPr lang="en-US" sz="1400" dirty="0" smtClean="0">
-                <a:latin typeface="Courier New" pitchFamily="49" charset="0"/>
-                <a:cs typeface="Courier New" pitchFamily="49" charset="0"/>
-              </a:rPr>
-              <a:t>);</a:t>
-            </a:r>
-          </a:p>
-          <a:p>
-            <a:r>
-              <a:rPr lang="en-US" sz="1400" dirty="0" smtClean="0">
-                <a:latin typeface="Courier New" pitchFamily="49" charset="0"/>
-                <a:cs typeface="Courier New" pitchFamily="49" charset="0"/>
-              </a:rPr>
-              <a:t>plot(mergedDataX1, </a:t>
-            </a:r>
-            <a:r>
-              <a:rPr lang="en-US" sz="1400" dirty="0" err="1" smtClean="0">
-                <a:latin typeface="Courier New" pitchFamily="49" charset="0"/>
-                <a:cs typeface="Courier New" pitchFamily="49" charset="0"/>
-              </a:rPr>
-              <a:t>values,col</a:t>
-            </a:r>
-            <a:r>
-              <a:rPr lang="en-US" sz="1400" dirty="0" smtClean="0">
-                <a:latin typeface="Courier New" pitchFamily="49" charset="0"/>
-                <a:cs typeface="Courier New" pitchFamily="49" charset="0"/>
-              </a:rPr>
-              <a:t>=colors)</a:t>
-            </a:r>
-          </a:p>
-          <a:p>
-            <a:endParaRPr lang="en-US" dirty="0" smtClean="0"/>
           </a:p>
         </p:txBody>
       </p:sp>
@@ -6402,48 +5915,46 @@
           <a:chExt cx="0" cy="0"/>
         </a:xfrm>
       </p:grpSpPr>
-      <p:pic>
-        <p:nvPicPr>
-          <p:cNvPr id="2050" name="Picture 2"/>
-          <p:cNvPicPr>
-            <a:picLocks noChangeAspect="1" noChangeArrowheads="1"/>
-          </p:cNvPicPr>
-          <p:nvPr/>
-        </p:nvPicPr>
-        <p:blipFill>
-          <a:blip r:embed="rId2" cstate="print"/>
-          <a:srcRect/>
-          <a:stretch>
-            <a:fillRect/>
-          </a:stretch>
-        </p:blipFill>
-        <p:spPr bwMode="auto">
-          <a:xfrm>
-            <a:off x="1361516" y="114"/>
-            <a:ext cx="6791884" cy="6781686"/>
+      <p:sp>
+        <p:nvSpPr>
+          <p:cNvPr id="4" name="TextBox 3"/>
+          <p:cNvSpPr txBox="1"/>
+          <p:nvPr/>
+        </p:nvSpPr>
+        <p:spPr>
+          <a:xfrm>
+            <a:off x="152400" y="0"/>
+            <a:ext cx="5900718" cy="369332"/>
           </a:xfrm>
           <a:prstGeom prst="rect">
             <a:avLst/>
           </a:prstGeom>
           <a:noFill/>
-          <a:ln w="9525">
-            <a:noFill/>
-            <a:miter lim="800000"/>
-            <a:headEnd/>
-            <a:tailEnd/>
-          </a:ln>
-        </p:spPr>
-      </p:pic>
-      <p:sp>
-        <p:nvSpPr>
-          <p:cNvPr id="4" name="Rectangle 3"/>
+        </p:spPr>
+        <p:txBody>
+          <a:bodyPr wrap="none" rtlCol="0">
+            <a:spAutoFit/>
+          </a:bodyPr>
+          <a:lstStyle/>
+          <a:p>
+            <a:r>
+              <a:rPr lang="en-US" dirty="0" smtClean="0"/>
+              <a:t>We return to our machine learning classification simulation….</a:t>
+            </a:r>
+            <a:endParaRPr lang="en-US" dirty="0"/>
+          </a:p>
+        </p:txBody>
+      </p:sp>
+      <p:sp>
+        <p:nvSpPr>
+          <p:cNvPr id="5" name="Rectangle 4"/>
           <p:cNvSpPr/>
           <p:nvPr/>
         </p:nvSpPr>
         <p:spPr>
           <a:xfrm>
-            <a:off x="609600" y="152400"/>
-            <a:ext cx="7467600" cy="369332"/>
+            <a:off x="152400" y="6474023"/>
+            <a:ext cx="11887200" cy="307777"/>
           </a:xfrm>
           <a:prstGeom prst="rect">
             <a:avLst/>
@@ -6456,26 +5967,460 @@
           <a:lstStyle/>
           <a:p>
             <a:r>
-              <a:rPr lang="en-US" dirty="0" smtClean="0">
+              <a:rPr lang="en-US" sz="1400" dirty="0" smtClean="0"/>
+              <a:t>https://github.com/afodor/metagenomicsTools/blob/master/src/machineLearningExamples/logisticRegressionSims.txt</a:t>
+            </a:r>
+            <a:endParaRPr lang="en-US" sz="1400" dirty="0"/>
+          </a:p>
+        </p:txBody>
+      </p:sp>
+      <p:sp>
+        <p:nvSpPr>
+          <p:cNvPr id="6" name="Rectangle 5"/>
+          <p:cNvSpPr/>
+          <p:nvPr/>
+        </p:nvSpPr>
+        <p:spPr>
+          <a:xfrm>
+            <a:off x="152400" y="591264"/>
+            <a:ext cx="8001000" cy="4462760"/>
+          </a:xfrm>
+          <a:prstGeom prst="rect">
+            <a:avLst/>
+          </a:prstGeom>
+        </p:spPr>
+        <p:txBody>
+          <a:bodyPr wrap="square">
+            <a:spAutoFit/>
+          </a:bodyPr>
+          <a:lstStyle/>
+          <a:p>
+            <a:r>
+              <a:rPr lang="en-US" sz="1400" dirty="0" err="1" smtClean="0">
                 <a:latin typeface="Courier New" pitchFamily="49" charset="0"/>
                 <a:cs typeface="Courier New" pitchFamily="49" charset="0"/>
               </a:rPr>
-              <a:t>plot(mergedDataX1, </a:t>
-            </a:r>
-            <a:r>
-              <a:rPr lang="en-US" dirty="0" err="1" smtClean="0">
+              <a:t>rm</a:t>
+            </a:r>
+            <a:r>
+              <a:rPr lang="en-US" sz="1400" dirty="0" smtClean="0">
                 <a:latin typeface="Courier New" pitchFamily="49" charset="0"/>
                 <a:cs typeface="Courier New" pitchFamily="49" charset="0"/>
               </a:rPr>
-              <a:t>values,col</a:t>
-            </a:r>
-            <a:r>
-              <a:rPr lang="en-US" dirty="0" smtClean="0">
+              <a:t>(list=</a:t>
+            </a:r>
+            <a:r>
+              <a:rPr lang="en-US" sz="1400" dirty="0" err="1" smtClean="0">
                 <a:latin typeface="Courier New" pitchFamily="49" charset="0"/>
                 <a:cs typeface="Courier New" pitchFamily="49" charset="0"/>
               </a:rPr>
+              <a:t>ls</a:t>
+            </a:r>
+            <a:r>
+              <a:rPr lang="en-US" sz="1400" dirty="0" smtClean="0">
+                <a:latin typeface="Courier New" pitchFamily="49" charset="0"/>
+                <a:cs typeface="Courier New" pitchFamily="49" charset="0"/>
+              </a:rPr>
+              <a:t>())</a:t>
+            </a:r>
+          </a:p>
+          <a:p>
+            <a:r>
+              <a:rPr lang="en-US" sz="1400" dirty="0" err="1" smtClean="0">
+                <a:latin typeface="Courier New" pitchFamily="49" charset="0"/>
+                <a:cs typeface="Courier New" pitchFamily="49" charset="0"/>
+              </a:rPr>
+              <a:t>numDataPoints</a:t>
+            </a:r>
+            <a:r>
+              <a:rPr lang="en-US" sz="1400" dirty="0" smtClean="0">
+                <a:latin typeface="Courier New" pitchFamily="49" charset="0"/>
+                <a:cs typeface="Courier New" pitchFamily="49" charset="0"/>
+              </a:rPr>
+              <a:t> &lt;- 100</a:t>
+            </a:r>
+          </a:p>
+          <a:p>
+            <a:endParaRPr lang="en-US" sz="1400" dirty="0" smtClean="0">
+              <a:latin typeface="Courier New" pitchFamily="49" charset="0"/>
+              <a:cs typeface="Courier New" pitchFamily="49" charset="0"/>
+            </a:endParaRPr>
+          </a:p>
+          <a:p>
+            <a:r>
+              <a:rPr lang="en-US" sz="1400" dirty="0" err="1" smtClean="0">
+                <a:latin typeface="Courier New" pitchFamily="49" charset="0"/>
+                <a:cs typeface="Courier New" pitchFamily="49" charset="0"/>
+              </a:rPr>
+              <a:t>classBlue</a:t>
+            </a:r>
+            <a:r>
+              <a:rPr lang="en-US" sz="1400" dirty="0" smtClean="0">
+                <a:latin typeface="Courier New" pitchFamily="49" charset="0"/>
+                <a:cs typeface="Courier New" pitchFamily="49" charset="0"/>
+              </a:rPr>
+              <a:t> &lt;- </a:t>
+            </a:r>
+            <a:r>
+              <a:rPr lang="en-US" sz="1400" dirty="0" err="1" smtClean="0">
+                <a:latin typeface="Courier New" pitchFamily="49" charset="0"/>
+                <a:cs typeface="Courier New" pitchFamily="49" charset="0"/>
+              </a:rPr>
+              <a:t>rnorm</a:t>
+            </a:r>
+            <a:r>
+              <a:rPr lang="en-US" sz="1400" dirty="0" smtClean="0">
+                <a:latin typeface="Courier New" pitchFamily="49" charset="0"/>
+                <a:cs typeface="Courier New" pitchFamily="49" charset="0"/>
+              </a:rPr>
+              <a:t>(10,mean=1);</a:t>
+            </a:r>
+          </a:p>
+          <a:p>
+            <a:r>
+              <a:rPr lang="en-US" sz="1400" dirty="0" err="1" smtClean="0">
+                <a:latin typeface="Courier New" pitchFamily="49" charset="0"/>
+                <a:cs typeface="Courier New" pitchFamily="49" charset="0"/>
+              </a:rPr>
+              <a:t>classOrange</a:t>
+            </a:r>
+            <a:r>
+              <a:rPr lang="en-US" sz="1400" dirty="0" smtClean="0">
+                <a:latin typeface="Courier New" pitchFamily="49" charset="0"/>
+                <a:cs typeface="Courier New" pitchFamily="49" charset="0"/>
+              </a:rPr>
+              <a:t> &lt;- </a:t>
+            </a:r>
+            <a:r>
+              <a:rPr lang="en-US" sz="1400" dirty="0" err="1" smtClean="0">
+                <a:latin typeface="Courier New" pitchFamily="49" charset="0"/>
+                <a:cs typeface="Courier New" pitchFamily="49" charset="0"/>
+              </a:rPr>
+              <a:t>rnorm</a:t>
+            </a:r>
+            <a:r>
+              <a:rPr lang="en-US" sz="1400" dirty="0" smtClean="0">
+                <a:latin typeface="Courier New" pitchFamily="49" charset="0"/>
+                <a:cs typeface="Courier New" pitchFamily="49" charset="0"/>
+              </a:rPr>
+              <a:t>(10, mean=0);</a:t>
+            </a:r>
+          </a:p>
+          <a:p>
+            <a:r>
+              <a:rPr lang="en-US" sz="1400" dirty="0" smtClean="0">
+                <a:latin typeface="Courier New" pitchFamily="49" charset="0"/>
+                <a:cs typeface="Courier New" pitchFamily="49" charset="0"/>
+              </a:rPr>
+              <a:t>blueDataX1 &lt;- vector();</a:t>
+            </a:r>
+          </a:p>
+          <a:p>
+            <a:r>
+              <a:rPr lang="en-US" sz="1400" dirty="0" smtClean="0">
+                <a:latin typeface="Courier New" pitchFamily="49" charset="0"/>
+                <a:cs typeface="Courier New" pitchFamily="49" charset="0"/>
+              </a:rPr>
+              <a:t>orangeDataX1 &lt;- vector();</a:t>
+            </a:r>
+          </a:p>
+          <a:p>
+            <a:endParaRPr lang="en-US" sz="1400" dirty="0" smtClean="0">
+              <a:latin typeface="Courier New" pitchFamily="49" charset="0"/>
+              <a:cs typeface="Courier New" pitchFamily="49" charset="0"/>
+            </a:endParaRPr>
+          </a:p>
+          <a:p>
+            <a:r>
+              <a:rPr lang="en-US" sz="1400" dirty="0" smtClean="0">
+                <a:latin typeface="Courier New" pitchFamily="49" charset="0"/>
+                <a:cs typeface="Courier New" pitchFamily="49" charset="0"/>
+              </a:rPr>
+              <a:t>for( </a:t>
+            </a:r>
+            <a:r>
+              <a:rPr lang="en-US" sz="1400" dirty="0" err="1" smtClean="0">
+                <a:latin typeface="Courier New" pitchFamily="49" charset="0"/>
+                <a:cs typeface="Courier New" pitchFamily="49" charset="0"/>
+              </a:rPr>
+              <a:t>i</a:t>
+            </a:r>
+            <a:r>
+              <a:rPr lang="en-US" sz="1400" dirty="0" smtClean="0">
+                <a:latin typeface="Courier New" pitchFamily="49" charset="0"/>
+                <a:cs typeface="Courier New" pitchFamily="49" charset="0"/>
+              </a:rPr>
+              <a:t> in 1:numDataPoints)</a:t>
+            </a:r>
+          </a:p>
+          <a:p>
+            <a:r>
+              <a:rPr lang="en-US" sz="1400" dirty="0" smtClean="0">
+                <a:latin typeface="Courier New" pitchFamily="49" charset="0"/>
+                <a:cs typeface="Courier New" pitchFamily="49" charset="0"/>
+              </a:rPr>
+              <a:t>{</a:t>
+            </a:r>
+          </a:p>
+          <a:p>
+            <a:r>
+              <a:rPr lang="en-US" sz="1400" dirty="0" smtClean="0">
+                <a:latin typeface="Courier New" pitchFamily="49" charset="0"/>
+                <a:cs typeface="Courier New" pitchFamily="49" charset="0"/>
+              </a:rPr>
+              <a:t>blueDataX1[</a:t>
+            </a:r>
+            <a:r>
+              <a:rPr lang="en-US" sz="1400" dirty="0" err="1" smtClean="0">
+                <a:latin typeface="Courier New" pitchFamily="49" charset="0"/>
+                <a:cs typeface="Courier New" pitchFamily="49" charset="0"/>
+              </a:rPr>
+              <a:t>i</a:t>
+            </a:r>
+            <a:r>
+              <a:rPr lang="en-US" sz="1400" dirty="0" smtClean="0">
+                <a:latin typeface="Courier New" pitchFamily="49" charset="0"/>
+                <a:cs typeface="Courier New" pitchFamily="49" charset="0"/>
+              </a:rPr>
+              <a:t>] &lt;- </a:t>
+            </a:r>
+            <a:r>
+              <a:rPr lang="en-US" sz="1400" dirty="0" err="1" smtClean="0">
+                <a:latin typeface="Courier New" pitchFamily="49" charset="0"/>
+                <a:cs typeface="Courier New" pitchFamily="49" charset="0"/>
+              </a:rPr>
+              <a:t>rnorm</a:t>
+            </a:r>
+            <a:r>
+              <a:rPr lang="en-US" sz="1400" dirty="0" smtClean="0">
+                <a:latin typeface="Courier New" pitchFamily="49" charset="0"/>
+                <a:cs typeface="Courier New" pitchFamily="49" charset="0"/>
+              </a:rPr>
+              <a:t>(1, mean=</a:t>
+            </a:r>
+            <a:r>
+              <a:rPr lang="en-US" sz="1400" dirty="0" err="1" smtClean="0">
+                <a:latin typeface="Courier New" pitchFamily="49" charset="0"/>
+                <a:cs typeface="Courier New" pitchFamily="49" charset="0"/>
+              </a:rPr>
+              <a:t>classBlue</a:t>
+            </a:r>
+            <a:r>
+              <a:rPr lang="en-US" sz="1400" dirty="0" smtClean="0">
+                <a:latin typeface="Courier New" pitchFamily="49" charset="0"/>
+                <a:cs typeface="Courier New" pitchFamily="49" charset="0"/>
+              </a:rPr>
+              <a:t>[ sample(1:10,1) ], </a:t>
+            </a:r>
+            <a:r>
+              <a:rPr lang="en-US" sz="1400" dirty="0" err="1" smtClean="0">
+                <a:latin typeface="Courier New" pitchFamily="49" charset="0"/>
+                <a:cs typeface="Courier New" pitchFamily="49" charset="0"/>
+              </a:rPr>
+              <a:t>sd</a:t>
+            </a:r>
+            <a:r>
+              <a:rPr lang="en-US" sz="1400" dirty="0" smtClean="0">
+                <a:latin typeface="Courier New" pitchFamily="49" charset="0"/>
+                <a:cs typeface="Courier New" pitchFamily="49" charset="0"/>
+              </a:rPr>
+              <a:t> = 1/5)</a:t>
+            </a:r>
+          </a:p>
+          <a:p>
+            <a:r>
+              <a:rPr lang="en-US" sz="1400" dirty="0" smtClean="0">
+                <a:latin typeface="Courier New" pitchFamily="49" charset="0"/>
+                <a:cs typeface="Courier New" pitchFamily="49" charset="0"/>
+              </a:rPr>
+              <a:t>orangeDataX1[</a:t>
+            </a:r>
+            <a:r>
+              <a:rPr lang="en-US" sz="1400" dirty="0" err="1" smtClean="0">
+                <a:latin typeface="Courier New" pitchFamily="49" charset="0"/>
+                <a:cs typeface="Courier New" pitchFamily="49" charset="0"/>
+              </a:rPr>
+              <a:t>i</a:t>
+            </a:r>
+            <a:r>
+              <a:rPr lang="en-US" sz="1400" dirty="0" smtClean="0">
+                <a:latin typeface="Courier New" pitchFamily="49" charset="0"/>
+                <a:cs typeface="Courier New" pitchFamily="49" charset="0"/>
+              </a:rPr>
+              <a:t>] &lt;- </a:t>
+            </a:r>
+            <a:r>
+              <a:rPr lang="en-US" sz="1400" dirty="0" err="1" smtClean="0">
+                <a:latin typeface="Courier New" pitchFamily="49" charset="0"/>
+                <a:cs typeface="Courier New" pitchFamily="49" charset="0"/>
+              </a:rPr>
+              <a:t>rnorm</a:t>
+            </a:r>
+            <a:r>
+              <a:rPr lang="en-US" sz="1400" dirty="0" smtClean="0">
+                <a:latin typeface="Courier New" pitchFamily="49" charset="0"/>
+                <a:cs typeface="Courier New" pitchFamily="49" charset="0"/>
+              </a:rPr>
+              <a:t>(1, mean=</a:t>
+            </a:r>
+            <a:r>
+              <a:rPr lang="en-US" sz="1400" dirty="0" err="1" smtClean="0">
+                <a:latin typeface="Courier New" pitchFamily="49" charset="0"/>
+                <a:cs typeface="Courier New" pitchFamily="49" charset="0"/>
+              </a:rPr>
+              <a:t>classOrange</a:t>
+            </a:r>
+            <a:r>
+              <a:rPr lang="en-US" sz="1400" dirty="0" smtClean="0">
+                <a:latin typeface="Courier New" pitchFamily="49" charset="0"/>
+                <a:cs typeface="Courier New" pitchFamily="49" charset="0"/>
+              </a:rPr>
+              <a:t>[sample(1:10,1)],</a:t>
+            </a:r>
+            <a:r>
+              <a:rPr lang="en-US" sz="1400" dirty="0" err="1" smtClean="0">
+                <a:latin typeface="Courier New" pitchFamily="49" charset="0"/>
+                <a:cs typeface="Courier New" pitchFamily="49" charset="0"/>
+              </a:rPr>
+              <a:t>sd</a:t>
+            </a:r>
+            <a:r>
+              <a:rPr lang="en-US" sz="1400" dirty="0" smtClean="0">
+                <a:latin typeface="Courier New" pitchFamily="49" charset="0"/>
+                <a:cs typeface="Courier New" pitchFamily="49" charset="0"/>
+              </a:rPr>
+              <a:t> = 1/5)</a:t>
+            </a:r>
+          </a:p>
+          <a:p>
+            <a:r>
+              <a:rPr lang="en-US" sz="1400" dirty="0" smtClean="0">
+                <a:latin typeface="Courier New" pitchFamily="49" charset="0"/>
+                <a:cs typeface="Courier New" pitchFamily="49" charset="0"/>
+              </a:rPr>
+              <a:t>}</a:t>
+            </a:r>
+          </a:p>
+          <a:p>
+            <a:endParaRPr lang="en-US" sz="1400" dirty="0" smtClean="0">
+              <a:latin typeface="Courier New" pitchFamily="49" charset="0"/>
+              <a:cs typeface="Courier New" pitchFamily="49" charset="0"/>
+            </a:endParaRPr>
+          </a:p>
+          <a:p>
+            <a:r>
+              <a:rPr lang="en-US" sz="1400" dirty="0" smtClean="0">
+                <a:latin typeface="Courier New" pitchFamily="49" charset="0"/>
+                <a:cs typeface="Courier New" pitchFamily="49" charset="0"/>
+              </a:rPr>
+              <a:t>colors &lt;- c( rep("BLUE", </a:t>
+            </a:r>
+            <a:r>
+              <a:rPr lang="en-US" sz="1400" dirty="0" err="1" smtClean="0">
+                <a:latin typeface="Courier New" pitchFamily="49" charset="0"/>
+                <a:cs typeface="Courier New" pitchFamily="49" charset="0"/>
+              </a:rPr>
+              <a:t>numDataPoints</a:t>
+            </a:r>
+            <a:r>
+              <a:rPr lang="en-US" sz="1400" dirty="0" smtClean="0">
+                <a:latin typeface="Courier New" pitchFamily="49" charset="0"/>
+                <a:cs typeface="Courier New" pitchFamily="49" charset="0"/>
+              </a:rPr>
+              <a:t>), rep ("ORANGE", </a:t>
+            </a:r>
+            <a:r>
+              <a:rPr lang="en-US" sz="1400" dirty="0" err="1" smtClean="0">
+                <a:latin typeface="Courier New" pitchFamily="49" charset="0"/>
+                <a:cs typeface="Courier New" pitchFamily="49" charset="0"/>
+              </a:rPr>
+              <a:t>numDataPoints</a:t>
+            </a:r>
+            <a:r>
+              <a:rPr lang="en-US" sz="1400" dirty="0" smtClean="0">
+                <a:latin typeface="Courier New" pitchFamily="49" charset="0"/>
+                <a:cs typeface="Courier New" pitchFamily="49" charset="0"/>
+              </a:rPr>
+              <a:t>))</a:t>
+            </a:r>
+          </a:p>
+          <a:p>
+            <a:r>
+              <a:rPr lang="en-US" sz="1400" dirty="0" smtClean="0">
+                <a:latin typeface="Courier New" pitchFamily="49" charset="0"/>
+                <a:cs typeface="Courier New" pitchFamily="49" charset="0"/>
+              </a:rPr>
+              <a:t>values &lt;- c( rep(0, </a:t>
+            </a:r>
+            <a:r>
+              <a:rPr lang="en-US" sz="1400" dirty="0" err="1" smtClean="0">
+                <a:latin typeface="Courier New" pitchFamily="49" charset="0"/>
+                <a:cs typeface="Courier New" pitchFamily="49" charset="0"/>
+              </a:rPr>
+              <a:t>numDataPoints</a:t>
+            </a:r>
+            <a:r>
+              <a:rPr lang="en-US" sz="1400" dirty="0" smtClean="0">
+                <a:latin typeface="Courier New" pitchFamily="49" charset="0"/>
+                <a:cs typeface="Courier New" pitchFamily="49" charset="0"/>
+              </a:rPr>
+              <a:t>), rep (1, </a:t>
+            </a:r>
+            <a:r>
+              <a:rPr lang="en-US" sz="1400" dirty="0" err="1" smtClean="0">
+                <a:latin typeface="Courier New" pitchFamily="49" charset="0"/>
+                <a:cs typeface="Courier New" pitchFamily="49" charset="0"/>
+              </a:rPr>
+              <a:t>numDataPoints</a:t>
+            </a:r>
+            <a:r>
+              <a:rPr lang="en-US" sz="1400" dirty="0" smtClean="0">
+                <a:latin typeface="Courier New" pitchFamily="49" charset="0"/>
+                <a:cs typeface="Courier New" pitchFamily="49" charset="0"/>
+              </a:rPr>
+              <a:t>))</a:t>
+            </a:r>
+          </a:p>
+          <a:p>
+            <a:endParaRPr lang="en-US" sz="1400" dirty="0" smtClean="0">
+              <a:latin typeface="Courier New" pitchFamily="49" charset="0"/>
+              <a:cs typeface="Courier New" pitchFamily="49" charset="0"/>
+            </a:endParaRPr>
+          </a:p>
+          <a:p>
+            <a:r>
+              <a:rPr lang="en-US" sz="1400" dirty="0" smtClean="0">
+                <a:latin typeface="Courier New" pitchFamily="49" charset="0"/>
+                <a:cs typeface="Courier New" pitchFamily="49" charset="0"/>
+              </a:rPr>
+              <a:t>mergedDataX1 &lt;- c(  blueDataX1, orangeDataX1 );</a:t>
+            </a:r>
+          </a:p>
+          <a:p>
+            <a:r>
+              <a:rPr lang="en-US" sz="1400" dirty="0" smtClean="0">
+                <a:latin typeface="Courier New" pitchFamily="49" charset="0"/>
+                <a:cs typeface="Courier New" pitchFamily="49" charset="0"/>
+              </a:rPr>
+              <a:t>plot(mergedDataX1, </a:t>
+            </a:r>
+            <a:r>
+              <a:rPr lang="en-US" sz="1400" dirty="0" err="1" smtClean="0">
+                <a:latin typeface="Courier New" pitchFamily="49" charset="0"/>
+                <a:cs typeface="Courier New" pitchFamily="49" charset="0"/>
+              </a:rPr>
+              <a:t>values,col</a:t>
+            </a:r>
+            <a:r>
+              <a:rPr lang="en-US" sz="1400" dirty="0" smtClean="0">
+                <a:latin typeface="Courier New" pitchFamily="49" charset="0"/>
+                <a:cs typeface="Courier New" pitchFamily="49" charset="0"/>
+              </a:rPr>
               <a:t>=colors)</a:t>
             </a:r>
+          </a:p>
+          <a:p>
+            <a:endParaRPr lang="en-US" dirty="0" smtClean="0"/>
           </a:p>
         </p:txBody>
       </p:sp>
@@ -6504,207 +6449,9 @@
           <a:chExt cx="0" cy="0"/>
         </a:xfrm>
       </p:grpSpPr>
-      <p:sp>
-        <p:nvSpPr>
-          <p:cNvPr id="4" name="TextBox 3"/>
-          <p:cNvSpPr txBox="1"/>
-          <p:nvPr/>
-        </p:nvSpPr>
-        <p:spPr>
-          <a:xfrm>
-            <a:off x="152400" y="0"/>
-            <a:ext cx="7315200" cy="369332"/>
-          </a:xfrm>
-          <a:prstGeom prst="rect">
-            <a:avLst/>
-          </a:prstGeom>
-          <a:noFill/>
-        </p:spPr>
-        <p:txBody>
-          <a:bodyPr wrap="square" rtlCol="0">
-            <a:spAutoFit/>
-          </a:bodyPr>
-          <a:lstStyle/>
-          <a:p>
-            <a:r>
-              <a:rPr lang="en-US" dirty="0" smtClean="0"/>
-              <a:t>We can of course fit a linear model to these data</a:t>
-            </a:r>
-            <a:endParaRPr lang="en-US" dirty="0"/>
-          </a:p>
-        </p:txBody>
-      </p:sp>
-      <p:sp>
-        <p:nvSpPr>
-          <p:cNvPr id="5" name="Rectangle 4"/>
-          <p:cNvSpPr/>
-          <p:nvPr/>
-        </p:nvSpPr>
-        <p:spPr>
-          <a:xfrm>
-            <a:off x="838200" y="345281"/>
-            <a:ext cx="7239000" cy="2862322"/>
-          </a:xfrm>
-          <a:prstGeom prst="rect">
-            <a:avLst/>
-          </a:prstGeom>
-        </p:spPr>
-        <p:txBody>
-          <a:bodyPr wrap="square">
-            <a:spAutoFit/>
-          </a:bodyPr>
-          <a:lstStyle/>
-          <a:p>
-            <a:r>
-              <a:rPr lang="en-US" dirty="0" err="1" smtClean="0"/>
-              <a:t>xSeq</a:t>
-            </a:r>
-            <a:r>
-              <a:rPr lang="en-US" dirty="0" smtClean="0"/>
-              <a:t> &lt;- </a:t>
-            </a:r>
-            <a:r>
-              <a:rPr lang="en-US" dirty="0" err="1" smtClean="0"/>
-              <a:t>seq</a:t>
-            </a:r>
-            <a:r>
-              <a:rPr lang="en-US" dirty="0" smtClean="0"/>
-              <a:t>(min(mergedDataX1), max(mergedDataX1), 0.001</a:t>
-            </a:r>
-            <a:r>
-              <a:rPr lang="en-US" dirty="0" smtClean="0"/>
-              <a:t>)</a:t>
-            </a:r>
-            <a:endParaRPr lang="en-US" dirty="0" smtClean="0"/>
-          </a:p>
-          <a:p>
-            <a:r>
-              <a:rPr lang="en-US" dirty="0" err="1" smtClean="0"/>
-              <a:t>myLm</a:t>
-            </a:r>
-            <a:r>
-              <a:rPr lang="en-US" dirty="0" smtClean="0"/>
-              <a:t> &lt;- lm( values ~ mergedDataX1</a:t>
-            </a:r>
-            <a:r>
-              <a:rPr lang="en-US" dirty="0" smtClean="0"/>
-              <a:t>)</a:t>
-            </a:r>
-            <a:endParaRPr lang="en-US" dirty="0" smtClean="0"/>
-          </a:p>
-          <a:p>
-            <a:r>
-              <a:rPr lang="en-US" dirty="0" err="1" smtClean="0"/>
-              <a:t>getProbLm</a:t>
-            </a:r>
-            <a:r>
-              <a:rPr lang="en-US" dirty="0" smtClean="0"/>
-              <a:t> &lt;- function( x, B0, B1)</a:t>
-            </a:r>
-          </a:p>
-          <a:p>
-            <a:r>
-              <a:rPr lang="en-US" dirty="0" smtClean="0"/>
-              <a:t>{</a:t>
-            </a:r>
-          </a:p>
-          <a:p>
-            <a:r>
-              <a:rPr lang="en-US" dirty="0" smtClean="0"/>
-              <a:t>return ( B0 + B1 * x )</a:t>
-            </a:r>
-          </a:p>
-          <a:p>
-            <a:r>
-              <a:rPr lang="en-US" dirty="0" smtClean="0"/>
-              <a:t>}</a:t>
-            </a:r>
-            <a:endParaRPr lang="en-US" dirty="0" smtClean="0"/>
-          </a:p>
-          <a:p>
-            <a:r>
-              <a:rPr lang="en-US" dirty="0" smtClean="0"/>
-              <a:t>lines( </a:t>
-            </a:r>
-            <a:r>
-              <a:rPr lang="en-US" dirty="0" err="1" smtClean="0"/>
-              <a:t>xSeq</a:t>
-            </a:r>
-            <a:r>
-              <a:rPr lang="en-US" dirty="0" smtClean="0"/>
-              <a:t>, </a:t>
-            </a:r>
-            <a:r>
-              <a:rPr lang="en-US" dirty="0" err="1" smtClean="0"/>
-              <a:t>getProbLm</a:t>
-            </a:r>
-            <a:r>
-              <a:rPr lang="en-US" dirty="0" smtClean="0"/>
-              <a:t>(</a:t>
-            </a:r>
-            <a:r>
-              <a:rPr lang="en-US" dirty="0" err="1" smtClean="0"/>
-              <a:t>xSeq</a:t>
-            </a:r>
-            <a:r>
-              <a:rPr lang="en-US" dirty="0" smtClean="0"/>
-              <a:t>, </a:t>
-            </a:r>
-            <a:r>
-              <a:rPr lang="en-US" dirty="0" err="1" smtClean="0"/>
-              <a:t>coef</a:t>
-            </a:r>
-            <a:r>
-              <a:rPr lang="en-US" dirty="0" smtClean="0"/>
-              <a:t>(</a:t>
-            </a:r>
-            <a:r>
-              <a:rPr lang="en-US" dirty="0" err="1" smtClean="0"/>
-              <a:t>myLm</a:t>
-            </a:r>
-            <a:r>
-              <a:rPr lang="en-US" dirty="0" smtClean="0"/>
-              <a:t>)[1], </a:t>
-            </a:r>
-            <a:r>
-              <a:rPr lang="en-US" dirty="0" err="1" smtClean="0"/>
-              <a:t>coef</a:t>
-            </a:r>
-            <a:r>
-              <a:rPr lang="en-US" dirty="0" smtClean="0"/>
-              <a:t>(</a:t>
-            </a:r>
-            <a:r>
-              <a:rPr lang="en-US" dirty="0" err="1" smtClean="0"/>
-              <a:t>myLm</a:t>
-            </a:r>
-            <a:r>
-              <a:rPr lang="en-US" dirty="0" smtClean="0"/>
-              <a:t>)[2]),</a:t>
-            </a:r>
-            <a:r>
-              <a:rPr lang="en-US" dirty="0" err="1" smtClean="0"/>
-              <a:t>col</a:t>
-            </a:r>
-            <a:r>
-              <a:rPr lang="en-US" dirty="0" smtClean="0"/>
-              <a:t>="black")</a:t>
-            </a:r>
-          </a:p>
-          <a:p>
-            <a:endParaRPr lang="en-US" dirty="0" smtClean="0"/>
-          </a:p>
-          <a:p>
-            <a:endParaRPr lang="en-US" dirty="0" smtClean="0"/>
-          </a:p>
-          <a:p>
-            <a:endParaRPr lang="en-US" dirty="0" smtClean="0"/>
-          </a:p>
-        </p:txBody>
-      </p:sp>
       <p:pic>
         <p:nvPicPr>
-          <p:cNvPr id="3075" name="Picture 3"/>
+          <p:cNvPr id="2050" name="Picture 2"/>
           <p:cNvPicPr>
             <a:picLocks noChangeAspect="1" noChangeArrowheads="1"/>
           </p:cNvPicPr>
@@ -6719,8 +6466,8 @@
         </p:blipFill>
         <p:spPr bwMode="auto">
           <a:xfrm>
-            <a:off x="3276600" y="2368722"/>
-            <a:ext cx="4343400" cy="4336878"/>
+            <a:off x="1361516" y="114"/>
+            <a:ext cx="6791884" cy="6781686"/>
           </a:xfrm>
           <a:prstGeom prst="rect">
             <a:avLst/>
@@ -6736,46 +6483,46 @@
       </p:pic>
       <p:sp>
         <p:nvSpPr>
-          <p:cNvPr id="8" name="TextBox 7"/>
-          <p:cNvSpPr txBox="1"/>
-          <p:nvPr/>
-        </p:nvSpPr>
-        <p:spPr>
-          <a:xfrm>
-            <a:off x="457200" y="2971800"/>
-            <a:ext cx="2895600" cy="2031325"/>
-          </a:xfrm>
-          <a:prstGeom prst="rect">
-            <a:avLst/>
-          </a:prstGeom>
-          <a:noFill/>
-        </p:spPr>
-        <p:txBody>
-          <a:bodyPr wrap="square" rtlCol="0">
+          <p:cNvPr id="4" name="Rectangle 3"/>
+          <p:cNvSpPr/>
+          <p:nvPr/>
+        </p:nvSpPr>
+        <p:spPr>
+          <a:xfrm>
+            <a:off x="609600" y="152400"/>
+            <a:ext cx="7467600" cy="369332"/>
+          </a:xfrm>
+          <a:prstGeom prst="rect">
+            <a:avLst/>
+          </a:prstGeom>
+        </p:spPr>
+        <p:txBody>
+          <a:bodyPr wrap="square">
             <a:spAutoFit/>
           </a:bodyPr>
           <a:lstStyle/>
           <a:p>
             <a:r>
-              <a:rPr lang="en-US" dirty="0" smtClean="0"/>
-              <a:t>We can think of the y-axis as the p(blue)</a:t>
-            </a:r>
-          </a:p>
-          <a:p>
-            <a:endParaRPr lang="en-US" dirty="0" smtClean="0"/>
-          </a:p>
-          <a:p>
-            <a:r>
-              <a:rPr lang="en-US" dirty="0" smtClean="0"/>
-              <a:t>But our model can</a:t>
-            </a:r>
-          </a:p>
-          <a:p>
-            <a:r>
-              <a:rPr lang="en-US" dirty="0" smtClean="0"/>
-              <a:t>Return values &gt; 1 or &lt;0, which doesn’t make sense for a probability </a:t>
-            </a:r>
-            <a:endParaRPr lang="en-US" dirty="0"/>
+              <a:rPr lang="en-US" dirty="0" smtClean="0">
+                <a:latin typeface="Courier New" pitchFamily="49" charset="0"/>
+                <a:cs typeface="Courier New" pitchFamily="49" charset="0"/>
+              </a:rPr>
+              <a:t>plot(mergedDataX1, </a:t>
+            </a:r>
+            <a:r>
+              <a:rPr lang="en-US" dirty="0" err="1" smtClean="0">
+                <a:latin typeface="Courier New" pitchFamily="49" charset="0"/>
+                <a:cs typeface="Courier New" pitchFamily="49" charset="0"/>
+              </a:rPr>
+              <a:t>values,col</a:t>
+            </a:r>
+            <a:r>
+              <a:rPr lang="en-US" dirty="0" smtClean="0">
+                <a:latin typeface="Courier New" pitchFamily="49" charset="0"/>
+                <a:cs typeface="Courier New" pitchFamily="49" charset="0"/>
+              </a:rPr>
+              <a:t>=colors)</a:t>
+            </a:r>
           </a:p>
         </p:txBody>
       </p:sp>
@@ -6806,14 +6553,44 @@
       </p:grpSpPr>
       <p:sp>
         <p:nvSpPr>
-          <p:cNvPr id="4" name="Rectangle 3"/>
+          <p:cNvPr id="4" name="TextBox 3"/>
+          <p:cNvSpPr txBox="1"/>
+          <p:nvPr/>
+        </p:nvSpPr>
+        <p:spPr>
+          <a:xfrm>
+            <a:off x="152400" y="0"/>
+            <a:ext cx="7315200" cy="369332"/>
+          </a:xfrm>
+          <a:prstGeom prst="rect">
+            <a:avLst/>
+          </a:prstGeom>
+          <a:noFill/>
+        </p:spPr>
+        <p:txBody>
+          <a:bodyPr wrap="square" rtlCol="0">
+            <a:spAutoFit/>
+          </a:bodyPr>
+          <a:lstStyle/>
+          <a:p>
+            <a:r>
+              <a:rPr lang="en-US" dirty="0" smtClean="0"/>
+              <a:t>We can of course fit a linear model to these data</a:t>
+            </a:r>
+            <a:endParaRPr lang="en-US" dirty="0"/>
+          </a:p>
+        </p:txBody>
+      </p:sp>
+      <p:sp>
+        <p:nvSpPr>
+          <p:cNvPr id="5" name="Rectangle 4"/>
           <p:cNvSpPr/>
           <p:nvPr/>
         </p:nvSpPr>
         <p:spPr>
           <a:xfrm>
-            <a:off x="685800" y="152400"/>
-            <a:ext cx="9220200" cy="2062103"/>
+            <a:off x="838200" y="345281"/>
+            <a:ext cx="7239000" cy="2862322"/>
           </a:xfrm>
           <a:prstGeom prst="rect">
             <a:avLst/>
@@ -6826,277 +6603,144 @@
           <a:lstStyle/>
           <a:p>
             <a:r>
-              <a:rPr lang="en-US" sz="1600" dirty="0" err="1" smtClean="0">
-                <a:latin typeface="Arial" pitchFamily="34" charset="0"/>
-                <a:cs typeface="Arial" pitchFamily="34" charset="0"/>
-              </a:rPr>
-              <a:t>myLogReg</a:t>
-            </a:r>
-            <a:r>
-              <a:rPr lang="en-US" sz="1600" dirty="0" smtClean="0">
-                <a:latin typeface="Arial" pitchFamily="34" charset="0"/>
-                <a:cs typeface="Arial" pitchFamily="34" charset="0"/>
-              </a:rPr>
+              <a:rPr lang="en-US" dirty="0" err="1" smtClean="0"/>
+              <a:t>xSeq</a:t>
+            </a:r>
+            <a:r>
+              <a:rPr lang="en-US" dirty="0" smtClean="0"/>
               <a:t> &lt;- </a:t>
             </a:r>
             <a:r>
-              <a:rPr lang="en-US" sz="1600" dirty="0" err="1" smtClean="0">
-                <a:latin typeface="Arial" pitchFamily="34" charset="0"/>
-                <a:cs typeface="Arial" pitchFamily="34" charset="0"/>
-              </a:rPr>
-              <a:t>glm</a:t>
-            </a:r>
-            <a:r>
-              <a:rPr lang="en-US" sz="1600" dirty="0" smtClean="0">
-                <a:latin typeface="Arial" pitchFamily="34" charset="0"/>
-                <a:cs typeface="Arial" pitchFamily="34" charset="0"/>
-              </a:rPr>
-              <a:t>( values ~ mergedDataX1 ,family = binomial)</a:t>
-            </a:r>
-          </a:p>
-          <a:p>
-            <a:r>
-              <a:rPr lang="en-US" sz="1600" dirty="0" smtClean="0">
-                <a:latin typeface="Arial" pitchFamily="34" charset="0"/>
-                <a:cs typeface="Arial" pitchFamily="34" charset="0"/>
-              </a:rPr>
-              <a:t>summary(</a:t>
-            </a:r>
-            <a:r>
-              <a:rPr lang="en-US" sz="1600" dirty="0" err="1" smtClean="0">
-                <a:latin typeface="Arial" pitchFamily="34" charset="0"/>
-                <a:cs typeface="Arial" pitchFamily="34" charset="0"/>
-              </a:rPr>
-              <a:t>myLogReg</a:t>
-            </a:r>
-            <a:r>
-              <a:rPr lang="en-US" sz="1600" dirty="0" smtClean="0">
-                <a:latin typeface="Arial" pitchFamily="34" charset="0"/>
-                <a:cs typeface="Arial" pitchFamily="34" charset="0"/>
-              </a:rPr>
-              <a:t>)</a:t>
-            </a:r>
-          </a:p>
-          <a:p>
-            <a:r>
-              <a:rPr lang="en-US" sz="1600" dirty="0" err="1" smtClean="0">
-                <a:latin typeface="Arial" pitchFamily="34" charset="0"/>
-                <a:cs typeface="Arial" pitchFamily="34" charset="0"/>
-              </a:rPr>
+              <a:rPr lang="en-US" dirty="0" err="1" smtClean="0"/>
+              <a:t>seq</a:t>
+            </a:r>
+            <a:r>
+              <a:rPr lang="en-US" dirty="0" smtClean="0"/>
+              <a:t>(min(mergedDataX1), max(mergedDataX1), 0.001)</a:t>
+            </a:r>
+          </a:p>
+          <a:p>
+            <a:r>
+              <a:rPr lang="en-US" dirty="0" err="1" smtClean="0"/>
+              <a:t>myLm</a:t>
+            </a:r>
+            <a:r>
+              <a:rPr lang="en-US" dirty="0" smtClean="0"/>
+              <a:t> &lt;- lm( values ~ mergedDataX1)</a:t>
+            </a:r>
+          </a:p>
+          <a:p>
+            <a:r>
+              <a:rPr lang="en-US" dirty="0" err="1" smtClean="0"/>
+              <a:t>getProbLm</a:t>
+            </a:r>
+            <a:r>
+              <a:rPr lang="en-US" dirty="0" smtClean="0"/>
+              <a:t> &lt;- function( x, B0, B1)</a:t>
+            </a:r>
+          </a:p>
+          <a:p>
+            <a:r>
+              <a:rPr lang="en-US" dirty="0" smtClean="0"/>
+              <a:t>{</a:t>
+            </a:r>
+          </a:p>
+          <a:p>
+            <a:r>
+              <a:rPr lang="en-US" dirty="0" smtClean="0"/>
+              <a:t>return ( B0 + B1 * x )</a:t>
+            </a:r>
+          </a:p>
+          <a:p>
+            <a:r>
+              <a:rPr lang="en-US" dirty="0" smtClean="0"/>
+              <a:t>}</a:t>
+            </a:r>
+          </a:p>
+          <a:p>
+            <a:r>
+              <a:rPr lang="en-US" dirty="0" smtClean="0"/>
+              <a:t>lines( </a:t>
+            </a:r>
+            <a:r>
+              <a:rPr lang="en-US" dirty="0" err="1" smtClean="0"/>
               <a:t>xSeq</a:t>
             </a:r>
             <a:r>
-              <a:rPr lang="en-US" sz="1600" dirty="0" smtClean="0">
-                <a:latin typeface="Arial" pitchFamily="34" charset="0"/>
-                <a:cs typeface="Arial" pitchFamily="34" charset="0"/>
-              </a:rPr>
-              <a:t> </a:t>
-            </a:r>
-            <a:r>
-              <a:rPr lang="en-US" sz="1600" dirty="0" smtClean="0">
-                <a:latin typeface="Arial" pitchFamily="34" charset="0"/>
-                <a:cs typeface="Arial" pitchFamily="34" charset="0"/>
-              </a:rPr>
-              <a:t>&lt;- </a:t>
-            </a:r>
-            <a:r>
-              <a:rPr lang="en-US" sz="1600" dirty="0" err="1" smtClean="0">
-                <a:latin typeface="Arial" pitchFamily="34" charset="0"/>
-                <a:cs typeface="Arial" pitchFamily="34" charset="0"/>
-              </a:rPr>
-              <a:t>seq</a:t>
-            </a:r>
-            <a:r>
-              <a:rPr lang="en-US" sz="1600" dirty="0" smtClean="0">
-                <a:latin typeface="Arial" pitchFamily="34" charset="0"/>
-                <a:cs typeface="Arial" pitchFamily="34" charset="0"/>
-              </a:rPr>
-              <a:t>(min(mergedDataX1), max(mergedDataX1), 0.001)</a:t>
-            </a:r>
-          </a:p>
-          <a:p>
-            <a:r>
-              <a:rPr lang="en-US" sz="1600" dirty="0" err="1" smtClean="0">
-                <a:latin typeface="Arial" pitchFamily="34" charset="0"/>
-                <a:cs typeface="Arial" pitchFamily="34" charset="0"/>
-              </a:rPr>
-              <a:t>getProb</a:t>
-            </a:r>
-            <a:r>
-              <a:rPr lang="en-US" sz="1600" dirty="0" smtClean="0">
-                <a:latin typeface="Arial" pitchFamily="34" charset="0"/>
-                <a:cs typeface="Arial" pitchFamily="34" charset="0"/>
-              </a:rPr>
-              <a:t> </a:t>
-            </a:r>
-            <a:r>
-              <a:rPr lang="en-US" sz="1600" dirty="0" smtClean="0">
-                <a:latin typeface="Arial" pitchFamily="34" charset="0"/>
-                <a:cs typeface="Arial" pitchFamily="34" charset="0"/>
-              </a:rPr>
-              <a:t>&lt;- function(x, B0, B1)</a:t>
-            </a:r>
-          </a:p>
-          <a:p>
-            <a:r>
-              <a:rPr lang="en-US" sz="1600" dirty="0" smtClean="0">
-                <a:latin typeface="Arial" pitchFamily="34" charset="0"/>
-                <a:cs typeface="Arial" pitchFamily="34" charset="0"/>
-              </a:rPr>
-              <a:t>{</a:t>
-            </a:r>
-          </a:p>
-          <a:p>
-            <a:r>
-              <a:rPr lang="en-US" sz="1600" dirty="0" smtClean="0">
-                <a:latin typeface="Arial" pitchFamily="34" charset="0"/>
-                <a:cs typeface="Arial" pitchFamily="34" charset="0"/>
-              </a:rPr>
-              <a:t>return (1 / (1 + exp(-(B0 + B1 * x ))))</a:t>
-            </a:r>
-          </a:p>
-          <a:p>
-            <a:r>
-              <a:rPr lang="en-US" sz="1600" dirty="0" smtClean="0">
-                <a:latin typeface="Arial" pitchFamily="34" charset="0"/>
-                <a:cs typeface="Arial" pitchFamily="34" charset="0"/>
-              </a:rPr>
-              <a:t>}</a:t>
-            </a:r>
-          </a:p>
-          <a:p>
-            <a:r>
-              <a:rPr lang="en-US" sz="1600" dirty="0" smtClean="0">
-                <a:latin typeface="Arial" pitchFamily="34" charset="0"/>
-                <a:cs typeface="Arial" pitchFamily="34" charset="0"/>
-              </a:rPr>
-              <a:t>lines</a:t>
-            </a:r>
-            <a:r>
-              <a:rPr lang="en-US" sz="1600" dirty="0" smtClean="0">
-                <a:latin typeface="Arial" pitchFamily="34" charset="0"/>
-                <a:cs typeface="Arial" pitchFamily="34" charset="0"/>
-              </a:rPr>
-              <a:t>( </a:t>
-            </a:r>
-            <a:r>
-              <a:rPr lang="en-US" sz="1600" dirty="0" err="1" smtClean="0">
-                <a:latin typeface="Arial" pitchFamily="34" charset="0"/>
-                <a:cs typeface="Arial" pitchFamily="34" charset="0"/>
-              </a:rPr>
+              <a:rPr lang="en-US" dirty="0" smtClean="0"/>
+              <a:t>, </a:t>
+            </a:r>
+            <a:r>
+              <a:rPr lang="en-US" dirty="0" err="1" smtClean="0"/>
+              <a:t>getProbLm</a:t>
+            </a:r>
+            <a:r>
+              <a:rPr lang="en-US" dirty="0" smtClean="0"/>
+              <a:t>(</a:t>
+            </a:r>
+            <a:r>
+              <a:rPr lang="en-US" dirty="0" err="1" smtClean="0"/>
               <a:t>xSeq</a:t>
             </a:r>
             <a:r>
-              <a:rPr lang="en-US" sz="1600" dirty="0" smtClean="0">
-                <a:latin typeface="Arial" pitchFamily="34" charset="0"/>
-                <a:cs typeface="Arial" pitchFamily="34" charset="0"/>
-              </a:rPr>
+              <a:rPr lang="en-US" dirty="0" smtClean="0"/>
               <a:t>, </a:t>
             </a:r>
             <a:r>
-              <a:rPr lang="en-US" sz="1600" dirty="0" err="1" smtClean="0">
-                <a:latin typeface="Arial" pitchFamily="34" charset="0"/>
-                <a:cs typeface="Arial" pitchFamily="34" charset="0"/>
-              </a:rPr>
-              <a:t>getProb</a:t>
-            </a:r>
-            <a:r>
-              <a:rPr lang="en-US" sz="1600" dirty="0" smtClean="0">
-                <a:latin typeface="Arial" pitchFamily="34" charset="0"/>
-                <a:cs typeface="Arial" pitchFamily="34" charset="0"/>
-              </a:rPr>
+              <a:rPr lang="en-US" dirty="0" err="1" smtClean="0"/>
+              <a:t>coef</a:t>
+            </a:r>
+            <a:r>
+              <a:rPr lang="en-US" dirty="0" smtClean="0"/>
               <a:t>(</a:t>
             </a:r>
             <a:r>
-              <a:rPr lang="en-US" sz="1600" dirty="0" err="1" smtClean="0">
-                <a:latin typeface="Arial" pitchFamily="34" charset="0"/>
-                <a:cs typeface="Arial" pitchFamily="34" charset="0"/>
-              </a:rPr>
-              <a:t>xSeq</a:t>
-            </a:r>
-            <a:r>
-              <a:rPr lang="en-US" sz="1600" dirty="0" smtClean="0">
-                <a:latin typeface="Arial" pitchFamily="34" charset="0"/>
-                <a:cs typeface="Arial" pitchFamily="34" charset="0"/>
-              </a:rPr>
-              <a:t>, </a:t>
-            </a:r>
-            <a:r>
-              <a:rPr lang="en-US" sz="1600" dirty="0" err="1" smtClean="0">
-                <a:latin typeface="Arial" pitchFamily="34" charset="0"/>
-                <a:cs typeface="Arial" pitchFamily="34" charset="0"/>
-              </a:rPr>
+              <a:rPr lang="en-US" dirty="0" err="1" smtClean="0"/>
+              <a:t>myLm</a:t>
+            </a:r>
+            <a:r>
+              <a:rPr lang="en-US" dirty="0" smtClean="0"/>
+              <a:t>)[1], </a:t>
+            </a:r>
+            <a:r>
+              <a:rPr lang="en-US" dirty="0" err="1" smtClean="0"/>
               <a:t>coef</a:t>
             </a:r>
             <a:r>
-              <a:rPr lang="en-US" sz="1600" dirty="0" smtClean="0">
-                <a:latin typeface="Arial" pitchFamily="34" charset="0"/>
-                <a:cs typeface="Arial" pitchFamily="34" charset="0"/>
-              </a:rPr>
+              <a:rPr lang="en-US" dirty="0" smtClean="0"/>
               <a:t>(</a:t>
             </a:r>
             <a:r>
-              <a:rPr lang="en-US" sz="1600" dirty="0" err="1" smtClean="0">
-                <a:latin typeface="Arial" pitchFamily="34" charset="0"/>
-                <a:cs typeface="Arial" pitchFamily="34" charset="0"/>
-              </a:rPr>
-              <a:t>myLogReg</a:t>
-            </a:r>
-            <a:r>
-              <a:rPr lang="en-US" sz="1600" dirty="0" smtClean="0">
-                <a:latin typeface="Arial" pitchFamily="34" charset="0"/>
-                <a:cs typeface="Arial" pitchFamily="34" charset="0"/>
-              </a:rPr>
-              <a:t>)[1], </a:t>
-            </a:r>
-            <a:r>
-              <a:rPr lang="en-US" sz="1600" dirty="0" err="1" smtClean="0">
-                <a:latin typeface="Arial" pitchFamily="34" charset="0"/>
-                <a:cs typeface="Arial" pitchFamily="34" charset="0"/>
-              </a:rPr>
-              <a:t>coef</a:t>
-            </a:r>
-            <a:r>
-              <a:rPr lang="en-US" sz="1600" dirty="0" smtClean="0">
-                <a:latin typeface="Arial" pitchFamily="34" charset="0"/>
-                <a:cs typeface="Arial" pitchFamily="34" charset="0"/>
-              </a:rPr>
-              <a:t>(</a:t>
-            </a:r>
-            <a:r>
-              <a:rPr lang="en-US" sz="1600" dirty="0" err="1" smtClean="0">
-                <a:latin typeface="Arial" pitchFamily="34" charset="0"/>
-                <a:cs typeface="Arial" pitchFamily="34" charset="0"/>
-              </a:rPr>
-              <a:t>myLogReg</a:t>
-            </a:r>
-            <a:r>
-              <a:rPr lang="en-US" sz="1600" dirty="0" smtClean="0">
-                <a:latin typeface="Arial" pitchFamily="34" charset="0"/>
-                <a:cs typeface="Arial" pitchFamily="34" charset="0"/>
-              </a:rPr>
+              <a:rPr lang="en-US" dirty="0" err="1" smtClean="0"/>
+              <a:t>myLm</a:t>
+            </a:r>
+            <a:r>
+              <a:rPr lang="en-US" dirty="0" smtClean="0"/>
               <a:t>)[2]),</a:t>
             </a:r>
             <a:r>
-              <a:rPr lang="en-US" sz="1600" dirty="0" err="1" smtClean="0">
-                <a:latin typeface="Arial" pitchFamily="34" charset="0"/>
-                <a:cs typeface="Arial" pitchFamily="34" charset="0"/>
-              </a:rPr>
+              <a:rPr lang="en-US" dirty="0" err="1" smtClean="0"/>
               <a:t>col</a:t>
             </a:r>
             <a:r>
-              <a:rPr lang="en-US" sz="1600" dirty="0" smtClean="0">
-                <a:latin typeface="Arial" pitchFamily="34" charset="0"/>
-                <a:cs typeface="Arial" pitchFamily="34" charset="0"/>
-              </a:rPr>
-              <a:t>="red")</a:t>
-            </a:r>
+              <a:rPr lang="en-US" dirty="0" smtClean="0"/>
+              <a:t>="black")</a:t>
+            </a:r>
+          </a:p>
+          <a:p>
+            <a:endParaRPr lang="en-US" dirty="0" smtClean="0"/>
+          </a:p>
+          <a:p>
+            <a:endParaRPr lang="en-US" dirty="0" smtClean="0"/>
+          </a:p>
+          <a:p>
+            <a:endParaRPr lang="en-US" dirty="0" smtClean="0"/>
           </a:p>
         </p:txBody>
       </p:sp>
       <p:pic>
         <p:nvPicPr>
-          <p:cNvPr id="4099" name="Picture 3"/>
+          <p:cNvPr id="3075" name="Picture 3"/>
           <p:cNvPicPr>
             <a:picLocks noChangeAspect="1" noChangeArrowheads="1"/>
           </p:cNvPicPr>
@@ -7111,8 +6755,8 @@
         </p:blipFill>
         <p:spPr bwMode="auto">
           <a:xfrm>
-            <a:off x="3657600" y="2209800"/>
-            <a:ext cx="4495800" cy="4489050"/>
+            <a:off x="3276600" y="2368722"/>
+            <a:ext cx="4343400" cy="4336878"/>
           </a:xfrm>
           <a:prstGeom prst="rect">
             <a:avLst/>
@@ -7128,14 +6772,14 @@
       </p:pic>
       <p:sp>
         <p:nvSpPr>
-          <p:cNvPr id="7" name="TextBox 6"/>
+          <p:cNvPr id="8" name="TextBox 7"/>
           <p:cNvSpPr txBox="1"/>
           <p:nvPr/>
         </p:nvSpPr>
         <p:spPr>
-          <a:xfrm flipH="1">
-            <a:off x="228600" y="2895600"/>
-            <a:ext cx="3657600" cy="646331"/>
+          <a:xfrm>
+            <a:off x="457200" y="2971800"/>
+            <a:ext cx="2895600" cy="2031325"/>
           </a:xfrm>
           <a:prstGeom prst="rect">
             <a:avLst/>
@@ -7150,13 +6794,22 @@
           <a:p>
             <a:r>
               <a:rPr lang="en-US" dirty="0" smtClean="0"/>
-              <a:t>An alternative is a logistic regression</a:t>
-            </a:r>
+              <a:t>We can think of the y-axis as the p(blue)</a:t>
+            </a:r>
+          </a:p>
+          <a:p>
+            <a:endParaRPr lang="en-US" dirty="0" smtClean="0"/>
           </a:p>
           <a:p>
             <a:r>
               <a:rPr lang="en-US" dirty="0" smtClean="0"/>
-              <a:t>where the model can’t go &gt;1 or &lt;0</a:t>
+              <a:t>But our model can</a:t>
+            </a:r>
+          </a:p>
+          <a:p>
+            <a:r>
+              <a:rPr lang="en-US" dirty="0" smtClean="0"/>
+              <a:t>Return values &gt; 1 or &lt;0, which doesn’t make sense for a probability </a:t>
             </a:r>
             <a:endParaRPr lang="en-US" dirty="0"/>
           </a:p>
@@ -7189,45 +6842,276 @@
       </p:grpSpPr>
       <p:sp>
         <p:nvSpPr>
-          <p:cNvPr id="4" name="TextBox 3"/>
-          <p:cNvSpPr txBox="1"/>
-          <p:nvPr/>
-        </p:nvSpPr>
-        <p:spPr>
-          <a:xfrm flipH="1">
-            <a:off x="533400" y="228600"/>
-            <a:ext cx="8305800" cy="369332"/>
-          </a:xfrm>
-          <a:prstGeom prst="rect">
-            <a:avLst/>
-          </a:prstGeom>
-          <a:noFill/>
-        </p:spPr>
-        <p:txBody>
-          <a:bodyPr wrap="square" rtlCol="0">
+          <p:cNvPr id="4" name="Rectangle 3"/>
+          <p:cNvSpPr/>
+          <p:nvPr/>
+        </p:nvSpPr>
+        <p:spPr>
+          <a:xfrm>
+            <a:off x="685800" y="152400"/>
+            <a:ext cx="9220200" cy="2062103"/>
+          </a:xfrm>
+          <a:prstGeom prst="rect">
+            <a:avLst/>
+          </a:prstGeom>
+        </p:spPr>
+        <p:txBody>
+          <a:bodyPr wrap="square">
             <a:spAutoFit/>
           </a:bodyPr>
           <a:lstStyle/>
           <a:p>
             <a:r>
-              <a:rPr lang="en-US" dirty="0" smtClean="0"/>
-              <a:t>Here are the rules for a logistic regression…(Chapter 10 of the </a:t>
-            </a:r>
-            <a:r>
-              <a:rPr lang="en-US" dirty="0" err="1" smtClean="0"/>
-              <a:t>Zuur</a:t>
-            </a:r>
-            <a:r>
-              <a:rPr lang="en-US" dirty="0" smtClean="0"/>
-              <a:t> book..)</a:t>
-            </a:r>
-            <a:endParaRPr lang="en-US" dirty="0"/>
+              <a:rPr lang="en-US" sz="1600" dirty="0" err="1" smtClean="0">
+                <a:latin typeface="Arial" pitchFamily="34" charset="0"/>
+                <a:cs typeface="Arial" pitchFamily="34" charset="0"/>
+              </a:rPr>
+              <a:t>myLogReg</a:t>
+            </a:r>
+            <a:r>
+              <a:rPr lang="en-US" sz="1600" dirty="0" smtClean="0">
+                <a:latin typeface="Arial" pitchFamily="34" charset="0"/>
+                <a:cs typeface="Arial" pitchFamily="34" charset="0"/>
+              </a:rPr>
+              <a:t> &lt;- </a:t>
+            </a:r>
+            <a:r>
+              <a:rPr lang="en-US" sz="1600" dirty="0" err="1" smtClean="0">
+                <a:latin typeface="Arial" pitchFamily="34" charset="0"/>
+                <a:cs typeface="Arial" pitchFamily="34" charset="0"/>
+              </a:rPr>
+              <a:t>glm</a:t>
+            </a:r>
+            <a:r>
+              <a:rPr lang="en-US" sz="1600" dirty="0" smtClean="0">
+                <a:latin typeface="Arial" pitchFamily="34" charset="0"/>
+                <a:cs typeface="Arial" pitchFamily="34" charset="0"/>
+              </a:rPr>
+              <a:t>( values ~ mergedDataX1 ,family = binomial)</a:t>
+            </a:r>
+          </a:p>
+          <a:p>
+            <a:r>
+              <a:rPr lang="en-US" sz="1600" dirty="0" smtClean="0">
+                <a:latin typeface="Arial" pitchFamily="34" charset="0"/>
+                <a:cs typeface="Arial" pitchFamily="34" charset="0"/>
+              </a:rPr>
+              <a:t>summary(</a:t>
+            </a:r>
+            <a:r>
+              <a:rPr lang="en-US" sz="1600" dirty="0" err="1" smtClean="0">
+                <a:latin typeface="Arial" pitchFamily="34" charset="0"/>
+                <a:cs typeface="Arial" pitchFamily="34" charset="0"/>
+              </a:rPr>
+              <a:t>myLogReg</a:t>
+            </a:r>
+            <a:r>
+              <a:rPr lang="en-US" sz="1600" dirty="0" smtClean="0">
+                <a:latin typeface="Arial" pitchFamily="34" charset="0"/>
+                <a:cs typeface="Arial" pitchFamily="34" charset="0"/>
+              </a:rPr>
+              <a:t>)</a:t>
+            </a:r>
+          </a:p>
+          <a:p>
+            <a:r>
+              <a:rPr lang="en-US" sz="1600" dirty="0" err="1" smtClean="0">
+                <a:latin typeface="Arial" pitchFamily="34" charset="0"/>
+                <a:cs typeface="Arial" pitchFamily="34" charset="0"/>
+              </a:rPr>
+              <a:t>xSeq</a:t>
+            </a:r>
+            <a:r>
+              <a:rPr lang="en-US" sz="1600" dirty="0" smtClean="0">
+                <a:latin typeface="Arial" pitchFamily="34" charset="0"/>
+                <a:cs typeface="Arial" pitchFamily="34" charset="0"/>
+              </a:rPr>
+              <a:t> &lt;- </a:t>
+            </a:r>
+            <a:r>
+              <a:rPr lang="en-US" sz="1600" dirty="0" err="1" smtClean="0">
+                <a:latin typeface="Arial" pitchFamily="34" charset="0"/>
+                <a:cs typeface="Arial" pitchFamily="34" charset="0"/>
+              </a:rPr>
+              <a:t>seq</a:t>
+            </a:r>
+            <a:r>
+              <a:rPr lang="en-US" sz="1600" dirty="0" smtClean="0">
+                <a:latin typeface="Arial" pitchFamily="34" charset="0"/>
+                <a:cs typeface="Arial" pitchFamily="34" charset="0"/>
+              </a:rPr>
+              <a:t>(min(mergedDataX1), max(mergedDataX1), 0.001)</a:t>
+            </a:r>
+          </a:p>
+          <a:p>
+            <a:r>
+              <a:rPr lang="en-US" sz="1600" dirty="0" err="1" smtClean="0">
+                <a:latin typeface="Arial" pitchFamily="34" charset="0"/>
+                <a:cs typeface="Arial" pitchFamily="34" charset="0"/>
+              </a:rPr>
+              <a:t>getProb</a:t>
+            </a:r>
+            <a:r>
+              <a:rPr lang="en-US" sz="1600" dirty="0" smtClean="0">
+                <a:latin typeface="Arial" pitchFamily="34" charset="0"/>
+                <a:cs typeface="Arial" pitchFamily="34" charset="0"/>
+              </a:rPr>
+              <a:t> &lt;- function(x, B0, B1)</a:t>
+            </a:r>
+          </a:p>
+          <a:p>
+            <a:r>
+              <a:rPr lang="en-US" sz="1600" dirty="0" smtClean="0">
+                <a:latin typeface="Arial" pitchFamily="34" charset="0"/>
+                <a:cs typeface="Arial" pitchFamily="34" charset="0"/>
+              </a:rPr>
+              <a:t>{</a:t>
+            </a:r>
+          </a:p>
+          <a:p>
+            <a:r>
+              <a:rPr lang="en-US" sz="1600" dirty="0" smtClean="0">
+                <a:latin typeface="Arial" pitchFamily="34" charset="0"/>
+                <a:cs typeface="Arial" pitchFamily="34" charset="0"/>
+              </a:rPr>
+              <a:t>return (1 / (1 + exp(-(B0 + B1 * x ))))</a:t>
+            </a:r>
+          </a:p>
+          <a:p>
+            <a:r>
+              <a:rPr lang="en-US" sz="1600" dirty="0" smtClean="0">
+                <a:latin typeface="Arial" pitchFamily="34" charset="0"/>
+                <a:cs typeface="Arial" pitchFamily="34" charset="0"/>
+              </a:rPr>
+              <a:t>}</a:t>
+            </a:r>
+          </a:p>
+          <a:p>
+            <a:r>
+              <a:rPr lang="en-US" sz="1600" dirty="0" smtClean="0">
+                <a:latin typeface="Arial" pitchFamily="34" charset="0"/>
+                <a:cs typeface="Arial" pitchFamily="34" charset="0"/>
+              </a:rPr>
+              <a:t>lines( </a:t>
+            </a:r>
+            <a:r>
+              <a:rPr lang="en-US" sz="1600" dirty="0" err="1" smtClean="0">
+                <a:latin typeface="Arial" pitchFamily="34" charset="0"/>
+                <a:cs typeface="Arial" pitchFamily="34" charset="0"/>
+              </a:rPr>
+              <a:t>xSeq</a:t>
+            </a:r>
+            <a:r>
+              <a:rPr lang="en-US" sz="1600" dirty="0" smtClean="0">
+                <a:latin typeface="Arial" pitchFamily="34" charset="0"/>
+                <a:cs typeface="Arial" pitchFamily="34" charset="0"/>
+              </a:rPr>
+              <a:t>, </a:t>
+            </a:r>
+            <a:r>
+              <a:rPr lang="en-US" sz="1600" dirty="0" err="1" smtClean="0">
+                <a:latin typeface="Arial" pitchFamily="34" charset="0"/>
+                <a:cs typeface="Arial" pitchFamily="34" charset="0"/>
+              </a:rPr>
+              <a:t>getProb</a:t>
+            </a:r>
+            <a:r>
+              <a:rPr lang="en-US" sz="1600" dirty="0" smtClean="0">
+                <a:latin typeface="Arial" pitchFamily="34" charset="0"/>
+                <a:cs typeface="Arial" pitchFamily="34" charset="0"/>
+              </a:rPr>
+              <a:t>(</a:t>
+            </a:r>
+            <a:r>
+              <a:rPr lang="en-US" sz="1600" dirty="0" err="1" smtClean="0">
+                <a:latin typeface="Arial" pitchFamily="34" charset="0"/>
+                <a:cs typeface="Arial" pitchFamily="34" charset="0"/>
+              </a:rPr>
+              <a:t>xSeq</a:t>
+            </a:r>
+            <a:r>
+              <a:rPr lang="en-US" sz="1600" dirty="0" smtClean="0">
+                <a:latin typeface="Arial" pitchFamily="34" charset="0"/>
+                <a:cs typeface="Arial" pitchFamily="34" charset="0"/>
+              </a:rPr>
+              <a:t>, </a:t>
+            </a:r>
+            <a:r>
+              <a:rPr lang="en-US" sz="1600" dirty="0" err="1" smtClean="0">
+                <a:latin typeface="Arial" pitchFamily="34" charset="0"/>
+                <a:cs typeface="Arial" pitchFamily="34" charset="0"/>
+              </a:rPr>
+              <a:t>coef</a:t>
+            </a:r>
+            <a:r>
+              <a:rPr lang="en-US" sz="1600" dirty="0" smtClean="0">
+                <a:latin typeface="Arial" pitchFamily="34" charset="0"/>
+                <a:cs typeface="Arial" pitchFamily="34" charset="0"/>
+              </a:rPr>
+              <a:t>(</a:t>
+            </a:r>
+            <a:r>
+              <a:rPr lang="en-US" sz="1600" dirty="0" err="1" smtClean="0">
+                <a:latin typeface="Arial" pitchFamily="34" charset="0"/>
+                <a:cs typeface="Arial" pitchFamily="34" charset="0"/>
+              </a:rPr>
+              <a:t>myLogReg</a:t>
+            </a:r>
+            <a:r>
+              <a:rPr lang="en-US" sz="1600" dirty="0" smtClean="0">
+                <a:latin typeface="Arial" pitchFamily="34" charset="0"/>
+                <a:cs typeface="Arial" pitchFamily="34" charset="0"/>
+              </a:rPr>
+              <a:t>)[1], </a:t>
+            </a:r>
+            <a:r>
+              <a:rPr lang="en-US" sz="1600" dirty="0" err="1" smtClean="0">
+                <a:latin typeface="Arial" pitchFamily="34" charset="0"/>
+                <a:cs typeface="Arial" pitchFamily="34" charset="0"/>
+              </a:rPr>
+              <a:t>coef</a:t>
+            </a:r>
+            <a:r>
+              <a:rPr lang="en-US" sz="1600" dirty="0" smtClean="0">
+                <a:latin typeface="Arial" pitchFamily="34" charset="0"/>
+                <a:cs typeface="Arial" pitchFamily="34" charset="0"/>
+              </a:rPr>
+              <a:t>(</a:t>
+            </a:r>
+            <a:r>
+              <a:rPr lang="en-US" sz="1600" dirty="0" err="1" smtClean="0">
+                <a:latin typeface="Arial" pitchFamily="34" charset="0"/>
+                <a:cs typeface="Arial" pitchFamily="34" charset="0"/>
+              </a:rPr>
+              <a:t>myLogReg</a:t>
+            </a:r>
+            <a:r>
+              <a:rPr lang="en-US" sz="1600" dirty="0" smtClean="0">
+                <a:latin typeface="Arial" pitchFamily="34" charset="0"/>
+                <a:cs typeface="Arial" pitchFamily="34" charset="0"/>
+              </a:rPr>
+              <a:t>)[2]),</a:t>
+            </a:r>
+            <a:r>
+              <a:rPr lang="en-US" sz="1600" dirty="0" err="1" smtClean="0">
+                <a:latin typeface="Arial" pitchFamily="34" charset="0"/>
+                <a:cs typeface="Arial" pitchFamily="34" charset="0"/>
+              </a:rPr>
+              <a:t>col</a:t>
+            </a:r>
+            <a:r>
+              <a:rPr lang="en-US" sz="1600" dirty="0" smtClean="0">
+                <a:latin typeface="Arial" pitchFamily="34" charset="0"/>
+                <a:cs typeface="Arial" pitchFamily="34" charset="0"/>
+              </a:rPr>
+              <a:t>="red")</a:t>
+            </a:r>
           </a:p>
         </p:txBody>
       </p:sp>
       <p:pic>
         <p:nvPicPr>
-          <p:cNvPr id="5122" name="Picture 2"/>
+          <p:cNvPr id="4099" name="Picture 3"/>
           <p:cNvPicPr>
             <a:picLocks noChangeAspect="1" noChangeArrowheads="1"/>
           </p:cNvPicPr>
@@ -7242,8 +7126,8 @@
         </p:blipFill>
         <p:spPr bwMode="auto">
           <a:xfrm>
-            <a:off x="152400" y="685800"/>
-            <a:ext cx="8515350" cy="3248025"/>
+            <a:off x="3657600" y="2209800"/>
+            <a:ext cx="4495800" cy="4489050"/>
           </a:xfrm>
           <a:prstGeom prst="rect">
             <a:avLst/>
@@ -7257,49 +7141,16 @@
           </a:ln>
         </p:spPr>
       </p:pic>
-      <p:cxnSp>
-        <p:nvCxnSpPr>
-          <p:cNvPr id="7" name="Straight Arrow Connector 6"/>
-          <p:cNvCxnSpPr/>
-          <p:nvPr/>
-        </p:nvCxnSpPr>
+      <p:sp>
+        <p:nvSpPr>
+          <p:cNvPr id="7" name="TextBox 6"/>
+          <p:cNvSpPr txBox="1"/>
+          <p:nvPr/>
+        </p:nvSpPr>
         <p:spPr>
           <a:xfrm flipH="1">
-            <a:off x="3581400" y="1447800"/>
-            <a:ext cx="762000" cy="152400"/>
-          </a:xfrm>
-          <a:prstGeom prst="straightConnector1">
-            <a:avLst/>
-          </a:prstGeom>
-          <a:ln>
-            <a:tailEnd type="arrow"/>
-          </a:ln>
-        </p:spPr>
-        <p:style>
-          <a:lnRef idx="1">
-            <a:schemeClr val="accent1"/>
-          </a:lnRef>
-          <a:fillRef idx="0">
-            <a:schemeClr val="accent1"/>
-          </a:fillRef>
-          <a:effectRef idx="0">
-            <a:schemeClr val="accent1"/>
-          </a:effectRef>
-          <a:fontRef idx="minor">
-            <a:schemeClr val="tx1"/>
-          </a:fontRef>
-        </p:style>
-      </p:cxnSp>
-      <p:sp>
-        <p:nvSpPr>
-          <p:cNvPr id="8" name="TextBox 7"/>
-          <p:cNvSpPr txBox="1"/>
-          <p:nvPr/>
-        </p:nvSpPr>
-        <p:spPr>
-          <a:xfrm>
-            <a:off x="4343400" y="1154668"/>
-            <a:ext cx="3285643" cy="369332"/>
+            <a:off x="228600" y="2895600"/>
+            <a:ext cx="3657600" cy="646331"/>
           </a:xfrm>
           <a:prstGeom prst="rect">
             <a:avLst/>
@@ -7307,296 +7158,20 @@
           <a:noFill/>
         </p:spPr>
         <p:txBody>
-          <a:bodyPr wrap="none" rtlCol="0">
+          <a:bodyPr wrap="square" rtlCol="0">
             <a:spAutoFit/>
           </a:bodyPr>
           <a:lstStyle/>
           <a:p>
             <a:r>
               <a:rPr lang="en-US" dirty="0" smtClean="0"/>
-              <a:t>Binomial probability of 1 coin flip</a:t>
-            </a:r>
-            <a:endParaRPr lang="en-US" dirty="0"/>
-          </a:p>
-        </p:txBody>
-      </p:sp>
-      <p:cxnSp>
-        <p:nvCxnSpPr>
-          <p:cNvPr id="10" name="Straight Arrow Connector 9"/>
-          <p:cNvCxnSpPr/>
-          <p:nvPr/>
-        </p:nvCxnSpPr>
-        <p:spPr>
-          <a:xfrm flipH="1" flipV="1">
-            <a:off x="6400800" y="2133600"/>
-            <a:ext cx="685800" cy="228600"/>
-          </a:xfrm>
-          <a:prstGeom prst="straightConnector1">
-            <a:avLst/>
-          </a:prstGeom>
-          <a:ln>
-            <a:tailEnd type="arrow"/>
-          </a:ln>
-        </p:spPr>
-        <p:style>
-          <a:lnRef idx="1">
-            <a:schemeClr val="accent1"/>
-          </a:lnRef>
-          <a:fillRef idx="0">
-            <a:schemeClr val="accent1"/>
-          </a:fillRef>
-          <a:effectRef idx="0">
-            <a:schemeClr val="accent1"/>
-          </a:effectRef>
-          <a:fontRef idx="minor">
-            <a:schemeClr val="tx1"/>
-          </a:fontRef>
-        </p:style>
-      </p:cxnSp>
-      <p:sp>
-        <p:nvSpPr>
-          <p:cNvPr id="11" name="TextBox 10"/>
-          <p:cNvSpPr txBox="1"/>
-          <p:nvPr/>
-        </p:nvSpPr>
-        <p:spPr>
-          <a:xfrm>
-            <a:off x="6705600" y="2297668"/>
-            <a:ext cx="2411238" cy="369332"/>
-          </a:xfrm>
-          <a:prstGeom prst="rect">
-            <a:avLst/>
-          </a:prstGeom>
-          <a:noFill/>
-        </p:spPr>
-        <p:txBody>
-          <a:bodyPr wrap="none" rtlCol="0">
-            <a:spAutoFit/>
-          </a:bodyPr>
-          <a:lstStyle/>
+              <a:t>An alternative is a logistic regression</a:t>
+            </a:r>
+          </a:p>
           <a:p>
             <a:r>
               <a:rPr lang="en-US" dirty="0" smtClean="0"/>
-              <a:t>N *  p * (1-p) with N = 1</a:t>
-            </a:r>
-            <a:endParaRPr lang="en-US" dirty="0"/>
-          </a:p>
-        </p:txBody>
-      </p:sp>
-      <p:cxnSp>
-        <p:nvCxnSpPr>
-          <p:cNvPr id="13" name="Straight Arrow Connector 12"/>
-          <p:cNvCxnSpPr/>
-          <p:nvPr/>
-        </p:nvCxnSpPr>
-        <p:spPr>
-          <a:xfrm flipV="1">
-            <a:off x="1524000" y="2362200"/>
-            <a:ext cx="609600" cy="152400"/>
-          </a:xfrm>
-          <a:prstGeom prst="straightConnector1">
-            <a:avLst/>
-          </a:prstGeom>
-          <a:ln>
-            <a:tailEnd type="arrow"/>
-          </a:ln>
-        </p:spPr>
-        <p:style>
-          <a:lnRef idx="1">
-            <a:schemeClr val="accent1"/>
-          </a:lnRef>
-          <a:fillRef idx="0">
-            <a:schemeClr val="accent1"/>
-          </a:fillRef>
-          <a:effectRef idx="0">
-            <a:schemeClr val="accent1"/>
-          </a:effectRef>
-          <a:fontRef idx="minor">
-            <a:schemeClr val="tx1"/>
-          </a:fontRef>
-        </p:style>
-      </p:cxnSp>
-      <p:sp>
-        <p:nvSpPr>
-          <p:cNvPr id="14" name="TextBox 13"/>
-          <p:cNvSpPr txBox="1"/>
-          <p:nvPr/>
-        </p:nvSpPr>
-        <p:spPr>
-          <a:xfrm>
-            <a:off x="304800" y="2209800"/>
-            <a:ext cx="1587871" cy="369332"/>
-          </a:xfrm>
-          <a:prstGeom prst="rect">
-            <a:avLst/>
-          </a:prstGeom>
-          <a:noFill/>
-        </p:spPr>
-        <p:txBody>
-          <a:bodyPr wrap="none" rtlCol="0">
-            <a:spAutoFit/>
-          </a:bodyPr>
-          <a:lstStyle/>
-          <a:p>
-            <a:r>
-              <a:rPr lang="en-US" dirty="0" smtClean="0"/>
-              <a:t>Linker function</a:t>
-            </a:r>
-            <a:endParaRPr lang="en-US" dirty="0"/>
-          </a:p>
-        </p:txBody>
-      </p:sp>
-      <p:pic>
-        <p:nvPicPr>
-          <p:cNvPr id="5123" name="Picture 3"/>
-          <p:cNvPicPr>
-            <a:picLocks noChangeAspect="1" noChangeArrowheads="1"/>
-          </p:cNvPicPr>
-          <p:nvPr/>
-        </p:nvPicPr>
-        <p:blipFill>
-          <a:blip r:embed="rId3" cstate="print"/>
-          <a:srcRect/>
-          <a:stretch>
-            <a:fillRect/>
-          </a:stretch>
-        </p:blipFill>
-        <p:spPr bwMode="auto">
-          <a:xfrm>
-            <a:off x="228600" y="4114800"/>
-            <a:ext cx="8093783" cy="1524000"/>
-          </a:xfrm>
-          <a:prstGeom prst="rect">
-            <a:avLst/>
-          </a:prstGeom>
-          <a:noFill/>
-          <a:ln w="9525">
-            <a:noFill/>
-            <a:miter lim="800000"/>
-            <a:headEnd/>
-            <a:tailEnd/>
-          </a:ln>
-        </p:spPr>
-      </p:pic>
-      <p:pic>
-        <p:nvPicPr>
-          <p:cNvPr id="5124" name="Picture 4"/>
-          <p:cNvPicPr>
-            <a:picLocks noChangeAspect="1" noChangeArrowheads="1"/>
-          </p:cNvPicPr>
-          <p:nvPr/>
-        </p:nvPicPr>
-        <p:blipFill>
-          <a:blip r:embed="rId4" cstate="print"/>
-          <a:srcRect/>
-          <a:stretch>
-            <a:fillRect/>
-          </a:stretch>
-        </p:blipFill>
-        <p:spPr bwMode="auto">
-          <a:xfrm>
-            <a:off x="5867400" y="4876800"/>
-            <a:ext cx="2286000" cy="1841863"/>
-          </a:xfrm>
-          <a:prstGeom prst="rect">
-            <a:avLst/>
-          </a:prstGeom>
-          <a:noFill/>
-          <a:ln w="9525">
-            <a:noFill/>
-            <a:miter lim="800000"/>
-            <a:headEnd/>
-            <a:tailEnd/>
-          </a:ln>
-        </p:spPr>
-      </p:pic>
-      <p:sp>
-        <p:nvSpPr>
-          <p:cNvPr id="17" name="Rectangle 16"/>
-          <p:cNvSpPr/>
-          <p:nvPr/>
-        </p:nvSpPr>
-        <p:spPr>
-          <a:xfrm>
-            <a:off x="228600" y="6324600"/>
-            <a:ext cx="5410200" cy="369332"/>
-          </a:xfrm>
-          <a:prstGeom prst="rect">
-            <a:avLst/>
-          </a:prstGeom>
-        </p:spPr>
-        <p:txBody>
-          <a:bodyPr wrap="square">
-            <a:spAutoFit/>
-          </a:bodyPr>
-          <a:lstStyle/>
-          <a:p>
-            <a:r>
-              <a:rPr lang="en-US" dirty="0" smtClean="0"/>
-              <a:t>http://en.wikipedia.org/wiki/Logistic_regression</a:t>
-            </a:r>
-            <a:endParaRPr lang="en-US" dirty="0"/>
-          </a:p>
-        </p:txBody>
-      </p:sp>
-      <p:cxnSp>
-        <p:nvCxnSpPr>
-          <p:cNvPr id="19" name="Straight Arrow Connector 18"/>
-          <p:cNvCxnSpPr/>
-          <p:nvPr/>
-        </p:nvCxnSpPr>
-        <p:spPr>
-          <a:xfrm flipV="1">
-            <a:off x="1371600" y="5486400"/>
-            <a:ext cx="381000" cy="533400"/>
-          </a:xfrm>
-          <a:prstGeom prst="straightConnector1">
-            <a:avLst/>
-          </a:prstGeom>
-          <a:ln>
-            <a:tailEnd type="arrow"/>
-          </a:ln>
-        </p:spPr>
-        <p:style>
-          <a:lnRef idx="1">
-            <a:schemeClr val="accent1"/>
-          </a:lnRef>
-          <a:fillRef idx="0">
-            <a:schemeClr val="accent1"/>
-          </a:fillRef>
-          <a:effectRef idx="0">
-            <a:schemeClr val="accent1"/>
-          </a:effectRef>
-          <a:fontRef idx="minor">
-            <a:schemeClr val="tx1"/>
-          </a:fontRef>
-        </p:style>
-      </p:cxnSp>
-      <p:sp>
-        <p:nvSpPr>
-          <p:cNvPr id="20" name="TextBox 19"/>
-          <p:cNvSpPr txBox="1"/>
-          <p:nvPr/>
-        </p:nvSpPr>
-        <p:spPr>
-          <a:xfrm>
-            <a:off x="1371600" y="5867400"/>
-            <a:ext cx="3710952" cy="369332"/>
-          </a:xfrm>
-          <a:prstGeom prst="rect">
-            <a:avLst/>
-          </a:prstGeom>
-          <a:noFill/>
-        </p:spPr>
-        <p:txBody>
-          <a:bodyPr wrap="none" rtlCol="0">
-            <a:spAutoFit/>
-          </a:bodyPr>
-          <a:lstStyle/>
-          <a:p>
-            <a:r>
-              <a:rPr lang="en-US" dirty="0" smtClean="0"/>
-              <a:t>This constrains us to between 0 and 1</a:t>
+              <a:t>where the model can’t go &gt;1 or &lt;0</a:t>
             </a:r>
             <a:endParaRPr lang="en-US" dirty="0"/>
           </a:p>
@@ -7634,9 +7209,9 @@
           <p:nvPr/>
         </p:nvSpPr>
         <p:spPr>
-          <a:xfrm>
-            <a:off x="457200" y="152400"/>
-            <a:ext cx="6324600" cy="369332"/>
+          <a:xfrm flipH="1">
+            <a:off x="533400" y="228600"/>
+            <a:ext cx="8305800" cy="369332"/>
           </a:xfrm>
           <a:prstGeom prst="rect">
             <a:avLst/>
@@ -7650,37 +7225,16 @@
           <a:lstStyle/>
           <a:p>
             <a:r>
-              <a:rPr lang="en-US" smtClean="0"/>
-              <a:t>Put all this together into the likelihood…</a:t>
-            </a:r>
-            <a:endParaRPr lang="en-US" dirty="0"/>
-          </a:p>
-        </p:txBody>
-      </p:sp>
-      <p:sp>
-        <p:nvSpPr>
-          <p:cNvPr id="5" name="Rectangle 4"/>
-          <p:cNvSpPr/>
-          <p:nvPr/>
-        </p:nvSpPr>
-        <p:spPr>
-          <a:xfrm>
-            <a:off x="2286000" y="6172200"/>
-            <a:ext cx="7467600" cy="369332"/>
-          </a:xfrm>
-          <a:prstGeom prst="rect">
-            <a:avLst/>
-          </a:prstGeom>
-        </p:spPr>
-        <p:txBody>
-          <a:bodyPr wrap="square">
-            <a:spAutoFit/>
-          </a:bodyPr>
-          <a:lstStyle/>
-          <a:p>
-            <a:r>
               <a:rPr lang="en-US" dirty="0" smtClean="0"/>
-              <a:t>http://www.stat.cmu.edu/~cshalizi/uADA/12/lectures/ch12.pdf</a:t>
+              <a:t>Here are the rules for a logistic regression…(Chapter 10 of the </a:t>
+            </a:r>
+            <a:r>
+              <a:rPr lang="en-US" dirty="0" err="1" smtClean="0"/>
+              <a:t>Zuur</a:t>
+            </a:r>
+            <a:r>
+              <a:rPr lang="en-US" dirty="0" smtClean="0"/>
+              <a:t> book..)</a:t>
             </a:r>
             <a:endParaRPr lang="en-US" dirty="0"/>
           </a:p>
@@ -7688,7 +7242,7 @@
       </p:sp>
       <p:pic>
         <p:nvPicPr>
-          <p:cNvPr id="6146" name="Picture 2"/>
+          <p:cNvPr id="5122" name="Picture 2"/>
           <p:cNvPicPr>
             <a:picLocks noChangeAspect="1" noChangeArrowheads="1"/>
           </p:cNvPicPr>
@@ -7703,8 +7257,8 @@
         </p:blipFill>
         <p:spPr bwMode="auto">
           <a:xfrm>
-            <a:off x="914400" y="838200"/>
-            <a:ext cx="3848100" cy="514350"/>
+            <a:off x="152400" y="685800"/>
+            <a:ext cx="8515350" cy="3248025"/>
           </a:xfrm>
           <a:prstGeom prst="rect">
             <a:avLst/>
@@ -7718,16 +7272,49 @@
           </a:ln>
         </p:spPr>
       </p:pic>
-      <p:sp>
-        <p:nvSpPr>
-          <p:cNvPr id="7" name="TextBox 6"/>
+      <p:cxnSp>
+        <p:nvCxnSpPr>
+          <p:cNvPr id="7" name="Straight Arrow Connector 6"/>
+          <p:cNvCxnSpPr/>
+          <p:nvPr/>
+        </p:nvCxnSpPr>
+        <p:spPr>
+          <a:xfrm flipH="1">
+            <a:off x="3581400" y="1447800"/>
+            <a:ext cx="762000" cy="152400"/>
+          </a:xfrm>
+          <a:prstGeom prst="straightConnector1">
+            <a:avLst/>
+          </a:prstGeom>
+          <a:ln>
+            <a:tailEnd type="arrow"/>
+          </a:ln>
+        </p:spPr>
+        <p:style>
+          <a:lnRef idx="1">
+            <a:schemeClr val="accent1"/>
+          </a:lnRef>
+          <a:fillRef idx="0">
+            <a:schemeClr val="accent1"/>
+          </a:fillRef>
+          <a:effectRef idx="0">
+            <a:schemeClr val="accent1"/>
+          </a:effectRef>
+          <a:fontRef idx="minor">
+            <a:schemeClr val="tx1"/>
+          </a:fontRef>
+        </p:style>
+      </p:cxnSp>
+      <p:sp>
+        <p:nvSpPr>
+          <p:cNvPr id="8" name="TextBox 7"/>
           <p:cNvSpPr txBox="1"/>
           <p:nvPr/>
         </p:nvSpPr>
         <p:spPr>
           <a:xfrm>
-            <a:off x="4572000" y="685800"/>
-            <a:ext cx="2133600" cy="646331"/>
+            <a:off x="4343400" y="1154668"/>
+            <a:ext cx="3285643" cy="369332"/>
           </a:xfrm>
           <a:prstGeom prst="rect">
             <a:avLst/>
@@ -7735,14 +7322,140 @@
           <a:noFill/>
         </p:spPr>
         <p:txBody>
-          <a:bodyPr wrap="square" rtlCol="0">
+          <a:bodyPr wrap="none" rtlCol="0">
             <a:spAutoFit/>
           </a:bodyPr>
           <a:lstStyle/>
           <a:p>
             <a:r>
               <a:rPr lang="en-US" dirty="0" smtClean="0"/>
-              <a:t>Binomial distribution with n = 1</a:t>
+              <a:t>Binomial probability of 1 coin flip</a:t>
+            </a:r>
+            <a:endParaRPr lang="en-US" dirty="0"/>
+          </a:p>
+        </p:txBody>
+      </p:sp>
+      <p:cxnSp>
+        <p:nvCxnSpPr>
+          <p:cNvPr id="10" name="Straight Arrow Connector 9"/>
+          <p:cNvCxnSpPr/>
+          <p:nvPr/>
+        </p:nvCxnSpPr>
+        <p:spPr>
+          <a:xfrm flipH="1" flipV="1">
+            <a:off x="6400800" y="2133600"/>
+            <a:ext cx="685800" cy="228600"/>
+          </a:xfrm>
+          <a:prstGeom prst="straightConnector1">
+            <a:avLst/>
+          </a:prstGeom>
+          <a:ln>
+            <a:tailEnd type="arrow"/>
+          </a:ln>
+        </p:spPr>
+        <p:style>
+          <a:lnRef idx="1">
+            <a:schemeClr val="accent1"/>
+          </a:lnRef>
+          <a:fillRef idx="0">
+            <a:schemeClr val="accent1"/>
+          </a:fillRef>
+          <a:effectRef idx="0">
+            <a:schemeClr val="accent1"/>
+          </a:effectRef>
+          <a:fontRef idx="minor">
+            <a:schemeClr val="tx1"/>
+          </a:fontRef>
+        </p:style>
+      </p:cxnSp>
+      <p:sp>
+        <p:nvSpPr>
+          <p:cNvPr id="11" name="TextBox 10"/>
+          <p:cNvSpPr txBox="1"/>
+          <p:nvPr/>
+        </p:nvSpPr>
+        <p:spPr>
+          <a:xfrm>
+            <a:off x="6705600" y="2297668"/>
+            <a:ext cx="2411238" cy="369332"/>
+          </a:xfrm>
+          <a:prstGeom prst="rect">
+            <a:avLst/>
+          </a:prstGeom>
+          <a:noFill/>
+        </p:spPr>
+        <p:txBody>
+          <a:bodyPr wrap="none" rtlCol="0">
+            <a:spAutoFit/>
+          </a:bodyPr>
+          <a:lstStyle/>
+          <a:p>
+            <a:r>
+              <a:rPr lang="en-US" dirty="0" smtClean="0"/>
+              <a:t>N *  p * (1-p) with N = 1</a:t>
+            </a:r>
+            <a:endParaRPr lang="en-US" dirty="0"/>
+          </a:p>
+        </p:txBody>
+      </p:sp>
+      <p:cxnSp>
+        <p:nvCxnSpPr>
+          <p:cNvPr id="13" name="Straight Arrow Connector 12"/>
+          <p:cNvCxnSpPr/>
+          <p:nvPr/>
+        </p:nvCxnSpPr>
+        <p:spPr>
+          <a:xfrm flipV="1">
+            <a:off x="1524000" y="2362200"/>
+            <a:ext cx="609600" cy="152400"/>
+          </a:xfrm>
+          <a:prstGeom prst="straightConnector1">
+            <a:avLst/>
+          </a:prstGeom>
+          <a:ln>
+            <a:tailEnd type="arrow"/>
+          </a:ln>
+        </p:spPr>
+        <p:style>
+          <a:lnRef idx="1">
+            <a:schemeClr val="accent1"/>
+          </a:lnRef>
+          <a:fillRef idx="0">
+            <a:schemeClr val="accent1"/>
+          </a:fillRef>
+          <a:effectRef idx="0">
+            <a:schemeClr val="accent1"/>
+          </a:effectRef>
+          <a:fontRef idx="minor">
+            <a:schemeClr val="tx1"/>
+          </a:fontRef>
+        </p:style>
+      </p:cxnSp>
+      <p:sp>
+        <p:nvSpPr>
+          <p:cNvPr id="14" name="TextBox 13"/>
+          <p:cNvSpPr txBox="1"/>
+          <p:nvPr/>
+        </p:nvSpPr>
+        <p:spPr>
+          <a:xfrm>
+            <a:off x="304800" y="2209800"/>
+            <a:ext cx="1587871" cy="369332"/>
+          </a:xfrm>
+          <a:prstGeom prst="rect">
+            <a:avLst/>
+          </a:prstGeom>
+          <a:noFill/>
+        </p:spPr>
+        <p:txBody>
+          <a:bodyPr wrap="none" rtlCol="0">
+            <a:spAutoFit/>
+          </a:bodyPr>
+          <a:lstStyle/>
+          <a:p>
+            <a:r>
+              <a:rPr lang="en-US" dirty="0" smtClean="0"/>
+              <a:t>Linker function</a:t>
             </a:r>
             <a:endParaRPr lang="en-US" dirty="0"/>
           </a:p>
@@ -7750,7 +7463,7 @@
       </p:sp>
       <p:pic>
         <p:nvPicPr>
-          <p:cNvPr id="6147" name="Picture 3"/>
+          <p:cNvPr id="5123" name="Picture 3"/>
           <p:cNvPicPr>
             <a:picLocks noChangeAspect="1" noChangeArrowheads="1"/>
           </p:cNvPicPr>
@@ -7765,8 +7478,8 @@
         </p:blipFill>
         <p:spPr bwMode="auto">
           <a:xfrm>
-            <a:off x="762000" y="1981200"/>
-            <a:ext cx="6561438" cy="2057400"/>
+            <a:off x="228600" y="4114800"/>
+            <a:ext cx="8093783" cy="1524000"/>
           </a:xfrm>
           <a:prstGeom prst="rect">
             <a:avLst/>
@@ -7780,31 +7493,125 @@
           </a:ln>
         </p:spPr>
       </p:pic>
-      <p:sp>
-        <p:nvSpPr>
-          <p:cNvPr id="9" name="TextBox 8"/>
-          <p:cNvSpPr txBox="1"/>
-          <p:nvPr/>
-        </p:nvSpPr>
-        <p:spPr>
-          <a:xfrm flipH="1">
-            <a:off x="1417318" y="4495800"/>
-            <a:ext cx="6736081" cy="369332"/>
+      <p:pic>
+        <p:nvPicPr>
+          <p:cNvPr id="5124" name="Picture 4"/>
+          <p:cNvPicPr>
+            <a:picLocks noChangeAspect="1" noChangeArrowheads="1"/>
+          </p:cNvPicPr>
+          <p:nvPr/>
+        </p:nvPicPr>
+        <p:blipFill>
+          <a:blip r:embed="rId4" cstate="print"/>
+          <a:srcRect/>
+          <a:stretch>
+            <a:fillRect/>
+          </a:stretch>
+        </p:blipFill>
+        <p:spPr bwMode="auto">
+          <a:xfrm>
+            <a:off x="5867400" y="4876800"/>
+            <a:ext cx="2286000" cy="1841863"/>
           </a:xfrm>
           <a:prstGeom prst="rect">
             <a:avLst/>
           </a:prstGeom>
           <a:noFill/>
-        </p:spPr>
-        <p:txBody>
-          <a:bodyPr wrap="square" rtlCol="0">
+          <a:ln w="9525">
+            <a:noFill/>
+            <a:miter lim="800000"/>
+            <a:headEnd/>
+            <a:tailEnd/>
+          </a:ln>
+        </p:spPr>
+      </p:pic>
+      <p:sp>
+        <p:nvSpPr>
+          <p:cNvPr id="17" name="Rectangle 16"/>
+          <p:cNvSpPr/>
+          <p:nvPr/>
+        </p:nvSpPr>
+        <p:spPr>
+          <a:xfrm>
+            <a:off x="228600" y="6324600"/>
+            <a:ext cx="5410200" cy="369332"/>
+          </a:xfrm>
+          <a:prstGeom prst="rect">
+            <a:avLst/>
+          </a:prstGeom>
+        </p:spPr>
+        <p:txBody>
+          <a:bodyPr wrap="square">
             <a:spAutoFit/>
           </a:bodyPr>
           <a:lstStyle/>
           <a:p>
             <a:r>
               <a:rPr lang="en-US" dirty="0" smtClean="0"/>
-              <a:t>Find the parameters to maximize this and we are good to go….</a:t>
+              <a:t>http://en.wikipedia.org/wiki/Logistic_regression</a:t>
+            </a:r>
+            <a:endParaRPr lang="en-US" dirty="0"/>
+          </a:p>
+        </p:txBody>
+      </p:sp>
+      <p:cxnSp>
+        <p:nvCxnSpPr>
+          <p:cNvPr id="19" name="Straight Arrow Connector 18"/>
+          <p:cNvCxnSpPr/>
+          <p:nvPr/>
+        </p:nvCxnSpPr>
+        <p:spPr>
+          <a:xfrm flipV="1">
+            <a:off x="1371600" y="5486400"/>
+            <a:ext cx="381000" cy="533400"/>
+          </a:xfrm>
+          <a:prstGeom prst="straightConnector1">
+            <a:avLst/>
+          </a:prstGeom>
+          <a:ln>
+            <a:tailEnd type="arrow"/>
+          </a:ln>
+        </p:spPr>
+        <p:style>
+          <a:lnRef idx="1">
+            <a:schemeClr val="accent1"/>
+          </a:lnRef>
+          <a:fillRef idx="0">
+            <a:schemeClr val="accent1"/>
+          </a:fillRef>
+          <a:effectRef idx="0">
+            <a:schemeClr val="accent1"/>
+          </a:effectRef>
+          <a:fontRef idx="minor">
+            <a:schemeClr val="tx1"/>
+          </a:fontRef>
+        </p:style>
+      </p:cxnSp>
+      <p:sp>
+        <p:nvSpPr>
+          <p:cNvPr id="20" name="TextBox 19"/>
+          <p:cNvSpPr txBox="1"/>
+          <p:nvPr/>
+        </p:nvSpPr>
+        <p:spPr>
+          <a:xfrm>
+            <a:off x="1371600" y="5867400"/>
+            <a:ext cx="3710952" cy="369332"/>
+          </a:xfrm>
+          <a:prstGeom prst="rect">
+            <a:avLst/>
+          </a:prstGeom>
+          <a:noFill/>
+        </p:spPr>
+        <p:txBody>
+          <a:bodyPr wrap="none" rtlCol="0">
+            <a:spAutoFit/>
+          </a:bodyPr>
+          <a:lstStyle/>
+          <a:p>
+            <a:r>
+              <a:rPr lang="en-US" dirty="0" smtClean="0"/>
+              <a:t>This constrains us to between 0 and 1</a:t>
             </a:r>
             <a:endParaRPr lang="en-US" dirty="0"/>
           </a:p>
@@ -7835,9 +7642,68 @@
           <a:chExt cx="0" cy="0"/>
         </a:xfrm>
       </p:grpSpPr>
+      <p:sp>
+        <p:nvSpPr>
+          <p:cNvPr id="4" name="TextBox 3"/>
+          <p:cNvSpPr txBox="1"/>
+          <p:nvPr/>
+        </p:nvSpPr>
+        <p:spPr>
+          <a:xfrm>
+            <a:off x="457200" y="152400"/>
+            <a:ext cx="6324600" cy="369332"/>
+          </a:xfrm>
+          <a:prstGeom prst="rect">
+            <a:avLst/>
+          </a:prstGeom>
+          <a:noFill/>
+        </p:spPr>
+        <p:txBody>
+          <a:bodyPr wrap="square" rtlCol="0">
+            <a:spAutoFit/>
+          </a:bodyPr>
+          <a:lstStyle/>
+          <a:p>
+            <a:r>
+              <a:rPr lang="en-US" smtClean="0"/>
+              <a:t>Put all this together into the likelihood…</a:t>
+            </a:r>
+            <a:endParaRPr lang="en-US" dirty="0"/>
+          </a:p>
+        </p:txBody>
+      </p:sp>
+      <p:sp>
+        <p:nvSpPr>
+          <p:cNvPr id="5" name="Rectangle 4"/>
+          <p:cNvSpPr/>
+          <p:nvPr/>
+        </p:nvSpPr>
+        <p:spPr>
+          <a:xfrm>
+            <a:off x="2286000" y="6172200"/>
+            <a:ext cx="7467600" cy="369332"/>
+          </a:xfrm>
+          <a:prstGeom prst="rect">
+            <a:avLst/>
+          </a:prstGeom>
+        </p:spPr>
+        <p:txBody>
+          <a:bodyPr wrap="square">
+            <a:spAutoFit/>
+          </a:bodyPr>
+          <a:lstStyle/>
+          <a:p>
+            <a:r>
+              <a:rPr lang="en-US" dirty="0" smtClean="0"/>
+              <a:t>http://www.stat.cmu.edu/~cshalizi/uADA/12/lectures/ch12.pdf</a:t>
+            </a:r>
+            <a:endParaRPr lang="en-US" dirty="0"/>
+          </a:p>
+        </p:txBody>
+      </p:sp>
       <p:pic>
         <p:nvPicPr>
-          <p:cNvPr id="7170" name="Picture 2"/>
+          <p:cNvPr id="6146" name="Picture 2"/>
           <p:cNvPicPr>
             <a:picLocks noChangeAspect="1" noChangeArrowheads="1"/>
           </p:cNvPicPr>
@@ -7852,8 +7718,8 @@
         </p:blipFill>
         <p:spPr bwMode="auto">
           <a:xfrm>
-            <a:off x="457200" y="228600"/>
-            <a:ext cx="3892044" cy="3886200"/>
+            <a:off x="914400" y="838200"/>
+            <a:ext cx="3848100" cy="514350"/>
           </a:xfrm>
           <a:prstGeom prst="rect">
             <a:avLst/>
@@ -7865,19 +7731,18 @@
             <a:headEnd/>
             <a:tailEnd/>
           </a:ln>
-          <a:effectLst/>
         </p:spPr>
       </p:pic>
       <p:sp>
         <p:nvSpPr>
-          <p:cNvPr id="5" name="TextBox 4"/>
+          <p:cNvPr id="7" name="TextBox 6"/>
           <p:cNvSpPr txBox="1"/>
           <p:nvPr/>
         </p:nvSpPr>
         <p:spPr>
           <a:xfrm>
-            <a:off x="457200" y="0"/>
-            <a:ext cx="7694607" cy="369332"/>
+            <a:off x="4572000" y="685800"/>
+            <a:ext cx="2133600" cy="646331"/>
           </a:xfrm>
           <a:prstGeom prst="rect">
             <a:avLst/>
@@ -7885,14 +7750,14 @@
           <a:noFill/>
         </p:spPr>
         <p:txBody>
-          <a:bodyPr wrap="none" rtlCol="0">
+          <a:bodyPr wrap="square" rtlCol="0">
             <a:spAutoFit/>
           </a:bodyPr>
           <a:lstStyle/>
           <a:p>
             <a:r>
               <a:rPr lang="en-US" dirty="0" smtClean="0"/>
-              <a:t>The linear regression and logistic regression can vary in how closely they agree…</a:t>
+              <a:t>Binomial distribution with n = 1</a:t>
             </a:r>
             <a:endParaRPr lang="en-US" dirty="0"/>
           </a:p>
@@ -7900,7 +7765,7 @@
       </p:sp>
       <p:pic>
         <p:nvPicPr>
-          <p:cNvPr id="7172" name="Picture 4"/>
+          <p:cNvPr id="6147" name="Picture 3"/>
           <p:cNvPicPr>
             <a:picLocks noChangeAspect="1" noChangeArrowheads="1"/>
           </p:cNvPicPr>
@@ -7915,8 +7780,8 @@
         </p:blipFill>
         <p:spPr bwMode="auto">
           <a:xfrm>
-            <a:off x="4495800" y="234436"/>
-            <a:ext cx="3886200" cy="3880364"/>
+            <a:off x="762000" y="1981200"/>
+            <a:ext cx="6561438" cy="2057400"/>
           </a:xfrm>
           <a:prstGeom prst="rect">
             <a:avLst/>
@@ -7928,42 +7793,38 @@
             <a:headEnd/>
             <a:tailEnd/>
           </a:ln>
-          <a:effectLst/>
         </p:spPr>
       </p:pic>
-      <p:pic>
-        <p:nvPicPr>
-          <p:cNvPr id="7173" name="Picture 5"/>
-          <p:cNvPicPr>
-            <a:picLocks noChangeAspect="1" noChangeArrowheads="1"/>
-          </p:cNvPicPr>
-          <p:nvPr/>
-        </p:nvPicPr>
-        <p:blipFill>
-          <a:blip r:embed="rId4" cstate="print"/>
-          <a:srcRect/>
-          <a:stretch>
-            <a:fillRect/>
-          </a:stretch>
-        </p:blipFill>
-        <p:spPr bwMode="auto">
-          <a:xfrm>
-            <a:off x="2819400" y="3581400"/>
-            <a:ext cx="3200400" cy="3195595"/>
+      <p:sp>
+        <p:nvSpPr>
+          <p:cNvPr id="9" name="TextBox 8"/>
+          <p:cNvSpPr txBox="1"/>
+          <p:nvPr/>
+        </p:nvSpPr>
+        <p:spPr>
+          <a:xfrm flipH="1">
+            <a:off x="1417318" y="4495800"/>
+            <a:ext cx="6736081" cy="369332"/>
           </a:xfrm>
           <a:prstGeom prst="rect">
             <a:avLst/>
           </a:prstGeom>
           <a:noFill/>
-          <a:ln w="9525">
-            <a:noFill/>
-            <a:miter lim="800000"/>
-            <a:headEnd/>
-            <a:tailEnd/>
-          </a:ln>
-          <a:effectLst/>
-        </p:spPr>
-      </p:pic>
+        </p:spPr>
+        <p:txBody>
+          <a:bodyPr wrap="square" rtlCol="0">
+            <a:spAutoFit/>
+          </a:bodyPr>
+          <a:lstStyle/>
+          <a:p>
+            <a:r>
+              <a:rPr lang="en-US" dirty="0" smtClean="0"/>
+              <a:t>Find the parameters to maximize this and we are good to go….</a:t>
+            </a:r>
+            <a:endParaRPr lang="en-US" dirty="0"/>
+          </a:p>
+        </p:txBody>
+      </p:sp>
     </p:spTree>
   </p:cSld>
   <p:clrMapOvr>
@@ -7991,7 +7852,7 @@
       </p:grpSpPr>
       <p:pic>
         <p:nvPicPr>
-          <p:cNvPr id="8194" name="Picture 2"/>
+          <p:cNvPr id="7170" name="Picture 2"/>
           <p:cNvPicPr>
             <a:picLocks noChangeAspect="1" noChangeArrowheads="1"/>
           </p:cNvPicPr>
@@ -8006,8 +7867,8 @@
         </p:blipFill>
         <p:spPr bwMode="auto">
           <a:xfrm>
-            <a:off x="1400175" y="447675"/>
-            <a:ext cx="6343650" cy="6334125"/>
+            <a:off x="457200" y="228600"/>
+            <a:ext cx="3892044" cy="3886200"/>
           </a:xfrm>
           <a:prstGeom prst="rect">
             <a:avLst/>
@@ -8030,8 +7891,8 @@
         </p:nvSpPr>
         <p:spPr>
           <a:xfrm>
-            <a:off x="381000" y="228600"/>
-            <a:ext cx="8610600" cy="369332"/>
+            <a:off x="457200" y="0"/>
+            <a:ext cx="7694607" cy="369332"/>
           </a:xfrm>
           <a:prstGeom prst="rect">
             <a:avLst/>
@@ -8039,48 +7900,85 @@
           <a:noFill/>
         </p:spPr>
         <p:txBody>
-          <a:bodyPr wrap="square" rtlCol="0">
+          <a:bodyPr wrap="none" rtlCol="0">
             <a:spAutoFit/>
           </a:bodyPr>
           <a:lstStyle/>
           <a:p>
             <a:r>
               <a:rPr lang="en-US" dirty="0" smtClean="0"/>
-              <a:t>Our 2D classification can yield very similar results between logistic and linear regression </a:t>
+              <a:t>The linear regression and logistic regression can vary in how closely they agree…</a:t>
             </a:r>
             <a:endParaRPr lang="en-US" dirty="0"/>
           </a:p>
         </p:txBody>
       </p:sp>
-      <p:sp>
-        <p:nvSpPr>
-          <p:cNvPr id="6" name="Rectangle 5"/>
-          <p:cNvSpPr/>
-          <p:nvPr/>
-        </p:nvSpPr>
-        <p:spPr>
-          <a:xfrm>
-            <a:off x="228600" y="6550223"/>
-            <a:ext cx="11887200" cy="307777"/>
-          </a:xfrm>
-          <a:prstGeom prst="rect">
-            <a:avLst/>
-          </a:prstGeom>
-        </p:spPr>
-        <p:txBody>
-          <a:bodyPr wrap="square">
-            <a:spAutoFit/>
-          </a:bodyPr>
-          <a:lstStyle/>
-          <a:p>
-            <a:r>
-              <a:rPr lang="en-US" sz="1400" dirty="0" smtClean="0"/>
-              <a:t>https://github.com/afodor/metagenomicsTools/blob/master/src/machineLearningExamples/logisticRegressionSims.txt</a:t>
-            </a:r>
-            <a:endParaRPr lang="en-US" sz="1400" dirty="0"/>
-          </a:p>
-        </p:txBody>
-      </p:sp>
+      <p:pic>
+        <p:nvPicPr>
+          <p:cNvPr id="7172" name="Picture 4"/>
+          <p:cNvPicPr>
+            <a:picLocks noChangeAspect="1" noChangeArrowheads="1"/>
+          </p:cNvPicPr>
+          <p:nvPr/>
+        </p:nvPicPr>
+        <p:blipFill>
+          <a:blip r:embed="rId3" cstate="print"/>
+          <a:srcRect/>
+          <a:stretch>
+            <a:fillRect/>
+          </a:stretch>
+        </p:blipFill>
+        <p:spPr bwMode="auto">
+          <a:xfrm>
+            <a:off x="4495800" y="234436"/>
+            <a:ext cx="3886200" cy="3880364"/>
+          </a:xfrm>
+          <a:prstGeom prst="rect">
+            <a:avLst/>
+          </a:prstGeom>
+          <a:noFill/>
+          <a:ln w="9525">
+            <a:noFill/>
+            <a:miter lim="800000"/>
+            <a:headEnd/>
+            <a:tailEnd/>
+          </a:ln>
+          <a:effectLst/>
+        </p:spPr>
+      </p:pic>
+      <p:pic>
+        <p:nvPicPr>
+          <p:cNvPr id="7173" name="Picture 5"/>
+          <p:cNvPicPr>
+            <a:picLocks noChangeAspect="1" noChangeArrowheads="1"/>
+          </p:cNvPicPr>
+          <p:nvPr/>
+        </p:nvPicPr>
+        <p:blipFill>
+          <a:blip r:embed="rId4" cstate="print"/>
+          <a:srcRect/>
+          <a:stretch>
+            <a:fillRect/>
+          </a:stretch>
+        </p:blipFill>
+        <p:spPr bwMode="auto">
+          <a:xfrm>
+            <a:off x="2819400" y="3581400"/>
+            <a:ext cx="3200400" cy="3195595"/>
+          </a:xfrm>
+          <a:prstGeom prst="rect">
+            <a:avLst/>
+          </a:prstGeom>
+          <a:noFill/>
+          <a:ln w="9525">
+            <a:noFill/>
+            <a:miter lim="800000"/>
+            <a:headEnd/>
+            <a:tailEnd/>
+          </a:ln>
+          <a:effectLst/>
+        </p:spPr>
+      </p:pic>
     </p:spTree>
   </p:cSld>
   <p:clrMapOvr>
@@ -8106,6 +8004,123 @@
           <a:chExt cx="0" cy="0"/>
         </a:xfrm>
       </p:grpSpPr>
+      <p:pic>
+        <p:nvPicPr>
+          <p:cNvPr id="8194" name="Picture 2"/>
+          <p:cNvPicPr>
+            <a:picLocks noChangeAspect="1" noChangeArrowheads="1"/>
+          </p:cNvPicPr>
+          <p:nvPr/>
+        </p:nvPicPr>
+        <p:blipFill>
+          <a:blip r:embed="rId2" cstate="print"/>
+          <a:srcRect/>
+          <a:stretch>
+            <a:fillRect/>
+          </a:stretch>
+        </p:blipFill>
+        <p:spPr bwMode="auto">
+          <a:xfrm>
+            <a:off x="1400175" y="447675"/>
+            <a:ext cx="6343650" cy="6334125"/>
+          </a:xfrm>
+          <a:prstGeom prst="rect">
+            <a:avLst/>
+          </a:prstGeom>
+          <a:noFill/>
+          <a:ln w="9525">
+            <a:noFill/>
+            <a:miter lim="800000"/>
+            <a:headEnd/>
+            <a:tailEnd/>
+          </a:ln>
+          <a:effectLst/>
+        </p:spPr>
+      </p:pic>
+      <p:sp>
+        <p:nvSpPr>
+          <p:cNvPr id="5" name="TextBox 4"/>
+          <p:cNvSpPr txBox="1"/>
+          <p:nvPr/>
+        </p:nvSpPr>
+        <p:spPr>
+          <a:xfrm>
+            <a:off x="381000" y="228600"/>
+            <a:ext cx="8610600" cy="369332"/>
+          </a:xfrm>
+          <a:prstGeom prst="rect">
+            <a:avLst/>
+          </a:prstGeom>
+          <a:noFill/>
+        </p:spPr>
+        <p:txBody>
+          <a:bodyPr wrap="square" rtlCol="0">
+            <a:spAutoFit/>
+          </a:bodyPr>
+          <a:lstStyle/>
+          <a:p>
+            <a:r>
+              <a:rPr lang="en-US" dirty="0" smtClean="0"/>
+              <a:t>Our 2D classification can yield very similar results between logistic and linear regression </a:t>
+            </a:r>
+            <a:endParaRPr lang="en-US" dirty="0"/>
+          </a:p>
+        </p:txBody>
+      </p:sp>
+      <p:sp>
+        <p:nvSpPr>
+          <p:cNvPr id="6" name="Rectangle 5"/>
+          <p:cNvSpPr/>
+          <p:nvPr/>
+        </p:nvSpPr>
+        <p:spPr>
+          <a:xfrm>
+            <a:off x="228600" y="6550223"/>
+            <a:ext cx="11887200" cy="307777"/>
+          </a:xfrm>
+          <a:prstGeom prst="rect">
+            <a:avLst/>
+          </a:prstGeom>
+        </p:spPr>
+        <p:txBody>
+          <a:bodyPr wrap="square">
+            <a:spAutoFit/>
+          </a:bodyPr>
+          <a:lstStyle/>
+          <a:p>
+            <a:r>
+              <a:rPr lang="en-US" sz="1400" dirty="0" smtClean="0"/>
+              <a:t>https://github.com/afodor/metagenomicsTools/blob/master/src/machineLearningExamples/logisticRegressionSims.txt</a:t>
+            </a:r>
+            <a:endParaRPr lang="en-US" sz="1400" dirty="0"/>
+          </a:p>
+        </p:txBody>
+      </p:sp>
+    </p:spTree>
+  </p:cSld>
+  <p:clrMapOvr>
+    <a:masterClrMapping/>
+  </p:clrMapOvr>
+</p:sld>
+</file>
+
+<file path=ppt/slides/slide29.xml><?xml version="1.0" encoding="utf-8"?>
+<p:sld xmlns:a="http://schemas.openxmlformats.org/drawingml/2006/main" xmlns:r="http://schemas.openxmlformats.org/officeDocument/2006/relationships" xmlns:p="http://schemas.openxmlformats.org/presentationml/2006/main">
+  <p:cSld>
+    <p:spTree>
+      <p:nvGrpSpPr>
+        <p:cNvPr id="1" name=""/>
+        <p:cNvGrpSpPr/>
+        <p:nvPr/>
+      </p:nvGrpSpPr>
+      <p:grpSpPr>
+        <a:xfrm>
+          <a:off x="0" y="0"/>
+          <a:ext cx="0" cy="0"/>
+          <a:chOff x="0" y="0"/>
+          <a:chExt cx="0" cy="0"/>
+        </a:xfrm>
+      </p:grpSpPr>
       <p:sp>
         <p:nvSpPr>
           <p:cNvPr id="4" name="TextBox 3"/>
@@ -8136,11 +8151,7 @@
           <a:p>
             <a:r>
               <a:rPr lang="en-US" dirty="0" smtClean="0"/>
-              <a:t>	</a:t>
-            </a:r>
-            <a:r>
-              <a:rPr lang="en-US" dirty="0" smtClean="0"/>
-              <a:t>Zero inflated Poisson and Negative Binomial</a:t>
+              <a:t>	Zero inflated Poisson and Negative Binomial</a:t>
             </a:r>
             <a:endParaRPr lang="en-US" dirty="0"/>
           </a:p>
@@ -9486,15 +9497,7 @@
           <a:p>
             <a:r>
               <a:rPr lang="en-US" dirty="0" smtClean="0"/>
-              <a:t>The mean is </a:t>
-            </a:r>
-            <a:r>
-              <a:rPr lang="en-US" dirty="0" smtClean="0"/>
-              <a:t>a </a:t>
-            </a:r>
-            <a:r>
-              <a:rPr lang="en-US" dirty="0" smtClean="0"/>
-              <a:t>function of our </a:t>
+              <a:t>The mean is a function of our </a:t>
             </a:r>
           </a:p>
           <a:p>
@@ -9755,11 +9758,7 @@
           <a:p>
             <a:r>
               <a:rPr lang="en-US" dirty="0" smtClean="0"/>
-              <a:t>And we are ready to </a:t>
-            </a:r>
-            <a:r>
-              <a:rPr lang="en-US" dirty="0" smtClean="0"/>
-              <a:t>find the maximum likelihood</a:t>
+              <a:t>And we are ready to find the maximum likelihood</a:t>
             </a:r>
             <a:endParaRPr lang="en-US" dirty="0"/>
           </a:p>

--- a/classes/stats2015/Lecture21.pptx
+++ b/classes/stats2015/Lecture21.pptx
@@ -317,7 +317,7 @@
             <a:fld id="{1D8BD707-D9CF-40AE-B4C6-C98DA3205C09}" type="datetimeFigureOut">
               <a:rPr lang="en-US" smtClean="0"/>
               <a:pPr/>
-              <a:t>4/17/2015</a:t>
+              <a:t>4/18/2015</a:t>
             </a:fld>
             <a:endParaRPr lang="en-US"/>
           </a:p>
@@ -484,7 +484,7 @@
             <a:fld id="{1D8BD707-D9CF-40AE-B4C6-C98DA3205C09}" type="datetimeFigureOut">
               <a:rPr lang="en-US" smtClean="0"/>
               <a:pPr/>
-              <a:t>4/17/2015</a:t>
+              <a:t>4/18/2015</a:t>
             </a:fld>
             <a:endParaRPr lang="en-US"/>
           </a:p>
@@ -661,7 +661,7 @@
             <a:fld id="{1D8BD707-D9CF-40AE-B4C6-C98DA3205C09}" type="datetimeFigureOut">
               <a:rPr lang="en-US" smtClean="0"/>
               <a:pPr/>
-              <a:t>4/17/2015</a:t>
+              <a:t>4/18/2015</a:t>
             </a:fld>
             <a:endParaRPr lang="en-US"/>
           </a:p>
@@ -828,7 +828,7 @@
             <a:fld id="{1D8BD707-D9CF-40AE-B4C6-C98DA3205C09}" type="datetimeFigureOut">
               <a:rPr lang="en-US" smtClean="0"/>
               <a:pPr/>
-              <a:t>4/17/2015</a:t>
+              <a:t>4/18/2015</a:t>
             </a:fld>
             <a:endParaRPr lang="en-US"/>
           </a:p>
@@ -1071,7 +1071,7 @@
             <a:fld id="{1D8BD707-D9CF-40AE-B4C6-C98DA3205C09}" type="datetimeFigureOut">
               <a:rPr lang="en-US" smtClean="0"/>
               <a:pPr/>
-              <a:t>4/17/2015</a:t>
+              <a:t>4/18/2015</a:t>
             </a:fld>
             <a:endParaRPr lang="en-US"/>
           </a:p>
@@ -1356,7 +1356,7 @@
             <a:fld id="{1D8BD707-D9CF-40AE-B4C6-C98DA3205C09}" type="datetimeFigureOut">
               <a:rPr lang="en-US" smtClean="0"/>
               <a:pPr/>
-              <a:t>4/17/2015</a:t>
+              <a:t>4/18/2015</a:t>
             </a:fld>
             <a:endParaRPr lang="en-US"/>
           </a:p>
@@ -1775,7 +1775,7 @@
             <a:fld id="{1D8BD707-D9CF-40AE-B4C6-C98DA3205C09}" type="datetimeFigureOut">
               <a:rPr lang="en-US" smtClean="0"/>
               <a:pPr/>
-              <a:t>4/17/2015</a:t>
+              <a:t>4/18/2015</a:t>
             </a:fld>
             <a:endParaRPr lang="en-US"/>
           </a:p>
@@ -1890,7 +1890,7 @@
             <a:fld id="{1D8BD707-D9CF-40AE-B4C6-C98DA3205C09}" type="datetimeFigureOut">
               <a:rPr lang="en-US" smtClean="0"/>
               <a:pPr/>
-              <a:t>4/17/2015</a:t>
+              <a:t>4/18/2015</a:t>
             </a:fld>
             <a:endParaRPr lang="en-US"/>
           </a:p>
@@ -1982,7 +1982,7 @@
             <a:fld id="{1D8BD707-D9CF-40AE-B4C6-C98DA3205C09}" type="datetimeFigureOut">
               <a:rPr lang="en-US" smtClean="0"/>
               <a:pPr/>
-              <a:t>4/17/2015</a:t>
+              <a:t>4/18/2015</a:t>
             </a:fld>
             <a:endParaRPr lang="en-US"/>
           </a:p>
@@ -2256,7 +2256,7 @@
             <a:fld id="{1D8BD707-D9CF-40AE-B4C6-C98DA3205C09}" type="datetimeFigureOut">
               <a:rPr lang="en-US" smtClean="0"/>
               <a:pPr/>
-              <a:t>4/17/2015</a:t>
+              <a:t>4/18/2015</a:t>
             </a:fld>
             <a:endParaRPr lang="en-US"/>
           </a:p>
@@ -2506,7 +2506,7 @@
             <a:fld id="{1D8BD707-D9CF-40AE-B4C6-C98DA3205C09}" type="datetimeFigureOut">
               <a:rPr lang="en-US" smtClean="0"/>
               <a:pPr/>
-              <a:t>4/17/2015</a:t>
+              <a:t>4/18/2015</a:t>
             </a:fld>
             <a:endParaRPr lang="en-US"/>
           </a:p>
@@ -2716,7 +2716,7 @@
             <a:fld id="{1D8BD707-D9CF-40AE-B4C6-C98DA3205C09}" type="datetimeFigureOut">
               <a:rPr lang="en-US" smtClean="0"/>
               <a:pPr/>
-              <a:t>4/17/2015</a:t>
+              <a:t>4/18/2015</a:t>
             </a:fld>
             <a:endParaRPr lang="en-US"/>
           </a:p>
@@ -4073,16 +4073,11 @@
               <a:rPr lang="en-US" dirty="0" smtClean="0"/>
               <a:t>We can use “predict” to get the line for our model, but it is good to know that we can do </a:t>
             </a:r>
-            <a:endParaRPr lang="en-US" dirty="0" smtClean="0"/>
-          </a:p>
-          <a:p>
-            <a:r>
-              <a:rPr lang="en-US" dirty="0" smtClean="0"/>
-              <a:t>i</a:t>
-            </a:r>
-            <a:r>
-              <a:rPr lang="en-US" dirty="0" smtClean="0"/>
-              <a:t>t ourselves…</a:t>
+          </a:p>
+          <a:p>
+            <a:r>
+              <a:rPr lang="en-US" dirty="0" smtClean="0"/>
+              <a:t>it ourselves…</a:t>
             </a:r>
             <a:endParaRPr lang="en-US" dirty="0"/>
           </a:p>
@@ -7733,36 +7728,6 @@
           </a:ln>
         </p:spPr>
       </p:pic>
-      <p:sp>
-        <p:nvSpPr>
-          <p:cNvPr id="7" name="TextBox 6"/>
-          <p:cNvSpPr txBox="1"/>
-          <p:nvPr/>
-        </p:nvSpPr>
-        <p:spPr>
-          <a:xfrm>
-            <a:off x="4572000" y="685800"/>
-            <a:ext cx="2133600" cy="646331"/>
-          </a:xfrm>
-          <a:prstGeom prst="rect">
-            <a:avLst/>
-          </a:prstGeom>
-          <a:noFill/>
-        </p:spPr>
-        <p:txBody>
-          <a:bodyPr wrap="square" rtlCol="0">
-            <a:spAutoFit/>
-          </a:bodyPr>
-          <a:lstStyle/>
-          <a:p>
-            <a:r>
-              <a:rPr lang="en-US" dirty="0" smtClean="0"/>
-              <a:t>Binomial distribution with n = 1</a:t>
-            </a:r>
-            <a:endParaRPr lang="en-US" dirty="0"/>
-          </a:p>
-        </p:txBody>
-      </p:sp>
       <p:pic>
         <p:nvPicPr>
           <p:cNvPr id="6147" name="Picture 3"/>
@@ -7821,6 +7786,78 @@
               <a:rPr lang="en-US" dirty="0" smtClean="0"/>
               <a:t>Find the parameters to maximize this and we are good to go….</a:t>
             </a:r>
+            <a:endParaRPr lang="en-US" dirty="0"/>
+          </a:p>
+        </p:txBody>
+      </p:sp>
+      <p:sp>
+        <p:nvSpPr>
+          <p:cNvPr id="8" name="TextBox 7"/>
+          <p:cNvSpPr txBox="1"/>
+          <p:nvPr/>
+        </p:nvSpPr>
+        <p:spPr>
+          <a:xfrm>
+            <a:off x="4572000" y="457200"/>
+            <a:ext cx="4572000" cy="1200329"/>
+          </a:xfrm>
+          <a:prstGeom prst="rect">
+            <a:avLst/>
+          </a:prstGeom>
+          <a:noFill/>
+        </p:spPr>
+        <p:txBody>
+          <a:bodyPr wrap="square" rtlCol="0">
+            <a:spAutoFit/>
+          </a:bodyPr>
+          <a:lstStyle/>
+          <a:p>
+            <a:r>
+              <a:rPr lang="en-US" dirty="0" smtClean="0"/>
+              <a:t>Binomial distribution with n = 1</a:t>
+            </a:r>
+          </a:p>
+          <a:p>
+            <a:r>
+              <a:rPr lang="en-US" dirty="0" smtClean="0"/>
+              <a:t>Yi is 1 or 0 </a:t>
+            </a:r>
+          </a:p>
+          <a:p>
+            <a:r>
+              <a:rPr lang="en-US" dirty="0" smtClean="0"/>
+              <a:t>This is </a:t>
+            </a:r>
+            <a:r>
+              <a:rPr lang="en-US" dirty="0" smtClean="0">
+                <a:sym typeface="Symbol"/>
+              </a:rPr>
+              <a:t></a:t>
+            </a:r>
+            <a:r>
+              <a:rPr lang="en-US" dirty="0" smtClean="0"/>
+              <a:t> if a head </a:t>
+            </a:r>
+            <a:r>
+              <a:rPr lang="en-US" dirty="0" smtClean="0"/>
+              <a:t>(1-</a:t>
+            </a:r>
+            <a:r>
+              <a:rPr lang="en-US" dirty="0" smtClean="0">
+                <a:sym typeface="Symbol"/>
+              </a:rPr>
+              <a:t> </a:t>
+            </a:r>
+            <a:r>
+              <a:rPr lang="en-US" dirty="0" smtClean="0"/>
+              <a:t>) </a:t>
+            </a:r>
+            <a:r>
+              <a:rPr lang="en-US" dirty="0" smtClean="0"/>
+              <a:t>if a tail</a:t>
+            </a:r>
+          </a:p>
+          <a:p>
             <a:endParaRPr lang="en-US" dirty="0"/>
           </a:p>
         </p:txBody>
@@ -9482,7 +9519,7 @@
         <p:spPr>
           <a:xfrm>
             <a:off x="4191000" y="3429000"/>
-            <a:ext cx="3102131" cy="646331"/>
+            <a:ext cx="4195187" cy="646331"/>
           </a:xfrm>
           <a:prstGeom prst="rect">
             <a:avLst/>
@@ -9497,7 +9534,15 @@
           <a:p>
             <a:r>
               <a:rPr lang="en-US" dirty="0" smtClean="0"/>
-              <a:t>The mean is a function of our </a:t>
+              <a:t>The </a:t>
+            </a:r>
+            <a:r>
+              <a:rPr lang="en-US" dirty="0" smtClean="0"/>
+              <a:t>model value mean is </a:t>
+            </a:r>
+            <a:r>
+              <a:rPr lang="en-US" dirty="0" smtClean="0"/>
+              <a:t>a function of our </a:t>
             </a:r>
           </a:p>
           <a:p>
@@ -9518,7 +9563,7 @@
         <p:spPr>
           <a:xfrm>
             <a:off x="1676400" y="4572000"/>
-            <a:ext cx="4973926" cy="646331"/>
+            <a:ext cx="5623142" cy="646331"/>
           </a:xfrm>
           <a:prstGeom prst="rect">
             <a:avLst/>
@@ -9539,7 +9584,15 @@
           <a:p>
             <a:r>
               <a:rPr lang="en-US" dirty="0" smtClean="0"/>
-              <a:t>The exponential term ensures only positive means!</a:t>
+              <a:t>The exponential term ensures only positive </a:t>
+            </a:r>
+            <a:r>
+              <a:rPr lang="en-US" dirty="0" smtClean="0"/>
+              <a:t>model means</a:t>
+            </a:r>
+            <a:r>
+              <a:rPr lang="en-US" dirty="0" smtClean="0"/>
+              <a:t>!</a:t>
             </a:r>
           </a:p>
         </p:txBody>
@@ -9874,8 +9927,8 @@
         </p:nvSpPr>
         <p:spPr>
           <a:xfrm>
-            <a:off x="5486400" y="2249269"/>
-            <a:ext cx="2938625" cy="646331"/>
+            <a:off x="5410200" y="2249269"/>
+            <a:ext cx="3587842" cy="646331"/>
           </a:xfrm>
           <a:prstGeom prst="rect">
             <a:avLst/>
@@ -9890,7 +9943,15 @@
           <a:p>
             <a:r>
               <a:rPr lang="en-US" dirty="0" smtClean="0"/>
-              <a:t>The mean is a function of our</a:t>
+              <a:t>The </a:t>
+            </a:r>
+            <a:r>
+              <a:rPr lang="en-US" dirty="0" smtClean="0"/>
+              <a:t>model mean </a:t>
+            </a:r>
+            <a:r>
+              <a:rPr lang="en-US" dirty="0" smtClean="0"/>
+              <a:t>is a function of our</a:t>
             </a:r>
           </a:p>
           <a:p>

--- a/classes/stats2015/Lecture21.pptx
+++ b/classes/stats2015/Lecture21.pptx
@@ -7832,24 +7832,34 @@
               <a:rPr lang="en-US" dirty="0" smtClean="0">
                 <a:sym typeface="Symbol"/>
               </a:rPr>
-              <a:t></a:t>
-            </a:r>
-            <a:r>
-              <a:rPr lang="en-US" dirty="0" smtClean="0"/>
-              <a:t> if a head </a:t>
-            </a:r>
-            <a:r>
-              <a:rPr lang="en-US" dirty="0" smtClean="0"/>
-              <a:t>(1-</a:t>
-            </a:r>
-            <a:r>
-              <a:rPr lang="en-US" dirty="0" smtClean="0">
+              <a:t></a:t>
+            </a:r>
+            <a:r>
+              <a:rPr lang="en-US" dirty="0" smtClean="0"/>
+              <a:t> </a:t>
+            </a:r>
+            <a:r>
+              <a:rPr lang="en-US" dirty="0" smtClean="0"/>
+              <a:t>if a head (</a:t>
+            </a:r>
+            <a:r>
+              <a:rPr lang="en-US" smtClean="0"/>
+              <a:t>1-</a:t>
+            </a:r>
+            <a:r>
+              <a:rPr lang="en-US" smtClean="0">
                 <a:sym typeface="Symbol"/>
               </a:rPr>
-              <a:t> </a:t>
-            </a:r>
-            <a:r>
-              <a:rPr lang="en-US" dirty="0" smtClean="0"/>
+              <a:t> </a:t>
+            </a:r>
+            <a:r>
+              <a:rPr lang="en-US" smtClean="0">
+                <a:sym typeface="Symbol"/>
+              </a:rPr>
+              <a:t></a:t>
+            </a:r>
+            <a:r>
+              <a:rPr lang="en-US" smtClean="0"/>
               <a:t>) </a:t>
             </a:r>
             <a:r>
@@ -9534,15 +9544,7 @@
           <a:p>
             <a:r>
               <a:rPr lang="en-US" dirty="0" smtClean="0"/>
-              <a:t>The </a:t>
-            </a:r>
-            <a:r>
-              <a:rPr lang="en-US" dirty="0" smtClean="0"/>
-              <a:t>model value mean is </a:t>
-            </a:r>
-            <a:r>
-              <a:rPr lang="en-US" dirty="0" smtClean="0"/>
-              <a:t>a function of our </a:t>
+              <a:t>The model value mean is a function of our </a:t>
             </a:r>
           </a:p>
           <a:p>
@@ -9584,15 +9586,7 @@
           <a:p>
             <a:r>
               <a:rPr lang="en-US" dirty="0" smtClean="0"/>
-              <a:t>The exponential term ensures only positive </a:t>
-            </a:r>
-            <a:r>
-              <a:rPr lang="en-US" dirty="0" smtClean="0"/>
-              <a:t>model means</a:t>
-            </a:r>
-            <a:r>
-              <a:rPr lang="en-US" dirty="0" smtClean="0"/>
-              <a:t>!</a:t>
+              <a:t>The exponential term ensures only positive model means!</a:t>
             </a:r>
           </a:p>
         </p:txBody>
@@ -9943,15 +9937,7 @@
           <a:p>
             <a:r>
               <a:rPr lang="en-US" dirty="0" smtClean="0"/>
-              <a:t>The </a:t>
-            </a:r>
-            <a:r>
-              <a:rPr lang="en-US" dirty="0" smtClean="0"/>
-              <a:t>model mean </a:t>
-            </a:r>
-            <a:r>
-              <a:rPr lang="en-US" dirty="0" smtClean="0"/>
-              <a:t>is a function of our</a:t>
+              <a:t>The model mean is a function of our</a:t>
             </a:r>
           </a:p>
           <a:p>
